--- a/HM5/專案管理.pptx
+++ b/HM5/專案管理.pptx
@@ -5,17 +5,16 @@
     <p:sldMasterId id="2147483689" r:id="rId1"/>
   </p:sldMasterIdLst>
   <p:notesMasterIdLst>
-    <p:notesMasterId r:id="rId10"/>
+    <p:notesMasterId r:id="rId9"/>
   </p:notesMasterIdLst>
   <p:sldIdLst>
     <p:sldId id="256" r:id="rId2"/>
     <p:sldId id="261" r:id="rId3"/>
-    <p:sldId id="264" r:id="rId4"/>
-    <p:sldId id="258" r:id="rId5"/>
-    <p:sldId id="263" r:id="rId6"/>
+    <p:sldId id="263" r:id="rId4"/>
+    <p:sldId id="264" r:id="rId5"/>
+    <p:sldId id="258" r:id="rId6"/>
     <p:sldId id="266" r:id="rId7"/>
     <p:sldId id="267" r:id="rId8"/>
-    <p:sldId id="262" r:id="rId9"/>
   </p:sldIdLst>
   <p:sldSz cx="12192000" cy="6858000"/>
   <p:notesSz cx="6858000" cy="9144000"/>
@@ -204,7 +203,7 @@
           <a:p>
             <a:fld id="{8DADACD0-0803-4739-80AC-0BF714382191}" type="datetimeFigureOut">
               <a:rPr lang="zh-TW" altLang="en-US" smtClean="0"/>
-              <a:t>2020/11/30</a:t>
+              <a:t>2020/12/8</a:t>
             </a:fld>
             <a:endParaRPr lang="zh-TW" altLang="en-US"/>
           </a:p>
@@ -537,7 +536,7 @@
           <a:p>
             <a:fld id="{EF8A6B0B-A5FB-4629-B823-69B1A9EB3A43}" type="slidenum">
               <a:rPr lang="zh-TW" altLang="en-US" smtClean="0"/>
-              <a:t>4</a:t>
+              <a:t>5</a:t>
             </a:fld>
             <a:endParaRPr lang="zh-TW" altLang="en-US"/>
           </a:p>
@@ -1778,7 +1777,7 @@
           <a:p>
             <a:fld id="{A443866F-78E9-4748-B589-0BAF5BCC8E53}" type="datetimeFigureOut">
               <a:rPr lang="zh-TW" altLang="en-US" smtClean="0"/>
-              <a:t>2020/11/30</a:t>
+              <a:t>2020/12/8</a:t>
             </a:fld>
             <a:endParaRPr lang="zh-TW" altLang="en-US"/>
           </a:p>
@@ -2021,7 +2020,7 @@
           <a:p>
             <a:fld id="{A443866F-78E9-4748-B589-0BAF5BCC8E53}" type="datetimeFigureOut">
               <a:rPr lang="zh-TW" altLang="en-US" smtClean="0"/>
-              <a:t>2020/11/30</a:t>
+              <a:t>2020/12/8</a:t>
             </a:fld>
             <a:endParaRPr lang="zh-TW" altLang="en-US"/>
           </a:p>
@@ -2201,7 +2200,7 @@
           <a:p>
             <a:fld id="{A443866F-78E9-4748-B589-0BAF5BCC8E53}" type="datetimeFigureOut">
               <a:rPr lang="zh-TW" altLang="en-US" smtClean="0"/>
-              <a:t>2020/11/30</a:t>
+              <a:t>2020/12/8</a:t>
             </a:fld>
             <a:endParaRPr lang="zh-TW" altLang="en-US"/>
           </a:p>
@@ -2371,7 +2370,7 @@
           <a:p>
             <a:fld id="{A443866F-78E9-4748-B589-0BAF5BCC8E53}" type="datetimeFigureOut">
               <a:rPr lang="zh-TW" altLang="en-US" smtClean="0"/>
-              <a:t>2020/11/30</a:t>
+              <a:t>2020/12/8</a:t>
             </a:fld>
             <a:endParaRPr lang="zh-TW" altLang="en-US"/>
           </a:p>
@@ -2650,7 +2649,7 @@
           <a:p>
             <a:fld id="{A443866F-78E9-4748-B589-0BAF5BCC8E53}" type="datetimeFigureOut">
               <a:rPr lang="zh-TW" altLang="en-US" smtClean="0"/>
-              <a:t>2020/11/30</a:t>
+              <a:t>2020/12/8</a:t>
             </a:fld>
             <a:endParaRPr lang="zh-TW" altLang="en-US"/>
           </a:p>
@@ -3851,7 +3850,7 @@
           <a:p>
             <a:fld id="{A443866F-78E9-4748-B589-0BAF5BCC8E53}" type="datetimeFigureOut">
               <a:rPr lang="zh-TW" altLang="en-US" smtClean="0"/>
-              <a:t>2020/11/30</a:t>
+              <a:t>2020/12/8</a:t>
             </a:fld>
             <a:endParaRPr lang="zh-TW" altLang="en-US"/>
           </a:p>
@@ -4247,7 +4246,7 @@
           <a:p>
             <a:fld id="{A443866F-78E9-4748-B589-0BAF5BCC8E53}" type="datetimeFigureOut">
               <a:rPr lang="zh-TW" altLang="en-US" smtClean="0"/>
-              <a:t>2020/11/30</a:t>
+              <a:t>2020/12/8</a:t>
             </a:fld>
             <a:endParaRPr lang="zh-TW" altLang="en-US"/>
           </a:p>
@@ -4370,7 +4369,7 @@
           <a:p>
             <a:fld id="{A443866F-78E9-4748-B589-0BAF5BCC8E53}" type="datetimeFigureOut">
               <a:rPr lang="zh-TW" altLang="en-US" smtClean="0"/>
-              <a:t>2020/11/30</a:t>
+              <a:t>2020/12/8</a:t>
             </a:fld>
             <a:endParaRPr lang="zh-TW" altLang="en-US"/>
           </a:p>
@@ -4465,7 +4464,7 @@
           <a:p>
             <a:fld id="{A443866F-78E9-4748-B589-0BAF5BCC8E53}" type="datetimeFigureOut">
               <a:rPr lang="zh-TW" altLang="en-US" smtClean="0"/>
-              <a:t>2020/11/30</a:t>
+              <a:t>2020/12/8</a:t>
             </a:fld>
             <a:endParaRPr lang="zh-TW" altLang="en-US"/>
           </a:p>
@@ -5231,7 +5230,7 @@
           <a:p>
             <a:fld id="{A443866F-78E9-4748-B589-0BAF5BCC8E53}" type="datetimeFigureOut">
               <a:rPr lang="zh-TW" altLang="en-US" smtClean="0"/>
-              <a:t>2020/11/30</a:t>
+              <a:t>2020/12/8</a:t>
             </a:fld>
             <a:endParaRPr lang="zh-TW" altLang="en-US"/>
           </a:p>
@@ -6074,7 +6073,7 @@
           <a:p>
             <a:fld id="{A443866F-78E9-4748-B589-0BAF5BCC8E53}" type="datetimeFigureOut">
               <a:rPr lang="zh-TW" altLang="en-US" smtClean="0"/>
-              <a:t>2020/11/30</a:t>
+              <a:t>2020/12/8</a:t>
             </a:fld>
             <a:endParaRPr lang="zh-TW" altLang="en-US"/>
           </a:p>
@@ -6301,7 +6300,7 @@
           <a:p>
             <a:fld id="{A443866F-78E9-4748-B589-0BAF5BCC8E53}" type="datetimeFigureOut">
               <a:rPr lang="zh-TW" altLang="en-US" smtClean="0"/>
-              <a:t>2020/11/30</a:t>
+              <a:t>2020/12/8</a:t>
             </a:fld>
             <a:endParaRPr lang="zh-TW" altLang="en-US"/>
           </a:p>
@@ -7496,7 +7495,7 @@
           <a:lstStyle/>
           <a:p>
             <a:r>
-              <a:rPr lang="zh-TW" altLang="en-US" dirty="0"/>
+              <a:rPr lang="zh-TW" altLang="en-US" dirty="0" smtClean="0"/>
               <a:t>專案功能需求</a:t>
             </a:r>
             <a:r>
@@ -7713,507 +7712,6 @@
       </p:grpSpPr>
       <p:sp>
         <p:nvSpPr>
-          <p:cNvPr id="4" name="標題 1">
-            <a:extLst>
-              <a:ext uri="{FF2B5EF4-FFF2-40B4-BE49-F238E27FC236}">
-                <a16:creationId xmlns:a16="http://schemas.microsoft.com/office/drawing/2014/main" id="{C6FBB460-89A1-457F-B436-CF595FC7DF80}"/>
-              </a:ext>
-            </a:extLst>
-          </p:cNvPr>
-          <p:cNvSpPr>
-            <a:spLocks noGrp="1"/>
-          </p:cNvSpPr>
-          <p:nvPr>
-            <p:ph type="title"/>
-          </p:nvPr>
-        </p:nvSpPr>
-        <p:spPr>
-          <a:xfrm>
-            <a:off x="887607" y="668454"/>
-            <a:ext cx="10106733" cy="719494"/>
-          </a:xfrm>
-        </p:spPr>
-        <p:txBody>
-          <a:bodyPr>
-            <a:normAutofit fontScale="90000"/>
-          </a:bodyPr>
-          <a:lstStyle/>
-          <a:p>
-            <a:r>
-              <a:rPr lang="zh-TW" altLang="en-US" dirty="0"/>
-              <a:t>專案功能需求</a:t>
-            </a:r>
-            <a:r>
-              <a:rPr lang="en-US" altLang="zh-TW" dirty="0"/>
-              <a:t>-</a:t>
-            </a:r>
-            <a:r>
-              <a:rPr lang="zh-TW" altLang="en-US" dirty="0"/>
-              <a:t>效能需求</a:t>
-            </a:r>
-          </a:p>
-        </p:txBody>
-      </p:sp>
-      <p:sp>
-        <p:nvSpPr>
-          <p:cNvPr id="6" name="文本框 51">
-            <a:extLst>
-              <a:ext uri="{FF2B5EF4-FFF2-40B4-BE49-F238E27FC236}">
-                <a16:creationId xmlns:a16="http://schemas.microsoft.com/office/drawing/2014/main" id="{86FD3623-FCAD-4724-A9AE-5264648A06B8}"/>
-              </a:ext>
-            </a:extLst>
-          </p:cNvPr>
-          <p:cNvSpPr txBox="1"/>
-          <p:nvPr/>
-        </p:nvSpPr>
-        <p:spPr>
-          <a:xfrm>
-            <a:off x="1586507" y="1910964"/>
-            <a:ext cx="6730558" cy="3046988"/>
-          </a:xfrm>
-          <a:prstGeom prst="rect">
-            <a:avLst/>
-          </a:prstGeom>
-          <a:noFill/>
-        </p:spPr>
-        <p:txBody>
-          <a:bodyPr wrap="square" rtlCol="0">
-            <a:spAutoFit/>
-          </a:bodyPr>
-          <a:lstStyle/>
-          <a:p>
-            <a:pPr lvl="1" indent="-457200">
-              <a:lnSpc>
-                <a:spcPct val="150000"/>
-              </a:lnSpc>
-              <a:buFont typeface="Arial" panose="020B0604020202020204" pitchFamily="34" charset="0"/>
-              <a:buChar char="•"/>
-            </a:pPr>
-            <a:r>
-              <a:rPr lang="en-US" altLang="zh-TW" sz="3200" dirty="0" smtClean="0">
-                <a:solidFill>
-                  <a:schemeClr val="tx1">
-                    <a:lumMod val="75000"/>
-                    <a:lumOff val="25000"/>
-                  </a:schemeClr>
-                </a:solidFill>
-                <a:latin typeface="+mn-ea"/>
-                <a:cs typeface="+mn-ea"/>
-              </a:rPr>
-              <a:t>FPS&gt;60</a:t>
-            </a:r>
-          </a:p>
-          <a:p>
-            <a:pPr lvl="1" indent="-457200">
-              <a:lnSpc>
-                <a:spcPct val="150000"/>
-              </a:lnSpc>
-              <a:buFont typeface="Arial" panose="020B0604020202020204" pitchFamily="34" charset="0"/>
-              <a:buChar char="•"/>
-            </a:pPr>
-            <a:endParaRPr lang="en-US" altLang="zh-TW" sz="3200" dirty="0" smtClean="0">
-              <a:solidFill>
-                <a:schemeClr val="tx1">
-                  <a:lumMod val="75000"/>
-                  <a:lumOff val="25000"/>
-                </a:schemeClr>
-              </a:solidFill>
-              <a:latin typeface="+mn-ea"/>
-              <a:cs typeface="+mn-ea"/>
-            </a:endParaRPr>
-          </a:p>
-          <a:p>
-            <a:pPr lvl="1" indent="-457200">
-              <a:lnSpc>
-                <a:spcPct val="150000"/>
-              </a:lnSpc>
-              <a:buFont typeface="Arial" panose="020B0604020202020204" pitchFamily="34" charset="0"/>
-              <a:buChar char="•"/>
-            </a:pPr>
-            <a:endParaRPr lang="en-US" altLang="zh-TW" sz="3200" dirty="0" smtClean="0">
-              <a:solidFill>
-                <a:schemeClr val="tx1">
-                  <a:lumMod val="75000"/>
-                  <a:lumOff val="25000"/>
-                </a:schemeClr>
-              </a:solidFill>
-              <a:latin typeface="+mn-ea"/>
-              <a:cs typeface="+mn-ea"/>
-            </a:endParaRPr>
-          </a:p>
-          <a:p>
-            <a:pPr lvl="1" indent="-457200">
-              <a:lnSpc>
-                <a:spcPct val="150000"/>
-              </a:lnSpc>
-              <a:buFont typeface="Arial" panose="020B0604020202020204" pitchFamily="34" charset="0"/>
-              <a:buChar char="•"/>
-            </a:pPr>
-            <a:endParaRPr lang="en-US" altLang="zh-TW" sz="3200" dirty="0">
-              <a:solidFill>
-                <a:schemeClr val="tx1">
-                  <a:lumMod val="75000"/>
-                  <a:lumOff val="25000"/>
-                </a:schemeClr>
-              </a:solidFill>
-              <a:latin typeface="+mn-ea"/>
-              <a:cs typeface="+mn-ea"/>
-              <a:sym typeface="+mn-lt"/>
-            </a:endParaRPr>
-          </a:p>
-        </p:txBody>
-      </p:sp>
-    </p:spTree>
-    <p:extLst>
-      <p:ext uri="{BB962C8B-B14F-4D97-AF65-F5344CB8AC3E}">
-        <p14:creationId xmlns:p14="http://schemas.microsoft.com/office/powerpoint/2010/main" val="3586705822"/>
-      </p:ext>
-    </p:extLst>
-  </p:cSld>
-  <p:clrMapOvr>
-    <a:masterClrMapping/>
-  </p:clrMapOvr>
-</p:sld>
-</file>
-
-<file path=ppt/slides/slide4.xml><?xml version="1.0" encoding="utf-8"?>
-<p:sld xmlns:a="http://schemas.openxmlformats.org/drawingml/2006/main" xmlns:r="http://schemas.openxmlformats.org/officeDocument/2006/relationships" xmlns:p="http://schemas.openxmlformats.org/presentationml/2006/main">
-  <p:cSld>
-    <p:spTree>
-      <p:nvGrpSpPr>
-        <p:cNvPr id="1" name=""/>
-        <p:cNvGrpSpPr/>
-        <p:nvPr/>
-      </p:nvGrpSpPr>
-      <p:grpSpPr>
-        <a:xfrm>
-          <a:off x="0" y="0"/>
-          <a:ext cx="0" cy="0"/>
-          <a:chOff x="0" y="0"/>
-          <a:chExt cx="0" cy="0"/>
-        </a:xfrm>
-      </p:grpSpPr>
-      <p:sp>
-        <p:nvSpPr>
-          <p:cNvPr id="2" name="內容版面配置區 1"/>
-          <p:cNvSpPr>
-            <a:spLocks noGrp="1"/>
-          </p:cNvSpPr>
-          <p:nvPr>
-            <p:ph idx="1"/>
-          </p:nvPr>
-        </p:nvSpPr>
-        <p:spPr/>
-        <p:txBody>
-          <a:bodyPr>
-            <a:normAutofit/>
-          </a:bodyPr>
-          <a:lstStyle/>
-          <a:p>
-            <a:pPr marL="0" indent="0">
-              <a:buNone/>
-            </a:pPr>
-            <a:r>
-              <a:rPr lang="zh-TW" altLang="en-US" sz="3000" dirty="0" smtClean="0"/>
-              <a:t>功能需求</a:t>
-            </a:r>
-            <a:r>
-              <a:rPr lang="en-US" altLang="zh-TW" sz="3000" dirty="0"/>
-              <a:t>:</a:t>
-            </a:r>
-            <a:r>
-              <a:rPr lang="zh-TW" altLang="en-US" sz="3000" dirty="0"/>
-              <a:t> </a:t>
-            </a:r>
-            <a:endParaRPr lang="en-US" altLang="zh-TW" sz="2800" dirty="0">
-              <a:solidFill>
-                <a:schemeClr val="tx1">
-                  <a:lumMod val="75000"/>
-                  <a:lumOff val="25000"/>
-                </a:schemeClr>
-              </a:solidFill>
-              <a:cs typeface="+mn-ea"/>
-            </a:endParaRPr>
-          </a:p>
-          <a:p>
-            <a:r>
-              <a:rPr lang="zh-TW" altLang="en-US" sz="2800" dirty="0">
-                <a:solidFill>
-                  <a:schemeClr val="tx1">
-                    <a:lumMod val="75000"/>
-                    <a:lumOff val="25000"/>
-                  </a:schemeClr>
-                </a:solidFill>
-                <a:cs typeface="+mn-ea"/>
-              </a:rPr>
-              <a:t>預測對方擊球後落</a:t>
-            </a:r>
-            <a:r>
-              <a:rPr lang="zh-TW" altLang="en-US" sz="2800" dirty="0" smtClean="0">
-                <a:solidFill>
-                  <a:schemeClr val="tx1">
-                    <a:lumMod val="75000"/>
-                    <a:lumOff val="25000"/>
-                  </a:schemeClr>
-                </a:solidFill>
-                <a:cs typeface="+mn-ea"/>
-              </a:rPr>
-              <a:t>點 </a:t>
-            </a:r>
-            <a:endParaRPr lang="en-US" altLang="zh-TW" sz="2800" dirty="0" smtClean="0">
-              <a:solidFill>
-                <a:schemeClr val="tx1">
-                  <a:lumMod val="75000"/>
-                  <a:lumOff val="25000"/>
-                </a:schemeClr>
-              </a:solidFill>
-              <a:cs typeface="+mn-ea"/>
-            </a:endParaRPr>
-          </a:p>
-          <a:p>
-            <a:r>
-              <a:rPr lang="zh-TW" altLang="en-US" sz="2800" dirty="0" smtClean="0">
-                <a:solidFill>
-                  <a:schemeClr val="tx1">
-                    <a:lumMod val="75000"/>
-                    <a:lumOff val="25000"/>
-                  </a:schemeClr>
-                </a:solidFill>
-                <a:cs typeface="+mn-ea"/>
-                <a:sym typeface="+mn-lt"/>
-              </a:rPr>
-              <a:t>平板以中心接球</a:t>
-            </a:r>
-            <a:endParaRPr lang="en-US" altLang="zh-TW" sz="2800" dirty="0">
-              <a:solidFill>
-                <a:schemeClr val="tx1">
-                  <a:lumMod val="75000"/>
-                  <a:lumOff val="25000"/>
-                </a:schemeClr>
-              </a:solidFill>
-              <a:cs typeface="+mn-ea"/>
-            </a:endParaRPr>
-          </a:p>
-          <a:p>
-            <a:r>
-              <a:rPr lang="zh-TW" altLang="en-US" sz="2800" dirty="0">
-                <a:solidFill>
-                  <a:schemeClr val="tx1">
-                    <a:lumMod val="75000"/>
-                    <a:lumOff val="25000"/>
-                  </a:schemeClr>
-                </a:solidFill>
-                <a:cs typeface="+mn-ea"/>
-                <a:sym typeface="+mn-lt"/>
-              </a:rPr>
-              <a:t>在速度到達</a:t>
-            </a:r>
-            <a:r>
-              <a:rPr lang="en-US" altLang="zh-TW" sz="2800" dirty="0">
-                <a:solidFill>
-                  <a:schemeClr val="tx1">
-                    <a:lumMod val="75000"/>
-                    <a:lumOff val="25000"/>
-                  </a:schemeClr>
-                </a:solidFill>
-                <a:cs typeface="+mn-ea"/>
-                <a:sym typeface="+mn-lt"/>
-              </a:rPr>
-              <a:t>15</a:t>
-            </a:r>
-            <a:r>
-              <a:rPr lang="zh-TW" altLang="en-US" sz="2800" dirty="0">
-                <a:solidFill>
-                  <a:schemeClr val="tx1">
-                    <a:lumMod val="75000"/>
-                    <a:lumOff val="25000"/>
-                  </a:schemeClr>
-                </a:solidFill>
-                <a:cs typeface="+mn-ea"/>
-                <a:sym typeface="+mn-lt"/>
-              </a:rPr>
-              <a:t>以前不失誤</a:t>
-            </a:r>
-            <a:endParaRPr lang="en-US" altLang="zh-TW" sz="2800" dirty="0">
-              <a:solidFill>
-                <a:schemeClr val="tx1">
-                  <a:lumMod val="75000"/>
-                  <a:lumOff val="25000"/>
-                </a:schemeClr>
-              </a:solidFill>
-              <a:cs typeface="+mn-ea"/>
-              <a:sym typeface="+mn-lt"/>
-            </a:endParaRPr>
-          </a:p>
-          <a:p>
-            <a:r>
-              <a:rPr lang="zh-TW" altLang="en-US" sz="2800" dirty="0">
-                <a:solidFill>
-                  <a:schemeClr val="tx1">
-                    <a:lumMod val="75000"/>
-                    <a:lumOff val="25000"/>
-                  </a:schemeClr>
-                </a:solidFill>
-                <a:cs typeface="+mn-ea"/>
-                <a:sym typeface="+mn-lt"/>
-              </a:rPr>
-              <a:t>切球</a:t>
-            </a:r>
-            <a:r>
-              <a:rPr lang="en-US" altLang="zh-TW" sz="2800" dirty="0">
-                <a:solidFill>
-                  <a:schemeClr val="tx1">
-                    <a:lumMod val="75000"/>
-                    <a:lumOff val="25000"/>
-                  </a:schemeClr>
-                </a:solidFill>
-                <a:cs typeface="+mn-ea"/>
-                <a:sym typeface="+mn-lt"/>
-              </a:rPr>
-              <a:t>(</a:t>
-            </a:r>
-            <a:r>
-              <a:rPr lang="zh-TW" altLang="en-US" sz="2800" dirty="0">
-                <a:solidFill>
-                  <a:schemeClr val="tx1">
-                    <a:lumMod val="75000"/>
-                    <a:lumOff val="25000"/>
-                  </a:schemeClr>
-                </a:solidFill>
-                <a:cs typeface="+mn-ea"/>
-                <a:sym typeface="+mn-lt"/>
-              </a:rPr>
-              <a:t>左右移動直到擊完球</a:t>
-            </a:r>
-            <a:r>
-              <a:rPr lang="en-US" altLang="zh-TW" sz="2800" dirty="0">
-                <a:solidFill>
-                  <a:schemeClr val="tx1">
-                    <a:lumMod val="75000"/>
-                    <a:lumOff val="25000"/>
-                  </a:schemeClr>
-                </a:solidFill>
-                <a:cs typeface="+mn-ea"/>
-                <a:sym typeface="+mn-lt"/>
-              </a:rPr>
-              <a:t>)</a:t>
-            </a:r>
-          </a:p>
-          <a:p>
-            <a:pPr marL="0" indent="0">
-              <a:buNone/>
-            </a:pPr>
-            <a:endParaRPr lang="en-US" altLang="zh-TW" sz="2800" dirty="0" smtClean="0">
-              <a:solidFill>
-                <a:schemeClr val="tx1">
-                  <a:lumMod val="75000"/>
-                  <a:lumOff val="25000"/>
-                </a:schemeClr>
-              </a:solidFill>
-              <a:cs typeface="+mn-ea"/>
-              <a:sym typeface="+mn-lt"/>
-            </a:endParaRPr>
-          </a:p>
-          <a:p>
-            <a:endParaRPr lang="zh-CN" altLang="en-US" sz="2800" dirty="0">
-              <a:solidFill>
-                <a:schemeClr val="tx1">
-                  <a:lumMod val="75000"/>
-                  <a:lumOff val="25000"/>
-                </a:schemeClr>
-              </a:solidFill>
-              <a:cs typeface="+mn-ea"/>
-              <a:sym typeface="+mn-lt"/>
-            </a:endParaRPr>
-          </a:p>
-          <a:p>
-            <a:pPr marL="0" indent="0">
-              <a:buNone/>
-            </a:pPr>
-            <a:endParaRPr lang="en-US" altLang="zh-TW" sz="3000" dirty="0"/>
-          </a:p>
-          <a:p>
-            <a:pPr marL="457200" lvl="1" indent="0">
-              <a:buNone/>
-            </a:pPr>
-            <a:endParaRPr lang="en-US" altLang="zh-TW" dirty="0"/>
-          </a:p>
-        </p:txBody>
-      </p:sp>
-      <p:sp>
-        <p:nvSpPr>
-          <p:cNvPr id="3" name="標題 2"/>
-          <p:cNvSpPr>
-            <a:spLocks noGrp="1"/>
-          </p:cNvSpPr>
-          <p:nvPr>
-            <p:ph type="title"/>
-          </p:nvPr>
-        </p:nvSpPr>
-        <p:spPr>
-          <a:xfrm>
-            <a:off x="838200" y="365125"/>
-            <a:ext cx="10515600" cy="720000"/>
-          </a:xfrm>
-        </p:spPr>
-        <p:txBody>
-          <a:bodyPr>
-            <a:normAutofit fontScale="90000"/>
-          </a:bodyPr>
-          <a:lstStyle/>
-          <a:p>
-            <a:r>
-              <a:rPr lang="zh-TW" altLang="en-US" b="0" dirty="0"/>
-              <a:t>需求 </a:t>
-            </a:r>
-            <a:r>
-              <a:rPr lang="en-US" altLang="zh-TW" b="0" dirty="0"/>
-              <a:t>–</a:t>
-            </a:r>
-            <a:r>
-              <a:rPr lang="zh-TW" altLang="en-US" b="0" dirty="0"/>
-              <a:t> </a:t>
-            </a:r>
-            <a:r>
-              <a:rPr lang="zh-TW" altLang="en-US" b="0" dirty="0" smtClean="0"/>
-              <a:t>功能需求</a:t>
-            </a:r>
-            <a:endParaRPr lang="zh-TW" altLang="en-US" b="0" dirty="0"/>
-          </a:p>
-        </p:txBody>
-      </p:sp>
-    </p:spTree>
-    <p:extLst>
-      <p:ext uri="{BB962C8B-B14F-4D97-AF65-F5344CB8AC3E}">
-        <p14:creationId xmlns:p14="http://schemas.microsoft.com/office/powerpoint/2010/main" val="3921814854"/>
-      </p:ext>
-    </p:extLst>
-  </p:cSld>
-  <p:clrMapOvr>
-    <a:masterClrMapping/>
-  </p:clrMapOvr>
-</p:sld>
-</file>
-
-<file path=ppt/slides/slide5.xml><?xml version="1.0" encoding="utf-8"?>
-<p:sld xmlns:a="http://schemas.openxmlformats.org/drawingml/2006/main" xmlns:r="http://schemas.openxmlformats.org/officeDocument/2006/relationships" xmlns:p="http://schemas.openxmlformats.org/presentationml/2006/main">
-  <p:cSld>
-    <p:spTree>
-      <p:nvGrpSpPr>
-        <p:cNvPr id="1" name=""/>
-        <p:cNvGrpSpPr/>
-        <p:nvPr/>
-      </p:nvGrpSpPr>
-      <p:grpSpPr>
-        <a:xfrm>
-          <a:off x="0" y="0"/>
-          <a:ext cx="0" cy="0"/>
-          <a:chOff x="0" y="0"/>
-          <a:chExt cx="0" cy="0"/>
-        </a:xfrm>
-      </p:grpSpPr>
-      <p:sp>
-        <p:nvSpPr>
           <p:cNvPr id="2" name="標題 1">
             <a:extLst>
               <a:ext uri="{FF2B5EF4-FFF2-40B4-BE49-F238E27FC236}">
@@ -8241,17 +7739,22 @@
           <a:lstStyle/>
           <a:p>
             <a:r>
+              <a:rPr lang="zh-TW" altLang="en-US" dirty="0" smtClean="0"/>
+              <a:t>專案限制</a:t>
+            </a:r>
+            <a:r>
+              <a:rPr lang="en-US" altLang="zh-TW" dirty="0" smtClean="0"/>
+              <a:t>-</a:t>
+            </a:r>
+            <a:r>
               <a:rPr lang="zh-TW" altLang="en-US" dirty="0"/>
-              <a:t>專案分析</a:t>
-            </a:r>
-            <a:r>
-              <a:rPr lang="en-US" altLang="zh-TW" dirty="0"/>
-              <a:t>-</a:t>
-            </a:r>
-            <a:r>
-              <a:rPr lang="zh-TW" altLang="en-US" dirty="0"/>
-              <a:t>基本遊戲分析</a:t>
-            </a:r>
+              <a:t>基本</a:t>
+            </a:r>
+            <a:r>
+              <a:rPr lang="zh-TW" altLang="en-US" dirty="0" smtClean="0"/>
+              <a:t>遊戲</a:t>
+            </a:r>
+            <a:endParaRPr lang="zh-TW" altLang="en-US" dirty="0"/>
           </a:p>
         </p:txBody>
       </p:sp>
@@ -9054,6 +8557,507 @@
 </p:sld>
 </file>
 
+<file path=ppt/slides/slide4.xml><?xml version="1.0" encoding="utf-8"?>
+<p:sld xmlns:a="http://schemas.openxmlformats.org/drawingml/2006/main" xmlns:r="http://schemas.openxmlformats.org/officeDocument/2006/relationships" xmlns:p="http://schemas.openxmlformats.org/presentationml/2006/main">
+  <p:cSld>
+    <p:spTree>
+      <p:nvGrpSpPr>
+        <p:cNvPr id="1" name=""/>
+        <p:cNvGrpSpPr/>
+        <p:nvPr/>
+      </p:nvGrpSpPr>
+      <p:grpSpPr>
+        <a:xfrm>
+          <a:off x="0" y="0"/>
+          <a:ext cx="0" cy="0"/>
+          <a:chOff x="0" y="0"/>
+          <a:chExt cx="0" cy="0"/>
+        </a:xfrm>
+      </p:grpSpPr>
+      <p:sp>
+        <p:nvSpPr>
+          <p:cNvPr id="4" name="標題 1">
+            <a:extLst>
+              <a:ext uri="{FF2B5EF4-FFF2-40B4-BE49-F238E27FC236}">
+                <a16:creationId xmlns:a16="http://schemas.microsoft.com/office/drawing/2014/main" id="{C6FBB460-89A1-457F-B436-CF595FC7DF80}"/>
+              </a:ext>
+            </a:extLst>
+          </p:cNvPr>
+          <p:cNvSpPr>
+            <a:spLocks noGrp="1"/>
+          </p:cNvSpPr>
+          <p:nvPr>
+            <p:ph type="title"/>
+          </p:nvPr>
+        </p:nvSpPr>
+        <p:spPr>
+          <a:xfrm>
+            <a:off x="887607" y="668454"/>
+            <a:ext cx="10106733" cy="719494"/>
+          </a:xfrm>
+        </p:spPr>
+        <p:txBody>
+          <a:bodyPr>
+            <a:normAutofit fontScale="90000"/>
+          </a:bodyPr>
+          <a:lstStyle/>
+          <a:p>
+            <a:r>
+              <a:rPr lang="zh-TW" altLang="en-US" dirty="0"/>
+              <a:t>專案功能需求</a:t>
+            </a:r>
+            <a:r>
+              <a:rPr lang="en-US" altLang="zh-TW" dirty="0"/>
+              <a:t>-</a:t>
+            </a:r>
+            <a:r>
+              <a:rPr lang="zh-TW" altLang="en-US" dirty="0"/>
+              <a:t>效能需求</a:t>
+            </a:r>
+          </a:p>
+        </p:txBody>
+      </p:sp>
+      <p:sp>
+        <p:nvSpPr>
+          <p:cNvPr id="6" name="文本框 51">
+            <a:extLst>
+              <a:ext uri="{FF2B5EF4-FFF2-40B4-BE49-F238E27FC236}">
+                <a16:creationId xmlns:a16="http://schemas.microsoft.com/office/drawing/2014/main" id="{86FD3623-FCAD-4724-A9AE-5264648A06B8}"/>
+              </a:ext>
+            </a:extLst>
+          </p:cNvPr>
+          <p:cNvSpPr txBox="1"/>
+          <p:nvPr/>
+        </p:nvSpPr>
+        <p:spPr>
+          <a:xfrm>
+            <a:off x="1586507" y="1910964"/>
+            <a:ext cx="6730558" cy="3046988"/>
+          </a:xfrm>
+          <a:prstGeom prst="rect">
+            <a:avLst/>
+          </a:prstGeom>
+          <a:noFill/>
+        </p:spPr>
+        <p:txBody>
+          <a:bodyPr wrap="square" rtlCol="0">
+            <a:spAutoFit/>
+          </a:bodyPr>
+          <a:lstStyle/>
+          <a:p>
+            <a:pPr lvl="1" indent="-457200">
+              <a:lnSpc>
+                <a:spcPct val="150000"/>
+              </a:lnSpc>
+              <a:buFont typeface="Arial" panose="020B0604020202020204" pitchFamily="34" charset="0"/>
+              <a:buChar char="•"/>
+            </a:pPr>
+            <a:r>
+              <a:rPr lang="en-US" altLang="zh-TW" sz="3200" dirty="0" smtClean="0">
+                <a:solidFill>
+                  <a:schemeClr val="tx1">
+                    <a:lumMod val="75000"/>
+                    <a:lumOff val="25000"/>
+                  </a:schemeClr>
+                </a:solidFill>
+                <a:latin typeface="+mn-ea"/>
+                <a:cs typeface="+mn-ea"/>
+              </a:rPr>
+              <a:t>FPS&gt;60</a:t>
+            </a:r>
+          </a:p>
+          <a:p>
+            <a:pPr lvl="1" indent="-457200">
+              <a:lnSpc>
+                <a:spcPct val="150000"/>
+              </a:lnSpc>
+              <a:buFont typeface="Arial" panose="020B0604020202020204" pitchFamily="34" charset="0"/>
+              <a:buChar char="•"/>
+            </a:pPr>
+            <a:endParaRPr lang="en-US" altLang="zh-TW" sz="3200" dirty="0" smtClean="0">
+              <a:solidFill>
+                <a:schemeClr val="tx1">
+                  <a:lumMod val="75000"/>
+                  <a:lumOff val="25000"/>
+                </a:schemeClr>
+              </a:solidFill>
+              <a:latin typeface="+mn-ea"/>
+              <a:cs typeface="+mn-ea"/>
+            </a:endParaRPr>
+          </a:p>
+          <a:p>
+            <a:pPr lvl="1" indent="-457200">
+              <a:lnSpc>
+                <a:spcPct val="150000"/>
+              </a:lnSpc>
+              <a:buFont typeface="Arial" panose="020B0604020202020204" pitchFamily="34" charset="0"/>
+              <a:buChar char="•"/>
+            </a:pPr>
+            <a:endParaRPr lang="en-US" altLang="zh-TW" sz="3200" dirty="0" smtClean="0">
+              <a:solidFill>
+                <a:schemeClr val="tx1">
+                  <a:lumMod val="75000"/>
+                  <a:lumOff val="25000"/>
+                </a:schemeClr>
+              </a:solidFill>
+              <a:latin typeface="+mn-ea"/>
+              <a:cs typeface="+mn-ea"/>
+            </a:endParaRPr>
+          </a:p>
+          <a:p>
+            <a:pPr lvl="1" indent="-457200">
+              <a:lnSpc>
+                <a:spcPct val="150000"/>
+              </a:lnSpc>
+              <a:buFont typeface="Arial" panose="020B0604020202020204" pitchFamily="34" charset="0"/>
+              <a:buChar char="•"/>
+            </a:pPr>
+            <a:endParaRPr lang="en-US" altLang="zh-TW" sz="3200" dirty="0">
+              <a:solidFill>
+                <a:schemeClr val="tx1">
+                  <a:lumMod val="75000"/>
+                  <a:lumOff val="25000"/>
+                </a:schemeClr>
+              </a:solidFill>
+              <a:latin typeface="+mn-ea"/>
+              <a:cs typeface="+mn-ea"/>
+              <a:sym typeface="+mn-lt"/>
+            </a:endParaRPr>
+          </a:p>
+        </p:txBody>
+      </p:sp>
+    </p:spTree>
+    <p:extLst>
+      <p:ext uri="{BB962C8B-B14F-4D97-AF65-F5344CB8AC3E}">
+        <p14:creationId xmlns:p14="http://schemas.microsoft.com/office/powerpoint/2010/main" val="3586705822"/>
+      </p:ext>
+    </p:extLst>
+  </p:cSld>
+  <p:clrMapOvr>
+    <a:masterClrMapping/>
+  </p:clrMapOvr>
+</p:sld>
+</file>
+
+<file path=ppt/slides/slide5.xml><?xml version="1.0" encoding="utf-8"?>
+<p:sld xmlns:a="http://schemas.openxmlformats.org/drawingml/2006/main" xmlns:r="http://schemas.openxmlformats.org/officeDocument/2006/relationships" xmlns:p="http://schemas.openxmlformats.org/presentationml/2006/main">
+  <p:cSld>
+    <p:spTree>
+      <p:nvGrpSpPr>
+        <p:cNvPr id="1" name=""/>
+        <p:cNvGrpSpPr/>
+        <p:nvPr/>
+      </p:nvGrpSpPr>
+      <p:grpSpPr>
+        <a:xfrm>
+          <a:off x="0" y="0"/>
+          <a:ext cx="0" cy="0"/>
+          <a:chOff x="0" y="0"/>
+          <a:chExt cx="0" cy="0"/>
+        </a:xfrm>
+      </p:grpSpPr>
+      <p:sp>
+        <p:nvSpPr>
+          <p:cNvPr id="2" name="內容版面配置區 1"/>
+          <p:cNvSpPr>
+            <a:spLocks noGrp="1"/>
+          </p:cNvSpPr>
+          <p:nvPr>
+            <p:ph idx="1"/>
+          </p:nvPr>
+        </p:nvSpPr>
+        <p:spPr/>
+        <p:txBody>
+          <a:bodyPr>
+            <a:normAutofit/>
+          </a:bodyPr>
+          <a:lstStyle/>
+          <a:p>
+            <a:pPr marL="0" indent="0">
+              <a:buNone/>
+            </a:pPr>
+            <a:r>
+              <a:rPr lang="zh-TW" altLang="en-US" sz="3000" dirty="0" smtClean="0"/>
+              <a:t>功能需求</a:t>
+            </a:r>
+            <a:r>
+              <a:rPr lang="en-US" altLang="zh-TW" sz="3000" dirty="0"/>
+              <a:t>:</a:t>
+            </a:r>
+            <a:r>
+              <a:rPr lang="zh-TW" altLang="en-US" sz="3000" dirty="0"/>
+              <a:t> </a:t>
+            </a:r>
+            <a:endParaRPr lang="en-US" altLang="zh-TW" sz="2800" dirty="0">
+              <a:solidFill>
+                <a:schemeClr val="tx1">
+                  <a:lumMod val="75000"/>
+                  <a:lumOff val="25000"/>
+                </a:schemeClr>
+              </a:solidFill>
+              <a:cs typeface="+mn-ea"/>
+            </a:endParaRPr>
+          </a:p>
+          <a:p>
+            <a:r>
+              <a:rPr lang="zh-TW" altLang="en-US" sz="2800" dirty="0">
+                <a:solidFill>
+                  <a:schemeClr val="tx1">
+                    <a:lumMod val="75000"/>
+                    <a:lumOff val="25000"/>
+                  </a:schemeClr>
+                </a:solidFill>
+                <a:cs typeface="+mn-ea"/>
+              </a:rPr>
+              <a:t>預測對方擊球後落</a:t>
+            </a:r>
+            <a:r>
+              <a:rPr lang="zh-TW" altLang="en-US" sz="2800" dirty="0" smtClean="0">
+                <a:solidFill>
+                  <a:schemeClr val="tx1">
+                    <a:lumMod val="75000"/>
+                    <a:lumOff val="25000"/>
+                  </a:schemeClr>
+                </a:solidFill>
+                <a:cs typeface="+mn-ea"/>
+              </a:rPr>
+              <a:t>點 </a:t>
+            </a:r>
+            <a:endParaRPr lang="en-US" altLang="zh-TW" sz="2800" dirty="0" smtClean="0">
+              <a:solidFill>
+                <a:schemeClr val="tx1">
+                  <a:lumMod val="75000"/>
+                  <a:lumOff val="25000"/>
+                </a:schemeClr>
+              </a:solidFill>
+              <a:cs typeface="+mn-ea"/>
+            </a:endParaRPr>
+          </a:p>
+          <a:p>
+            <a:r>
+              <a:rPr lang="zh-TW" altLang="en-US" sz="2800" dirty="0" smtClean="0">
+                <a:solidFill>
+                  <a:schemeClr val="tx1">
+                    <a:lumMod val="75000"/>
+                    <a:lumOff val="25000"/>
+                  </a:schemeClr>
+                </a:solidFill>
+                <a:cs typeface="+mn-ea"/>
+                <a:sym typeface="+mn-lt"/>
+              </a:rPr>
+              <a:t>平板以中心接球</a:t>
+            </a:r>
+            <a:endParaRPr lang="en-US" altLang="zh-TW" sz="2800" dirty="0">
+              <a:solidFill>
+                <a:schemeClr val="tx1">
+                  <a:lumMod val="75000"/>
+                  <a:lumOff val="25000"/>
+                </a:schemeClr>
+              </a:solidFill>
+              <a:cs typeface="+mn-ea"/>
+            </a:endParaRPr>
+          </a:p>
+          <a:p>
+            <a:r>
+              <a:rPr lang="zh-TW" altLang="en-US" sz="2800" dirty="0">
+                <a:solidFill>
+                  <a:schemeClr val="tx1">
+                    <a:lumMod val="75000"/>
+                    <a:lumOff val="25000"/>
+                  </a:schemeClr>
+                </a:solidFill>
+                <a:cs typeface="+mn-ea"/>
+                <a:sym typeface="+mn-lt"/>
+              </a:rPr>
+              <a:t>在速度到達</a:t>
+            </a:r>
+            <a:r>
+              <a:rPr lang="en-US" altLang="zh-TW" sz="2800" dirty="0">
+                <a:solidFill>
+                  <a:schemeClr val="tx1">
+                    <a:lumMod val="75000"/>
+                    <a:lumOff val="25000"/>
+                  </a:schemeClr>
+                </a:solidFill>
+                <a:cs typeface="+mn-ea"/>
+                <a:sym typeface="+mn-lt"/>
+              </a:rPr>
+              <a:t>15</a:t>
+            </a:r>
+            <a:r>
+              <a:rPr lang="zh-TW" altLang="en-US" sz="2800" dirty="0">
+                <a:solidFill>
+                  <a:schemeClr val="tx1">
+                    <a:lumMod val="75000"/>
+                    <a:lumOff val="25000"/>
+                  </a:schemeClr>
+                </a:solidFill>
+                <a:cs typeface="+mn-ea"/>
+                <a:sym typeface="+mn-lt"/>
+              </a:rPr>
+              <a:t>以前不失誤</a:t>
+            </a:r>
+            <a:endParaRPr lang="en-US" altLang="zh-TW" sz="2800" dirty="0">
+              <a:solidFill>
+                <a:schemeClr val="tx1">
+                  <a:lumMod val="75000"/>
+                  <a:lumOff val="25000"/>
+                </a:schemeClr>
+              </a:solidFill>
+              <a:cs typeface="+mn-ea"/>
+              <a:sym typeface="+mn-lt"/>
+            </a:endParaRPr>
+          </a:p>
+          <a:p>
+            <a:r>
+              <a:rPr lang="zh-TW" altLang="en-US" sz="2800" dirty="0">
+                <a:solidFill>
+                  <a:schemeClr val="tx1">
+                    <a:lumMod val="75000"/>
+                    <a:lumOff val="25000"/>
+                  </a:schemeClr>
+                </a:solidFill>
+                <a:cs typeface="+mn-ea"/>
+                <a:sym typeface="+mn-lt"/>
+              </a:rPr>
+              <a:t>切球</a:t>
+            </a:r>
+            <a:r>
+              <a:rPr lang="en-US" altLang="zh-TW" sz="2800" dirty="0">
+                <a:solidFill>
+                  <a:schemeClr val="tx1">
+                    <a:lumMod val="75000"/>
+                    <a:lumOff val="25000"/>
+                  </a:schemeClr>
+                </a:solidFill>
+                <a:cs typeface="+mn-ea"/>
+                <a:sym typeface="+mn-lt"/>
+              </a:rPr>
+              <a:t>(</a:t>
+            </a:r>
+            <a:r>
+              <a:rPr lang="zh-TW" altLang="en-US" sz="2800" dirty="0">
+                <a:solidFill>
+                  <a:schemeClr val="tx1">
+                    <a:lumMod val="75000"/>
+                    <a:lumOff val="25000"/>
+                  </a:schemeClr>
+                </a:solidFill>
+                <a:cs typeface="+mn-ea"/>
+                <a:sym typeface="+mn-lt"/>
+              </a:rPr>
+              <a:t>左右移動直到擊完球</a:t>
+            </a:r>
+            <a:r>
+              <a:rPr lang="en-US" altLang="zh-TW" sz="2800" dirty="0">
+                <a:solidFill>
+                  <a:schemeClr val="tx1">
+                    <a:lumMod val="75000"/>
+                    <a:lumOff val="25000"/>
+                  </a:schemeClr>
+                </a:solidFill>
+                <a:cs typeface="+mn-ea"/>
+                <a:sym typeface="+mn-lt"/>
+              </a:rPr>
+              <a:t>)</a:t>
+            </a:r>
+          </a:p>
+          <a:p>
+            <a:pPr marL="0" indent="0">
+              <a:buNone/>
+            </a:pPr>
+            <a:endParaRPr lang="en-US" altLang="zh-TW" sz="2800" dirty="0" smtClean="0">
+              <a:solidFill>
+                <a:schemeClr val="tx1">
+                  <a:lumMod val="75000"/>
+                  <a:lumOff val="25000"/>
+                </a:schemeClr>
+              </a:solidFill>
+              <a:cs typeface="+mn-ea"/>
+              <a:sym typeface="+mn-lt"/>
+            </a:endParaRPr>
+          </a:p>
+          <a:p>
+            <a:endParaRPr lang="zh-CN" altLang="en-US" sz="2800" dirty="0">
+              <a:solidFill>
+                <a:schemeClr val="tx1">
+                  <a:lumMod val="75000"/>
+                  <a:lumOff val="25000"/>
+                </a:schemeClr>
+              </a:solidFill>
+              <a:cs typeface="+mn-ea"/>
+              <a:sym typeface="+mn-lt"/>
+            </a:endParaRPr>
+          </a:p>
+          <a:p>
+            <a:pPr marL="0" indent="0">
+              <a:buNone/>
+            </a:pPr>
+            <a:endParaRPr lang="en-US" altLang="zh-TW" sz="3000" dirty="0"/>
+          </a:p>
+          <a:p>
+            <a:pPr marL="457200" lvl="1" indent="0">
+              <a:buNone/>
+            </a:pPr>
+            <a:endParaRPr lang="en-US" altLang="zh-TW" dirty="0"/>
+          </a:p>
+        </p:txBody>
+      </p:sp>
+      <p:sp>
+        <p:nvSpPr>
+          <p:cNvPr id="3" name="標題 2"/>
+          <p:cNvSpPr>
+            <a:spLocks noGrp="1"/>
+          </p:cNvSpPr>
+          <p:nvPr>
+            <p:ph type="title"/>
+          </p:nvPr>
+        </p:nvSpPr>
+        <p:spPr>
+          <a:xfrm>
+            <a:off x="838200" y="365125"/>
+            <a:ext cx="10515600" cy="720000"/>
+          </a:xfrm>
+        </p:spPr>
+        <p:txBody>
+          <a:bodyPr>
+            <a:normAutofit fontScale="90000"/>
+          </a:bodyPr>
+          <a:lstStyle/>
+          <a:p>
+            <a:r>
+              <a:rPr lang="zh-TW" altLang="en-US" b="0" dirty="0"/>
+              <a:t>需求 </a:t>
+            </a:r>
+            <a:r>
+              <a:rPr lang="en-US" altLang="zh-TW" b="0" dirty="0"/>
+              <a:t>–</a:t>
+            </a:r>
+            <a:r>
+              <a:rPr lang="zh-TW" altLang="en-US" b="0" dirty="0"/>
+              <a:t> </a:t>
+            </a:r>
+            <a:r>
+              <a:rPr lang="zh-TW" altLang="en-US" b="0" dirty="0" smtClean="0"/>
+              <a:t>功能需求</a:t>
+            </a:r>
+            <a:endParaRPr lang="zh-TW" altLang="en-US" b="0" dirty="0"/>
+          </a:p>
+        </p:txBody>
+      </p:sp>
+    </p:spTree>
+    <p:extLst>
+      <p:ext uri="{BB962C8B-B14F-4D97-AF65-F5344CB8AC3E}">
+        <p14:creationId xmlns:p14="http://schemas.microsoft.com/office/powerpoint/2010/main" val="3921814854"/>
+      </p:ext>
+    </p:extLst>
+  </p:cSld>
+  <p:clrMapOvr>
+    <a:masterClrMapping/>
+  </p:clrMapOvr>
+</p:sld>
+</file>
+
 <file path=ppt/slides/slide6.xml><?xml version="1.0" encoding="utf-8"?>
 <p:sld xmlns:a="http://schemas.openxmlformats.org/drawingml/2006/main" xmlns:r="http://schemas.openxmlformats.org/officeDocument/2006/relationships" xmlns:p="http://schemas.openxmlformats.org/presentationml/2006/main">
   <p:cSld>
@@ -9115,7 +9119,7 @@
         </p:nvSpPr>
         <p:spPr>
           <a:xfrm>
-            <a:off x="5294873" y="556577"/>
+            <a:off x="5366336" y="230883"/>
             <a:ext cx="1776549" cy="722812"/>
           </a:xfrm>
           <a:prstGeom prst="roundRect">
@@ -9203,8 +9207,8 @@
         </p:nvSpPr>
         <p:spPr>
           <a:xfrm>
-            <a:off x="6830675" y="1733766"/>
-            <a:ext cx="1776549" cy="722812"/>
+            <a:off x="6861568" y="1276672"/>
+            <a:ext cx="1776549" cy="446560"/>
           </a:xfrm>
           <a:prstGeom prst="roundRect">
             <a:avLst/>
@@ -9335,8 +9339,8 @@
         </p:nvSpPr>
         <p:spPr>
           <a:xfrm>
-            <a:off x="6183148" y="3091658"/>
-            <a:ext cx="1535803" cy="722812"/>
+            <a:off x="6432068" y="3709850"/>
+            <a:ext cx="1421635" cy="620589"/>
           </a:xfrm>
           <a:prstGeom prst="roundRect">
             <a:avLst/>
@@ -9387,8 +9391,8 @@
         </p:nvSpPr>
         <p:spPr>
           <a:xfrm>
-            <a:off x="8265925" y="3091658"/>
-            <a:ext cx="1535803" cy="722812"/>
+            <a:off x="8514845" y="3709850"/>
+            <a:ext cx="1421635" cy="620589"/>
           </a:xfrm>
           <a:prstGeom prst="roundRect">
             <a:avLst/>
@@ -9586,8 +9590,8 @@
         </p:nvCxnSpPr>
         <p:spPr>
           <a:xfrm rot="5400000">
-            <a:off x="4735233" y="285850"/>
-            <a:ext cx="454377" cy="2441455"/>
+            <a:off x="4608117" y="87271"/>
+            <a:ext cx="780071" cy="2512918"/>
           </a:xfrm>
           <a:prstGeom prst="bentConnector3">
             <a:avLst/>
@@ -9802,8 +9806,8 @@
         </p:nvCxnSpPr>
         <p:spPr>
           <a:xfrm rot="16200000" flipH="1">
-            <a:off x="6723861" y="738676"/>
-            <a:ext cx="454377" cy="1535802"/>
+            <a:off x="6840739" y="367567"/>
+            <a:ext cx="322977" cy="1495232"/>
           </a:xfrm>
           <a:prstGeom prst="bentConnector3">
             <a:avLst/>
@@ -9835,8 +9839,8 @@
         </p:nvSpPr>
         <p:spPr>
           <a:xfrm>
-            <a:off x="7569951" y="4338850"/>
-            <a:ext cx="984068" cy="722812"/>
+            <a:off x="7818871" y="4957042"/>
+            <a:ext cx="910915" cy="620589"/>
           </a:xfrm>
           <a:prstGeom prst="roundRect">
             <a:avLst/>
@@ -9882,8 +9886,8 @@
         </p:nvSpPr>
         <p:spPr>
           <a:xfrm>
-            <a:off x="5705564" y="4863231"/>
-            <a:ext cx="1535803" cy="722812"/>
+            <a:off x="5924496" y="4958582"/>
+            <a:ext cx="1421635" cy="620589"/>
           </a:xfrm>
           <a:prstGeom prst="roundRect">
             <a:avLst/>
@@ -9934,8 +9938,8 @@
         </p:nvSpPr>
         <p:spPr>
           <a:xfrm>
-            <a:off x="8958215" y="4875764"/>
-            <a:ext cx="1535803" cy="722812"/>
+            <a:off x="9225662" y="4958582"/>
+            <a:ext cx="1421635" cy="620589"/>
           </a:xfrm>
           <a:prstGeom prst="roundRect">
             <a:avLst/>
@@ -9982,18 +9986,20 @@
         <p:nvCxnSpPr>
           <p:cNvPr id="63" name="肘形接點 62"/>
           <p:cNvCxnSpPr>
-            <a:stCxn id="19" idx="2"/>
+            <a:stCxn id="60" idx="2"/>
             <a:endCxn id="24" idx="0"/>
           </p:cNvCxnSpPr>
           <p:nvPr/>
         </p:nvCxnSpPr>
         <p:spPr>
           <a:xfrm rot="5400000">
-            <a:off x="7017460" y="2390168"/>
-            <a:ext cx="635080" cy="767900"/>
+            <a:off x="7462593" y="2958325"/>
+            <a:ext cx="431819" cy="1071231"/>
           </a:xfrm>
           <a:prstGeom prst="bentConnector3">
-            <a:avLst/>
+            <a:avLst>
+              <a:gd name="adj1" fmla="val 50000"/>
+            </a:avLst>
           </a:prstGeom>
           <a:ln w="28575">
             <a:tailEnd type="triangle"/>
@@ -10018,18 +10024,20 @@
         <p:nvCxnSpPr>
           <p:cNvPr id="65" name="肘形接點 64"/>
           <p:cNvCxnSpPr>
-            <a:stCxn id="19" idx="2"/>
+            <a:stCxn id="60" idx="2"/>
             <a:endCxn id="25" idx="0"/>
           </p:cNvCxnSpPr>
           <p:nvPr/>
         </p:nvCxnSpPr>
         <p:spPr>
           <a:xfrm rot="16200000" flipH="1">
-            <a:off x="8058848" y="2116679"/>
-            <a:ext cx="635080" cy="1314877"/>
+            <a:off x="8503981" y="2988167"/>
+            <a:ext cx="431819" cy="1011546"/>
           </a:xfrm>
           <a:prstGeom prst="bentConnector3">
-            <a:avLst/>
+            <a:avLst>
+              <a:gd name="adj1" fmla="val 50000"/>
+            </a:avLst>
           </a:prstGeom>
           <a:ln w="28575">
             <a:tailEnd type="triangle"/>
@@ -10061,8 +10069,8 @@
         </p:nvCxnSpPr>
         <p:spPr>
           <a:xfrm rot="5400000">
-            <a:off x="6187878" y="4100058"/>
-            <a:ext cx="1048761" cy="477584"/>
+            <a:off x="6575029" y="4390724"/>
+            <a:ext cx="628143" cy="507572"/>
           </a:xfrm>
           <a:prstGeom prst="bentConnector3">
             <a:avLst/>
@@ -10100,8 +10108,8 @@
         </p:nvCxnSpPr>
         <p:spPr>
           <a:xfrm rot="16200000" flipH="1">
-            <a:off x="7244327" y="3521192"/>
-            <a:ext cx="524380" cy="1110935"/>
+            <a:off x="7395306" y="4078018"/>
+            <a:ext cx="626603" cy="1131443"/>
           </a:xfrm>
           <a:prstGeom prst="bentConnector3">
             <a:avLst/>
@@ -10139,8 +10147,8 @@
         </p:nvCxnSpPr>
         <p:spPr>
           <a:xfrm rot="5400000">
-            <a:off x="8285716" y="3590739"/>
-            <a:ext cx="524380" cy="971842"/>
+            <a:off x="8436695" y="4168073"/>
+            <a:ext cx="626603" cy="951334"/>
           </a:xfrm>
           <a:prstGeom prst="bentConnector3">
             <a:avLst/>
@@ -10178,8 +10186,8 @@
         </p:nvCxnSpPr>
         <p:spPr>
           <a:xfrm rot="16200000" flipH="1">
-            <a:off x="8849325" y="3998972"/>
-            <a:ext cx="1061294" cy="692290"/>
+            <a:off x="9267000" y="4289101"/>
+            <a:ext cx="628143" cy="710817"/>
           </a:xfrm>
           <a:prstGeom prst="bentConnector3">
             <a:avLst/>
@@ -10214,8 +10222,8 @@
         </p:nvSpPr>
         <p:spPr>
           <a:xfrm>
-            <a:off x="6788623" y="5781896"/>
-            <a:ext cx="802880" cy="433191"/>
+            <a:off x="7037543" y="6359130"/>
+            <a:ext cx="743196" cy="371927"/>
           </a:xfrm>
           <a:prstGeom prst="roundRect">
             <a:avLst/>
@@ -10261,8 +10269,8 @@
         </p:nvSpPr>
         <p:spPr>
           <a:xfrm>
-            <a:off x="8443722" y="5781896"/>
-            <a:ext cx="802880" cy="433191"/>
+            <a:off x="8692642" y="6359130"/>
+            <a:ext cx="743196" cy="371927"/>
           </a:xfrm>
           <a:prstGeom prst="roundRect">
             <a:avLst/>
@@ -10308,8 +10316,8 @@
         </p:nvSpPr>
         <p:spPr>
           <a:xfrm>
-            <a:off x="7614765" y="5781896"/>
-            <a:ext cx="802880" cy="433191"/>
+            <a:off x="7863685" y="6359130"/>
+            <a:ext cx="743196" cy="371927"/>
           </a:xfrm>
           <a:prstGeom prst="roundRect">
             <a:avLst/>
@@ -10347,7 +10355,6 @@
               <a:rPr lang="zh-TW" altLang="en-US" dirty="0"/>
               <a:t>動</a:t>
             </a:r>
-            <a:endParaRPr lang="zh-TW" altLang="en-US" dirty="0"/>
           </a:p>
         </p:txBody>
       </p:sp>
@@ -10362,12 +10369,12 @@
         </p:nvCxnSpPr>
         <p:spPr>
           <a:xfrm rot="5400000">
-            <a:off x="7678978" y="5398889"/>
-            <a:ext cx="720234" cy="45780"/>
+            <a:off x="7864057" y="5948857"/>
+            <a:ext cx="781499" cy="39046"/>
           </a:xfrm>
           <a:prstGeom prst="bentConnector3">
             <a:avLst>
-              <a:gd name="adj1" fmla="val 77810"/>
+              <a:gd name="adj1" fmla="val 50000"/>
             </a:avLst>
           </a:prstGeom>
           <a:ln>
@@ -10403,12 +10410,12 @@
         </p:nvCxnSpPr>
         <p:spPr>
           <a:xfrm rot="5400000">
-            <a:off x="7265907" y="4985818"/>
-            <a:ext cx="720234" cy="871922"/>
+            <a:off x="7450986" y="5535786"/>
+            <a:ext cx="781499" cy="865188"/>
           </a:xfrm>
           <a:prstGeom prst="bentConnector3">
             <a:avLst>
-              <a:gd name="adj1" fmla="val 75392"/>
+              <a:gd name="adj1" fmla="val 50000"/>
             </a:avLst>
           </a:prstGeom>
           <a:ln>
@@ -10444,18 +10451,184 @@
         </p:nvCxnSpPr>
         <p:spPr>
           <a:xfrm rot="16200000" flipH="1">
-            <a:off x="8093456" y="5030190"/>
-            <a:ext cx="720234" cy="783177"/>
+            <a:off x="8278535" y="5573424"/>
+            <a:ext cx="781499" cy="789911"/>
           </a:xfrm>
           <a:prstGeom prst="bentConnector3">
             <a:avLst>
-              <a:gd name="adj1" fmla="val 74183"/>
+              <a:gd name="adj1" fmla="val 50000"/>
             </a:avLst>
           </a:prstGeom>
           <a:ln>
             <a:solidFill>
               <a:srgbClr val="7030A0"/>
             </a:solidFill>
+            <a:tailEnd type="triangle"/>
+          </a:ln>
+        </p:spPr>
+        <p:style>
+          <a:lnRef idx="1">
+            <a:schemeClr val="accent1"/>
+          </a:lnRef>
+          <a:fillRef idx="0">
+            <a:schemeClr val="accent1"/>
+          </a:fillRef>
+          <a:effectRef idx="0">
+            <a:schemeClr val="accent1"/>
+          </a:effectRef>
+          <a:fontRef idx="minor">
+            <a:schemeClr val="tx1"/>
+          </a:fontRef>
+        </p:style>
+      </p:cxnSp>
+      <p:sp>
+        <p:nvSpPr>
+          <p:cNvPr id="37" name="圓角矩形 36"/>
+          <p:cNvSpPr/>
+          <p:nvPr/>
+        </p:nvSpPr>
+        <p:spPr>
+          <a:xfrm>
+            <a:off x="7708608" y="1979802"/>
+            <a:ext cx="1873350" cy="558788"/>
+          </a:xfrm>
+          <a:prstGeom prst="roundRect">
+            <a:avLst/>
+          </a:prstGeom>
+        </p:spPr>
+        <p:style>
+          <a:lnRef idx="2">
+            <a:schemeClr val="accent1">
+              <a:shade val="50000"/>
+            </a:schemeClr>
+          </a:lnRef>
+          <a:fillRef idx="1">
+            <a:schemeClr val="accent1"/>
+          </a:fillRef>
+          <a:effectRef idx="0">
+            <a:schemeClr val="accent1"/>
+          </a:effectRef>
+          <a:fontRef idx="minor">
+            <a:schemeClr val="lt1"/>
+          </a:fontRef>
+        </p:style>
+        <p:txBody>
+          <a:bodyPr rtlCol="0" anchor="ctr"/>
+          <a:lstStyle/>
+          <a:p>
+            <a:pPr algn="ctr"/>
+            <a:r>
+              <a:rPr lang="zh-TW" altLang="en-US" sz="2000" dirty="0"/>
+              <a:t>狀態判斷模組</a:t>
+            </a:r>
+          </a:p>
+        </p:txBody>
+      </p:sp>
+      <p:cxnSp>
+        <p:nvCxnSpPr>
+          <p:cNvPr id="17" name="肘形接點 16"/>
+          <p:cNvCxnSpPr>
+            <a:stCxn id="19" idx="2"/>
+            <a:endCxn id="37" idx="0"/>
+          </p:cNvCxnSpPr>
+          <p:nvPr/>
+        </p:nvCxnSpPr>
+        <p:spPr>
+          <a:xfrm rot="16200000" flipH="1">
+            <a:off x="8069278" y="1403797"/>
+            <a:ext cx="256570" cy="895440"/>
+          </a:xfrm>
+          <a:prstGeom prst="bentConnector3">
+            <a:avLst/>
+          </a:prstGeom>
+          <a:ln w="38100">
+            <a:solidFill>
+              <a:srgbClr val="A38D51"/>
+            </a:solidFill>
+            <a:tailEnd type="triangle"/>
+          </a:ln>
+        </p:spPr>
+        <p:style>
+          <a:lnRef idx="1">
+            <a:schemeClr val="accent1"/>
+          </a:lnRef>
+          <a:fillRef idx="0">
+            <a:schemeClr val="accent1"/>
+          </a:fillRef>
+          <a:effectRef idx="0">
+            <a:schemeClr val="accent1"/>
+          </a:effectRef>
+          <a:fontRef idx="minor">
+            <a:schemeClr val="tx1"/>
+          </a:fontRef>
+        </p:style>
+      </p:cxnSp>
+      <p:sp>
+        <p:nvSpPr>
+          <p:cNvPr id="60" name="圓角矩形 59"/>
+          <p:cNvSpPr/>
+          <p:nvPr/>
+        </p:nvSpPr>
+        <p:spPr>
+          <a:xfrm>
+            <a:off x="7142885" y="2831471"/>
+            <a:ext cx="2142464" cy="446560"/>
+          </a:xfrm>
+          <a:prstGeom prst="roundRect">
+            <a:avLst/>
+          </a:prstGeom>
+        </p:spPr>
+        <p:style>
+          <a:lnRef idx="2">
+            <a:schemeClr val="accent1">
+              <a:shade val="50000"/>
+            </a:schemeClr>
+          </a:lnRef>
+          <a:fillRef idx="1">
+            <a:schemeClr val="accent1"/>
+          </a:fillRef>
+          <a:effectRef idx="0">
+            <a:schemeClr val="accent1"/>
+          </a:effectRef>
+          <a:fontRef idx="minor">
+            <a:schemeClr val="lt1"/>
+          </a:fontRef>
+        </p:style>
+        <p:txBody>
+          <a:bodyPr rtlCol="0" anchor="ctr"/>
+          <a:lstStyle/>
+          <a:p>
+            <a:pPr algn="ctr"/>
+            <a:r>
+              <a:rPr lang="zh-TW" altLang="en-US" sz="2000" dirty="0"/>
+              <a:t>選擇方式</a:t>
+            </a:r>
+            <a:r>
+              <a:rPr lang="zh-TW" altLang="en-US" sz="2000" dirty="0" smtClean="0"/>
+              <a:t>模組</a:t>
+            </a:r>
+            <a:endParaRPr lang="zh-TW" altLang="en-US" sz="2000" dirty="0"/>
+          </a:p>
+        </p:txBody>
+      </p:sp>
+      <p:cxnSp>
+        <p:nvCxnSpPr>
+          <p:cNvPr id="49" name="肘形接點 48"/>
+          <p:cNvCxnSpPr>
+            <a:stCxn id="37" idx="2"/>
+            <a:endCxn id="60" idx="0"/>
+          </p:cNvCxnSpPr>
+          <p:nvPr/>
+        </p:nvCxnSpPr>
+        <p:spPr>
+          <a:xfrm rot="5400000">
+            <a:off x="8283260" y="2469447"/>
+            <a:ext cx="292881" cy="431166"/>
+          </a:xfrm>
+          <a:prstGeom prst="bentConnector3">
+            <a:avLst/>
+          </a:prstGeom>
+          <a:ln w="28575">
             <a:tailEnd type="triangle"/>
           </a:ln>
         </p:spPr>
@@ -10513,6 +10686,89 @@
       </p:grpSpPr>
       <p:sp>
         <p:nvSpPr>
+          <p:cNvPr id="65" name="圓角矩形 64"/>
+          <p:cNvSpPr/>
+          <p:nvPr/>
+        </p:nvSpPr>
+        <p:spPr>
+          <a:xfrm>
+            <a:off x="2624652" y="1159516"/>
+            <a:ext cx="2504697" cy="3859516"/>
+          </a:xfrm>
+          <a:prstGeom prst="roundRect">
+            <a:avLst/>
+          </a:prstGeom>
+        </p:spPr>
+        <p:style>
+          <a:lnRef idx="2">
+            <a:schemeClr val="accent1">
+              <a:shade val="50000"/>
+            </a:schemeClr>
+          </a:lnRef>
+          <a:fillRef idx="1">
+            <a:schemeClr val="accent1"/>
+          </a:fillRef>
+          <a:effectRef idx="0">
+            <a:schemeClr val="accent1"/>
+          </a:effectRef>
+          <a:fontRef idx="minor">
+            <a:schemeClr val="lt1"/>
+          </a:fontRef>
+        </p:style>
+        <p:txBody>
+          <a:bodyPr rtlCol="0" anchor="ctr"/>
+          <a:lstStyle/>
+          <a:p>
+            <a:pPr algn="r"/>
+            <a:r>
+              <a:rPr lang="zh-TW" altLang="en-US" sz="2000" dirty="0"/>
+              <a:t>狀態判斷模組</a:t>
+            </a:r>
+          </a:p>
+          <a:p>
+            <a:pPr algn="ctr"/>
+            <a:endParaRPr lang="en-US" altLang="zh-TW" sz="2000" dirty="0" smtClean="0"/>
+          </a:p>
+          <a:p>
+            <a:pPr algn="ctr"/>
+            <a:endParaRPr lang="en-US" altLang="zh-TW" sz="2000" dirty="0"/>
+          </a:p>
+          <a:p>
+            <a:pPr algn="ctr"/>
+            <a:endParaRPr lang="en-US" altLang="zh-TW" sz="2000" dirty="0"/>
+          </a:p>
+          <a:p>
+            <a:pPr algn="ctr"/>
+            <a:endParaRPr lang="en-US" altLang="zh-TW" sz="2000" dirty="0" smtClean="0"/>
+          </a:p>
+          <a:p>
+            <a:pPr algn="ctr"/>
+            <a:endParaRPr lang="en-US" altLang="zh-TW" sz="2000" dirty="0"/>
+          </a:p>
+          <a:p>
+            <a:pPr algn="ctr"/>
+            <a:endParaRPr lang="en-US" altLang="zh-TW" sz="2000" dirty="0" smtClean="0"/>
+          </a:p>
+          <a:p>
+            <a:pPr algn="ctr"/>
+            <a:endParaRPr lang="en-US" altLang="zh-TW" sz="2000" dirty="0"/>
+          </a:p>
+          <a:p>
+            <a:pPr algn="ctr"/>
+            <a:endParaRPr lang="en-US" altLang="zh-TW" sz="2000" dirty="0" smtClean="0"/>
+          </a:p>
+          <a:p>
+            <a:pPr algn="ctr"/>
+            <a:endParaRPr lang="en-US" altLang="zh-TW" sz="2000" dirty="0" smtClean="0"/>
+          </a:p>
+          <a:p>
+            <a:pPr algn="ctr"/>
+            <a:endParaRPr lang="zh-TW" altLang="en-US" sz="2000" dirty="0"/>
+          </a:p>
+        </p:txBody>
+      </p:sp>
+      <p:sp>
+        <p:nvSpPr>
           <p:cNvPr id="2" name="標題 1">
             <a:extLst>
               <a:ext uri="{FF2B5EF4-FFF2-40B4-BE49-F238E27FC236}">
@@ -10549,238 +10805,14 @@
       </p:sp>
       <p:sp>
         <p:nvSpPr>
-          <p:cNvPr id="3" name="圓角矩形 2"/>
-          <p:cNvSpPr/>
-          <p:nvPr/>
-        </p:nvSpPr>
-        <p:spPr>
-          <a:xfrm>
-            <a:off x="1486894" y="2575460"/>
-            <a:ext cx="1031069" cy="543035"/>
-          </a:xfrm>
-          <a:prstGeom prst="roundRect">
-            <a:avLst/>
-          </a:prstGeom>
-        </p:spPr>
-        <p:style>
-          <a:lnRef idx="2">
-            <a:schemeClr val="accent1">
-              <a:shade val="50000"/>
-            </a:schemeClr>
-          </a:lnRef>
-          <a:fillRef idx="1">
-            <a:schemeClr val="accent1"/>
-          </a:fillRef>
-          <a:effectRef idx="0">
-            <a:schemeClr val="accent1"/>
-          </a:effectRef>
-          <a:fontRef idx="minor">
-            <a:schemeClr val="lt1"/>
-          </a:fontRef>
-        </p:style>
-        <p:txBody>
-          <a:bodyPr rtlCol="0" anchor="ctr"/>
-          <a:lstStyle/>
-          <a:p>
-            <a:pPr algn="ctr"/>
-            <a:r>
-              <a:rPr lang="zh-TW" altLang="en-US" sz="2000" dirty="0" smtClean="0"/>
-              <a:t>系統</a:t>
-            </a:r>
-            <a:endParaRPr lang="zh-TW" altLang="en-US" dirty="0"/>
-          </a:p>
-        </p:txBody>
-      </p:sp>
-      <p:sp>
-        <p:nvSpPr>
-          <p:cNvPr id="18" name="圓角矩形 17"/>
-          <p:cNvSpPr/>
-          <p:nvPr/>
-        </p:nvSpPr>
-        <p:spPr>
-          <a:xfrm>
-            <a:off x="2719775" y="1678561"/>
-            <a:ext cx="897331" cy="497319"/>
-          </a:xfrm>
-          <a:prstGeom prst="roundRect">
-            <a:avLst/>
-          </a:prstGeom>
-        </p:spPr>
-        <p:style>
-          <a:lnRef idx="2">
-            <a:schemeClr val="accent1">
-              <a:shade val="50000"/>
-            </a:schemeClr>
-          </a:lnRef>
-          <a:fillRef idx="1">
-            <a:schemeClr val="accent1"/>
-          </a:fillRef>
-          <a:effectRef idx="0">
-            <a:schemeClr val="accent1"/>
-          </a:effectRef>
-          <a:fontRef idx="minor">
-            <a:schemeClr val="lt1"/>
-          </a:fontRef>
-        </p:style>
-        <p:txBody>
-          <a:bodyPr rtlCol="0" anchor="ctr"/>
-          <a:lstStyle/>
-          <a:p>
-            <a:pPr algn="ctr"/>
-            <a:r>
-              <a:rPr lang="zh-TW" altLang="en-US" sz="2000" dirty="0" smtClean="0"/>
-              <a:t>訓練</a:t>
-            </a:r>
-            <a:endParaRPr lang="zh-TW" altLang="en-US" sz="2000" dirty="0"/>
-          </a:p>
-        </p:txBody>
-      </p:sp>
-      <p:sp>
-        <p:nvSpPr>
-          <p:cNvPr id="19" name="圓角矩形 18"/>
-          <p:cNvSpPr/>
-          <p:nvPr/>
-        </p:nvSpPr>
-        <p:spPr>
-          <a:xfrm>
-            <a:off x="2719775" y="3526330"/>
-            <a:ext cx="897331" cy="497319"/>
-          </a:xfrm>
-          <a:prstGeom prst="roundRect">
-            <a:avLst/>
-          </a:prstGeom>
-        </p:spPr>
-        <p:style>
-          <a:lnRef idx="2">
-            <a:schemeClr val="accent1">
-              <a:shade val="50000"/>
-            </a:schemeClr>
-          </a:lnRef>
-          <a:fillRef idx="1">
-            <a:schemeClr val="accent1"/>
-          </a:fillRef>
-          <a:effectRef idx="0">
-            <a:schemeClr val="accent1"/>
-          </a:effectRef>
-          <a:fontRef idx="minor">
-            <a:schemeClr val="lt1"/>
-          </a:fontRef>
-        </p:style>
-        <p:txBody>
-          <a:bodyPr rtlCol="0" anchor="ctr"/>
-          <a:lstStyle/>
-          <a:p>
-            <a:pPr algn="ctr"/>
-            <a:r>
-              <a:rPr lang="zh-TW" altLang="en-US" sz="2000" dirty="0" smtClean="0"/>
-              <a:t>對戰</a:t>
-            </a:r>
-            <a:endParaRPr lang="zh-TW" altLang="en-US" sz="2000" dirty="0"/>
-          </a:p>
-        </p:txBody>
-      </p:sp>
-      <p:sp>
-        <p:nvSpPr>
-          <p:cNvPr id="20" name="圓角矩形 19"/>
-          <p:cNvSpPr/>
-          <p:nvPr/>
-        </p:nvSpPr>
-        <p:spPr>
-          <a:xfrm>
-            <a:off x="3974526" y="1253958"/>
-            <a:ext cx="1356189" cy="384772"/>
-          </a:xfrm>
-          <a:prstGeom prst="roundRect">
-            <a:avLst/>
-          </a:prstGeom>
-        </p:spPr>
-        <p:style>
-          <a:lnRef idx="2">
-            <a:schemeClr val="accent1">
-              <a:shade val="50000"/>
-            </a:schemeClr>
-          </a:lnRef>
-          <a:fillRef idx="1">
-            <a:schemeClr val="accent1"/>
-          </a:fillRef>
-          <a:effectRef idx="0">
-            <a:schemeClr val="accent1"/>
-          </a:effectRef>
-          <a:fontRef idx="minor">
-            <a:schemeClr val="lt1"/>
-          </a:fontRef>
-        </p:style>
-        <p:txBody>
-          <a:bodyPr rtlCol="0" anchor="ctr"/>
-          <a:lstStyle/>
-          <a:p>
-            <a:pPr algn="ctr"/>
-            <a:r>
-              <a:rPr lang="zh-TW" altLang="en-US" sz="2000" dirty="0" smtClean="0"/>
-              <a:t>分類樣本</a:t>
-            </a:r>
-            <a:endParaRPr lang="zh-TW" altLang="en-US" sz="2000" dirty="0"/>
-          </a:p>
-        </p:txBody>
-      </p:sp>
-      <p:sp>
-        <p:nvSpPr>
-          <p:cNvPr id="21" name="圓角矩形 20"/>
-          <p:cNvSpPr/>
-          <p:nvPr/>
-        </p:nvSpPr>
-        <p:spPr>
-          <a:xfrm>
-            <a:off x="3964216" y="2028688"/>
-            <a:ext cx="1356189" cy="384772"/>
-          </a:xfrm>
-          <a:prstGeom prst="roundRect">
-            <a:avLst/>
-          </a:prstGeom>
-        </p:spPr>
-        <p:style>
-          <a:lnRef idx="2">
-            <a:schemeClr val="accent1">
-              <a:shade val="50000"/>
-            </a:schemeClr>
-          </a:lnRef>
-          <a:fillRef idx="1">
-            <a:schemeClr val="accent1"/>
-          </a:fillRef>
-          <a:effectRef idx="0">
-            <a:schemeClr val="accent1"/>
-          </a:effectRef>
-          <a:fontRef idx="minor">
-            <a:schemeClr val="lt1"/>
-          </a:fontRef>
-        </p:style>
-        <p:txBody>
-          <a:bodyPr rtlCol="0" anchor="ctr"/>
-          <a:lstStyle/>
-          <a:p>
-            <a:pPr algn="ctr"/>
-            <a:r>
-              <a:rPr lang="zh-TW" altLang="en-US" sz="2000" dirty="0" smtClean="0"/>
-              <a:t>樣本</a:t>
-            </a:r>
-            <a:r>
-              <a:rPr lang="zh-TW" altLang="en-US" sz="2000" dirty="0" smtClean="0"/>
-              <a:t>採集</a:t>
-            </a:r>
-            <a:endParaRPr lang="zh-TW" altLang="en-US" sz="2000" dirty="0"/>
-          </a:p>
-        </p:txBody>
-      </p:sp>
-      <p:sp>
-        <p:nvSpPr>
           <p:cNvPr id="24" name="圓角矩形 23"/>
           <p:cNvSpPr/>
           <p:nvPr/>
         </p:nvSpPr>
         <p:spPr>
           <a:xfrm>
-            <a:off x="4246162" y="4441080"/>
-            <a:ext cx="2729912" cy="998953"/>
+            <a:off x="6632548" y="4107549"/>
+            <a:ext cx="3460924" cy="2092954"/>
           </a:xfrm>
           <a:prstGeom prst="roundRect">
             <a:avLst/>
@@ -10814,14 +10846,31 @@
           <a:bodyPr rtlCol="0" anchor="ctr"/>
           <a:lstStyle/>
           <a:p>
+            <a:pPr algn="r"/>
             <a:r>
               <a:rPr lang="zh-TW" altLang="en-US" sz="2000" dirty="0" smtClean="0"/>
               <a:t>中心點</a:t>
             </a:r>
             <a:r>
+              <a:rPr lang="zh-TW" altLang="en-US" sz="2000" dirty="0"/>
+              <a:t>擊球</a:t>
+            </a:r>
+            <a:r>
               <a:rPr lang="zh-TW" altLang="en-US" sz="2000" dirty="0" smtClean="0"/>
-              <a:t>擊球</a:t>
-            </a:r>
+              <a:t>模組</a:t>
+            </a:r>
+            <a:endParaRPr lang="en-US" altLang="zh-TW" sz="2000" dirty="0" smtClean="0"/>
+          </a:p>
+          <a:p>
+            <a:pPr algn="r"/>
+            <a:endParaRPr lang="en-US" altLang="zh-TW" sz="2000" dirty="0"/>
+          </a:p>
+          <a:p>
+            <a:pPr algn="r"/>
+            <a:endParaRPr lang="en-US" altLang="zh-TW" sz="2000" dirty="0" smtClean="0"/>
+          </a:p>
+          <a:p>
+            <a:pPr algn="r"/>
             <a:endParaRPr lang="en-US" altLang="zh-TW" sz="2000" dirty="0" smtClean="0"/>
           </a:p>
           <a:p>
@@ -10830,6 +10879,58 @@
           </a:p>
           <a:p>
             <a:pPr algn="ctr"/>
+            <a:endParaRPr lang="zh-TW" altLang="en-US" sz="2000" dirty="0"/>
+          </a:p>
+        </p:txBody>
+      </p:sp>
+      <p:sp>
+        <p:nvSpPr>
+          <p:cNvPr id="58" name="圓角矩形 57"/>
+          <p:cNvSpPr/>
+          <p:nvPr/>
+        </p:nvSpPr>
+        <p:spPr>
+          <a:xfrm>
+            <a:off x="6736990" y="4382779"/>
+            <a:ext cx="1429102" cy="406755"/>
+          </a:xfrm>
+          <a:prstGeom prst="roundRect">
+            <a:avLst/>
+          </a:prstGeom>
+          <a:solidFill>
+            <a:srgbClr val="00B0F0"/>
+          </a:solidFill>
+          <a:ln w="57150">
+            <a:solidFill>
+              <a:schemeClr val="bg1"/>
+            </a:solidFill>
+          </a:ln>
+        </p:spPr>
+        <p:style>
+          <a:lnRef idx="2">
+            <a:schemeClr val="accent1">
+              <a:shade val="50000"/>
+            </a:schemeClr>
+          </a:lnRef>
+          <a:fillRef idx="1">
+            <a:schemeClr val="accent1"/>
+          </a:fillRef>
+          <a:effectRef idx="0">
+            <a:schemeClr val="accent1"/>
+          </a:effectRef>
+          <a:fontRef idx="minor">
+            <a:schemeClr val="lt1"/>
+          </a:fontRef>
+        </p:style>
+        <p:txBody>
+          <a:bodyPr rtlCol="0" anchor="ctr"/>
+          <a:lstStyle/>
+          <a:p>
+            <a:pPr algn="ctr"/>
+            <a:r>
+              <a:rPr lang="zh-TW" altLang="en-US" sz="2000" dirty="0" smtClean="0"/>
+              <a:t>預測落點</a:t>
+            </a:r>
             <a:endParaRPr lang="zh-TW" altLang="en-US" sz="2000" dirty="0"/>
           </a:p>
         </p:txBody>
@@ -10842,8 +10943,8 @@
         </p:nvSpPr>
         <p:spPr>
           <a:xfrm>
-            <a:off x="4254930" y="3327955"/>
-            <a:ext cx="2729912" cy="972691"/>
+            <a:off x="6709851" y="1303348"/>
+            <a:ext cx="3452156" cy="2201880"/>
           </a:xfrm>
           <a:prstGeom prst="roundRect">
             <a:avLst/>
@@ -10877,14 +10978,27 @@
           <a:bodyPr rtlCol="0" anchor="ctr"/>
           <a:lstStyle/>
           <a:p>
+            <a:pPr algn="r"/>
             <a:r>
               <a:rPr lang="zh-TW" altLang="en-US" sz="2000" dirty="0" smtClean="0"/>
               <a:t>切</a:t>
             </a:r>
             <a:r>
               <a:rPr lang="zh-TW" altLang="en-US" sz="2000" dirty="0" smtClean="0"/>
-              <a:t>球</a:t>
-            </a:r>
+              <a:t>球模組</a:t>
+            </a:r>
+            <a:endParaRPr lang="en-US" altLang="zh-TW" sz="2000" dirty="0" smtClean="0"/>
+          </a:p>
+          <a:p>
+            <a:pPr algn="r"/>
+            <a:endParaRPr lang="en-US" altLang="zh-TW" sz="2000" dirty="0"/>
+          </a:p>
+          <a:p>
+            <a:pPr algn="r"/>
+            <a:endParaRPr lang="en-US" altLang="zh-TW" sz="2000" dirty="0" smtClean="0"/>
+          </a:p>
+          <a:p>
+            <a:pPr algn="r"/>
             <a:endParaRPr lang="en-US" altLang="zh-TW" sz="2000" dirty="0" smtClean="0"/>
           </a:p>
           <a:p>
@@ -10897,271 +11011,23 @@
           </a:p>
         </p:txBody>
       </p:sp>
-      <p:sp>
-        <p:nvSpPr>
-          <p:cNvPr id="27" name="圓角矩形 26"/>
-          <p:cNvSpPr/>
-          <p:nvPr/>
-        </p:nvSpPr>
-        <p:spPr>
-          <a:xfrm>
-            <a:off x="3974526" y="748120"/>
-            <a:ext cx="1317704" cy="384772"/>
-          </a:xfrm>
-          <a:prstGeom prst="roundRect">
-            <a:avLst/>
-          </a:prstGeom>
-        </p:spPr>
-        <p:style>
-          <a:lnRef idx="2">
-            <a:schemeClr val="accent1">
-              <a:shade val="50000"/>
-            </a:schemeClr>
-          </a:lnRef>
-          <a:fillRef idx="1">
-            <a:schemeClr val="accent1"/>
-          </a:fillRef>
-          <a:effectRef idx="0">
-            <a:schemeClr val="accent1"/>
-          </a:effectRef>
-          <a:fontRef idx="minor">
-            <a:schemeClr val="lt1"/>
-          </a:fontRef>
-        </p:style>
-        <p:txBody>
-          <a:bodyPr rtlCol="0" anchor="ctr"/>
-          <a:lstStyle/>
-          <a:p>
-            <a:pPr algn="ctr"/>
-            <a:r>
-              <a:rPr lang="en-US" altLang="zh-TW" sz="2000" dirty="0" smtClean="0"/>
-              <a:t>SVM</a:t>
-            </a:r>
-            <a:endParaRPr lang="zh-TW" altLang="en-US" sz="2000" dirty="0"/>
-          </a:p>
-        </p:txBody>
-      </p:sp>
-      <p:sp>
-        <p:nvSpPr>
-          <p:cNvPr id="29" name="圓角矩形 28"/>
-          <p:cNvSpPr/>
-          <p:nvPr/>
-        </p:nvSpPr>
-        <p:spPr>
-          <a:xfrm>
-            <a:off x="5578043" y="1822601"/>
-            <a:ext cx="1356189" cy="384772"/>
-          </a:xfrm>
-          <a:prstGeom prst="roundRect">
-            <a:avLst/>
-          </a:prstGeom>
-        </p:spPr>
-        <p:style>
-          <a:lnRef idx="2">
-            <a:schemeClr val="accent1">
-              <a:shade val="50000"/>
-            </a:schemeClr>
-          </a:lnRef>
-          <a:fillRef idx="1">
-            <a:schemeClr val="accent1"/>
-          </a:fillRef>
-          <a:effectRef idx="0">
-            <a:schemeClr val="accent1"/>
-          </a:effectRef>
-          <a:fontRef idx="minor">
-            <a:schemeClr val="lt1"/>
-          </a:fontRef>
-        </p:style>
-        <p:txBody>
-          <a:bodyPr rtlCol="0" anchor="ctr"/>
-          <a:lstStyle/>
-          <a:p>
-            <a:pPr algn="ctr"/>
-            <a:r>
-              <a:rPr lang="en-US" altLang="zh-TW" sz="2000" dirty="0" smtClean="0"/>
-              <a:t>Rule</a:t>
-            </a:r>
-            <a:r>
-              <a:rPr lang="zh-TW" altLang="en-US" sz="2000" dirty="0" smtClean="0"/>
-              <a:t> </a:t>
-            </a:r>
-            <a:r>
-              <a:rPr lang="en-US" altLang="zh-TW" sz="2000" dirty="0" smtClean="0"/>
-              <a:t>base</a:t>
-            </a:r>
-            <a:endParaRPr lang="zh-TW" altLang="en-US" sz="2000" dirty="0"/>
-          </a:p>
-        </p:txBody>
-      </p:sp>
-      <p:sp>
-        <p:nvSpPr>
-          <p:cNvPr id="30" name="圓角矩形 29"/>
-          <p:cNvSpPr/>
-          <p:nvPr/>
-        </p:nvSpPr>
-        <p:spPr>
-          <a:xfrm>
-            <a:off x="5577679" y="2252925"/>
-            <a:ext cx="1356189" cy="384772"/>
-          </a:xfrm>
-          <a:prstGeom prst="roundRect">
-            <a:avLst/>
-          </a:prstGeom>
-        </p:spPr>
-        <p:style>
-          <a:lnRef idx="2">
-            <a:schemeClr val="accent1">
-              <a:shade val="50000"/>
-            </a:schemeClr>
-          </a:lnRef>
-          <a:fillRef idx="1">
-            <a:schemeClr val="accent1"/>
-          </a:fillRef>
-          <a:effectRef idx="0">
-            <a:schemeClr val="accent1"/>
-          </a:effectRef>
-          <a:fontRef idx="minor">
-            <a:schemeClr val="lt1"/>
-          </a:fontRef>
-        </p:style>
-        <p:txBody>
-          <a:bodyPr rtlCol="0" anchor="ctr"/>
-          <a:lstStyle/>
-          <a:p>
-            <a:pPr algn="ctr"/>
-            <a:r>
-              <a:rPr lang="en-US" altLang="zh-TW" sz="2000" dirty="0" smtClean="0"/>
-              <a:t>SVM</a:t>
-            </a:r>
-            <a:r>
-              <a:rPr lang="zh-TW" altLang="en-US" sz="2000" dirty="0" smtClean="0"/>
-              <a:t> 成果</a:t>
-            </a:r>
-            <a:endParaRPr lang="zh-TW" altLang="en-US" sz="2000" dirty="0"/>
-          </a:p>
-        </p:txBody>
-      </p:sp>
-      <p:sp>
-        <p:nvSpPr>
-          <p:cNvPr id="58" name="圓角矩形 57"/>
-          <p:cNvSpPr/>
-          <p:nvPr/>
-        </p:nvSpPr>
-        <p:spPr>
-          <a:xfrm>
-            <a:off x="5006532" y="4843259"/>
-            <a:ext cx="1910341" cy="406755"/>
-          </a:xfrm>
-          <a:prstGeom prst="roundRect">
-            <a:avLst/>
-          </a:prstGeom>
-          <a:solidFill>
-            <a:srgbClr val="00B0F0"/>
-          </a:solidFill>
-          <a:ln w="57150">
-            <a:solidFill>
-              <a:schemeClr val="bg1"/>
-            </a:solidFill>
-          </a:ln>
-        </p:spPr>
-        <p:style>
-          <a:lnRef idx="2">
-            <a:schemeClr val="accent1">
-              <a:shade val="50000"/>
-            </a:schemeClr>
-          </a:lnRef>
-          <a:fillRef idx="1">
-            <a:schemeClr val="accent1"/>
-          </a:fillRef>
-          <a:effectRef idx="0">
-            <a:schemeClr val="accent1"/>
-          </a:effectRef>
-          <a:fontRef idx="minor">
-            <a:schemeClr val="lt1"/>
-          </a:fontRef>
-        </p:style>
-        <p:txBody>
-          <a:bodyPr rtlCol="0" anchor="ctr"/>
-          <a:lstStyle/>
-          <a:p>
-            <a:pPr algn="ctr"/>
-            <a:r>
-              <a:rPr lang="zh-TW" altLang="en-US" sz="2000" dirty="0" smtClean="0"/>
-              <a:t>預測落點</a:t>
-            </a:r>
-            <a:endParaRPr lang="zh-TW" altLang="en-US" sz="2000" dirty="0"/>
-          </a:p>
-        </p:txBody>
-      </p:sp>
-      <p:sp>
-        <p:nvSpPr>
-          <p:cNvPr id="59" name="圓角矩形 58"/>
-          <p:cNvSpPr/>
-          <p:nvPr/>
-        </p:nvSpPr>
-        <p:spPr>
-          <a:xfrm>
-            <a:off x="5020930" y="3638422"/>
-            <a:ext cx="1910341" cy="406755"/>
-          </a:xfrm>
-          <a:prstGeom prst="roundRect">
-            <a:avLst/>
-          </a:prstGeom>
-          <a:solidFill>
-            <a:srgbClr val="C00000"/>
-          </a:solidFill>
-          <a:ln w="57150">
-            <a:solidFill>
-              <a:schemeClr val="bg1"/>
-            </a:solidFill>
-          </a:ln>
-        </p:spPr>
-        <p:style>
-          <a:lnRef idx="2">
-            <a:schemeClr val="accent1">
-              <a:shade val="50000"/>
-            </a:schemeClr>
-          </a:lnRef>
-          <a:fillRef idx="1">
-            <a:schemeClr val="accent1"/>
-          </a:fillRef>
-          <a:effectRef idx="0">
-            <a:schemeClr val="accent1"/>
-          </a:effectRef>
-          <a:fontRef idx="minor">
-            <a:schemeClr val="lt1"/>
-          </a:fontRef>
-        </p:style>
-        <p:txBody>
-          <a:bodyPr rtlCol="0" anchor="ctr"/>
-          <a:lstStyle/>
-          <a:p>
-            <a:pPr algn="ctr"/>
-            <a:r>
-              <a:rPr lang="zh-TW" altLang="en-US" sz="2000" dirty="0" smtClean="0"/>
-              <a:t>預測球方向</a:t>
-            </a:r>
-            <a:endParaRPr lang="zh-TW" altLang="en-US" sz="2000" dirty="0"/>
-          </a:p>
-        </p:txBody>
-      </p:sp>
       <p:grpSp>
         <p:nvGrpSpPr>
-          <p:cNvPr id="64" name="群組 63"/>
+          <p:cNvPr id="50" name="群組 49"/>
           <p:cNvGrpSpPr/>
           <p:nvPr/>
         </p:nvGrpSpPr>
         <p:grpSpPr>
           <a:xfrm>
-            <a:off x="8709977" y="3638422"/>
-            <a:ext cx="2191754" cy="1514557"/>
+            <a:off x="10254981" y="3122639"/>
+            <a:ext cx="1454382" cy="1313827"/>
             <a:chOff x="6856453" y="4176359"/>
-            <a:chExt cx="2191754" cy="1514557"/>
+            <a:chExt cx="2230525" cy="1514557"/>
           </a:xfrm>
         </p:grpSpPr>
         <p:sp>
           <p:nvSpPr>
-            <p:cNvPr id="54" name="圓角矩形 53"/>
+            <p:cNvPr id="51" name="圓角矩形 50"/>
             <p:cNvSpPr/>
             <p:nvPr/>
           </p:nvSpPr>
@@ -11199,11 +11065,7 @@
             <a:p>
               <a:r>
                 <a:rPr lang="zh-TW" altLang="en-US" sz="2000" dirty="0" smtClean="0"/>
-                <a:t>移動</a:t>
-              </a:r>
-              <a:r>
-                <a:rPr lang="zh-TW" altLang="en-US" sz="2000" dirty="0" smtClean="0"/>
-                <a:t>平板</a:t>
+                <a:t>移動模組</a:t>
               </a:r>
               <a:endParaRPr lang="en-US" altLang="zh-TW" sz="2000" dirty="0" smtClean="0"/>
             </a:p>
@@ -11223,14 +11085,14 @@
         </p:sp>
         <p:sp>
           <p:nvSpPr>
-            <p:cNvPr id="16" name="圓角矩形 15"/>
+            <p:cNvPr id="52" name="圓角矩形 51"/>
             <p:cNvSpPr/>
             <p:nvPr/>
           </p:nvSpPr>
           <p:spPr>
             <a:xfrm>
-              <a:off x="8160294" y="4336013"/>
-              <a:ext cx="674321" cy="334314"/>
+              <a:off x="6856455" y="4703260"/>
+              <a:ext cx="1158351" cy="334314"/>
             </a:xfrm>
             <a:prstGeom prst="roundRect">
               <a:avLst/>
@@ -11275,14 +11137,14 @@
         </p:sp>
         <p:sp>
           <p:nvSpPr>
-            <p:cNvPr id="17" name="圓角矩形 16"/>
+            <p:cNvPr id="53" name="圓角矩形 52"/>
             <p:cNvSpPr/>
             <p:nvPr/>
           </p:nvSpPr>
           <p:spPr>
             <a:xfrm>
-              <a:off x="8160292" y="4766481"/>
-              <a:ext cx="674321" cy="334314"/>
+              <a:off x="8014804" y="4703260"/>
+              <a:ext cx="1072174" cy="334314"/>
             </a:xfrm>
             <a:prstGeom prst="roundRect">
               <a:avLst/>
@@ -11327,14 +11189,14 @@
         </p:sp>
         <p:sp>
           <p:nvSpPr>
-            <p:cNvPr id="22" name="圓角矩形 21"/>
+            <p:cNvPr id="55" name="圓角矩形 54"/>
             <p:cNvSpPr/>
             <p:nvPr/>
           </p:nvSpPr>
           <p:spPr>
             <a:xfrm>
-              <a:off x="8160292" y="5125375"/>
-              <a:ext cx="674321" cy="334314"/>
+              <a:off x="7283244" y="5183625"/>
+              <a:ext cx="1267647" cy="334314"/>
             </a:xfrm>
             <a:prstGeom prst="roundRect">
               <a:avLst/>
@@ -11377,622 +11239,663 @@
                 <a:rPr lang="zh-TW" altLang="en-US" dirty="0"/>
                 <a:t>動</a:t>
               </a:r>
-              <a:endParaRPr lang="zh-TW" altLang="en-US" dirty="0"/>
             </a:p>
           </p:txBody>
         </p:sp>
       </p:grpSp>
-      <p:cxnSp>
-        <p:nvCxnSpPr>
-          <p:cNvPr id="9" name="肘形接點 8"/>
-          <p:cNvCxnSpPr>
-            <a:stCxn id="3" idx="3"/>
-            <a:endCxn id="19" idx="0"/>
-          </p:cNvCxnSpPr>
+      <p:sp>
+        <p:nvSpPr>
+          <p:cNvPr id="59" name="圓角矩形 58"/>
+          <p:cNvSpPr/>
           <p:nvPr/>
-        </p:nvCxnSpPr>
+        </p:nvSpPr>
         <p:spPr>
           <a:xfrm>
-            <a:off x="2517963" y="2846978"/>
-            <a:ext cx="650478" cy="679352"/>
-          </a:xfrm>
-          <a:prstGeom prst="bentConnector2">
+            <a:off x="6758655" y="1465099"/>
+            <a:ext cx="1640142" cy="558221"/>
+          </a:xfrm>
+          <a:prstGeom prst="roundRect">
             <a:avLst/>
           </a:prstGeom>
-          <a:ln>
-            <a:tailEnd type="triangle"/>
+          <a:solidFill>
+            <a:srgbClr val="C00000"/>
+          </a:solidFill>
+          <a:ln w="57150">
+            <a:solidFill>
+              <a:schemeClr val="bg1"/>
+            </a:solidFill>
           </a:ln>
         </p:spPr>
         <p:style>
-          <a:lnRef idx="1">
-            <a:schemeClr val="accent1"/>
+          <a:lnRef idx="2">
+            <a:schemeClr val="accent1">
+              <a:shade val="50000"/>
+            </a:schemeClr>
           </a:lnRef>
-          <a:fillRef idx="0">
+          <a:fillRef idx="1">
             <a:schemeClr val="accent1"/>
           </a:fillRef>
           <a:effectRef idx="0">
             <a:schemeClr val="accent1"/>
           </a:effectRef>
           <a:fontRef idx="minor">
-            <a:schemeClr val="tx1"/>
+            <a:schemeClr val="lt1"/>
           </a:fontRef>
         </p:style>
-      </p:cxnSp>
-      <p:cxnSp>
-        <p:nvCxnSpPr>
-          <p:cNvPr id="11" name="肘形接點 10"/>
-          <p:cNvCxnSpPr>
-            <a:stCxn id="3" idx="3"/>
-            <a:endCxn id="18" idx="2"/>
-          </p:cNvCxnSpPr>
+        <p:txBody>
+          <a:bodyPr rtlCol="0" anchor="ctr"/>
+          <a:lstStyle/>
+          <a:p>
+            <a:pPr algn="ctr"/>
+            <a:r>
+              <a:rPr lang="zh-TW" altLang="en-US" sz="2000" dirty="0" smtClean="0"/>
+              <a:t>預測球方向</a:t>
+            </a:r>
+            <a:endParaRPr lang="zh-TW" altLang="en-US" sz="2000" dirty="0"/>
+          </a:p>
+        </p:txBody>
+      </p:sp>
+      <p:sp>
+        <p:nvSpPr>
+          <p:cNvPr id="32" name="矩形 31"/>
+          <p:cNvSpPr/>
           <p:nvPr/>
-        </p:nvCxnSpPr>
-        <p:spPr>
-          <a:xfrm flipV="1">
-            <a:off x="2517963" y="2175880"/>
-            <a:ext cx="650478" cy="671098"/>
-          </a:xfrm>
-          <a:prstGeom prst="bentConnector2">
-            <a:avLst/>
-          </a:prstGeom>
-          <a:ln>
-            <a:tailEnd type="triangle"/>
-          </a:ln>
-        </p:spPr>
-        <p:style>
-          <a:lnRef idx="1">
-            <a:schemeClr val="accent1"/>
-          </a:lnRef>
-          <a:fillRef idx="0">
-            <a:schemeClr val="accent1"/>
-          </a:fillRef>
-          <a:effectRef idx="0">
-            <a:schemeClr val="accent1"/>
-          </a:effectRef>
-          <a:fontRef idx="minor">
-            <a:schemeClr val="tx1"/>
-          </a:fontRef>
-        </p:style>
-      </p:cxnSp>
-      <p:cxnSp>
-        <p:nvCxnSpPr>
-          <p:cNvPr id="13" name="肘形接點 12"/>
-          <p:cNvCxnSpPr>
-            <a:stCxn id="18" idx="3"/>
-            <a:endCxn id="20" idx="1"/>
-          </p:cNvCxnSpPr>
-          <p:nvPr/>
-        </p:nvCxnSpPr>
-        <p:spPr>
-          <a:xfrm flipV="1">
-            <a:off x="3617106" y="1446344"/>
-            <a:ext cx="357420" cy="480877"/>
-          </a:xfrm>
-          <a:prstGeom prst="bentConnector3">
-            <a:avLst/>
-          </a:prstGeom>
-          <a:ln>
-            <a:tailEnd type="triangle"/>
-          </a:ln>
-        </p:spPr>
-        <p:style>
-          <a:lnRef idx="1">
-            <a:schemeClr val="accent1"/>
-          </a:lnRef>
-          <a:fillRef idx="0">
-            <a:schemeClr val="accent1"/>
-          </a:fillRef>
-          <a:effectRef idx="0">
-            <a:schemeClr val="accent1"/>
-          </a:effectRef>
-          <a:fontRef idx="minor">
-            <a:schemeClr val="tx1"/>
-          </a:fontRef>
-        </p:style>
-      </p:cxnSp>
-      <p:cxnSp>
-        <p:nvCxnSpPr>
-          <p:cNvPr id="15" name="肘形接點 14"/>
-          <p:cNvCxnSpPr>
-            <a:stCxn id="18" idx="3"/>
-            <a:endCxn id="21" idx="1"/>
-          </p:cNvCxnSpPr>
-          <p:nvPr/>
-        </p:nvCxnSpPr>
+        </p:nvSpPr>
         <p:spPr>
           <a:xfrm>
-            <a:off x="3617106" y="1927221"/>
-            <a:ext cx="347110" cy="293853"/>
-          </a:xfrm>
-          <a:prstGeom prst="bentConnector3">
-            <a:avLst/>
-          </a:prstGeom>
-          <a:ln>
-            <a:tailEnd type="triangle"/>
-          </a:ln>
-        </p:spPr>
-        <p:style>
-          <a:lnRef idx="1">
-            <a:schemeClr val="accent1"/>
-          </a:lnRef>
-          <a:fillRef idx="0">
-            <a:schemeClr val="accent1"/>
-          </a:fillRef>
-          <a:effectRef idx="0">
-            <a:schemeClr val="accent1"/>
-          </a:effectRef>
-          <a:fontRef idx="minor">
-            <a:schemeClr val="tx1"/>
-          </a:fontRef>
-        </p:style>
-      </p:cxnSp>
-      <p:cxnSp>
-        <p:nvCxnSpPr>
-          <p:cNvPr id="26" name="肘形接點 25"/>
-          <p:cNvCxnSpPr>
-            <a:stCxn id="18" idx="3"/>
-            <a:endCxn id="27" idx="1"/>
-          </p:cNvCxnSpPr>
-          <p:nvPr/>
-        </p:nvCxnSpPr>
-        <p:spPr>
-          <a:xfrm flipV="1">
-            <a:off x="3617106" y="940506"/>
-            <a:ext cx="357420" cy="986715"/>
-          </a:xfrm>
-          <a:prstGeom prst="bentConnector3">
-            <a:avLst/>
-          </a:prstGeom>
-          <a:ln>
-            <a:tailEnd type="triangle"/>
-          </a:ln>
-        </p:spPr>
-        <p:style>
-          <a:lnRef idx="1">
-            <a:schemeClr val="accent1"/>
-          </a:lnRef>
-          <a:fillRef idx="0">
-            <a:schemeClr val="accent1"/>
-          </a:fillRef>
-          <a:effectRef idx="0">
-            <a:schemeClr val="accent1"/>
-          </a:effectRef>
-          <a:fontRef idx="minor">
-            <a:schemeClr val="tx1"/>
-          </a:fontRef>
-        </p:style>
-      </p:cxnSp>
-      <p:cxnSp>
-        <p:nvCxnSpPr>
-          <p:cNvPr id="66" name="直線單箭頭接點 65"/>
-          <p:cNvCxnSpPr>
-            <a:stCxn id="19" idx="0"/>
-            <a:endCxn id="21" idx="2"/>
-          </p:cNvCxnSpPr>
-          <p:nvPr/>
-        </p:nvCxnSpPr>
-        <p:spPr>
-          <a:xfrm flipV="1">
-            <a:off x="3168441" y="2413460"/>
-            <a:ext cx="1473870" cy="1112870"/>
-          </a:xfrm>
-          <a:prstGeom prst="straightConnector1">
-            <a:avLst/>
-          </a:prstGeom>
-          <a:ln>
-            <a:tailEnd type="triangle"/>
-          </a:ln>
-        </p:spPr>
-        <p:style>
-          <a:lnRef idx="1">
-            <a:schemeClr val="accent1"/>
-          </a:lnRef>
-          <a:fillRef idx="0">
-            <a:schemeClr val="accent1"/>
-          </a:fillRef>
-          <a:effectRef idx="0">
-            <a:schemeClr val="accent1"/>
-          </a:effectRef>
-          <a:fontRef idx="minor">
-            <a:schemeClr val="tx1"/>
-          </a:fontRef>
-        </p:style>
-      </p:cxnSp>
-      <p:cxnSp>
-        <p:nvCxnSpPr>
-          <p:cNvPr id="68" name="直線單箭頭接點 67"/>
-          <p:cNvCxnSpPr>
-            <a:stCxn id="19" idx="3"/>
-            <a:endCxn id="25" idx="1"/>
-          </p:cNvCxnSpPr>
-          <p:nvPr/>
-        </p:nvCxnSpPr>
-        <p:spPr>
-          <a:xfrm>
-            <a:off x="3617106" y="3774990"/>
-            <a:ext cx="637824" cy="39311"/>
-          </a:xfrm>
-          <a:prstGeom prst="straightConnector1">
-            <a:avLst/>
-          </a:prstGeom>
-          <a:ln>
-            <a:tailEnd type="triangle"/>
-          </a:ln>
-        </p:spPr>
-        <p:style>
-          <a:lnRef idx="1">
-            <a:schemeClr val="accent1"/>
-          </a:lnRef>
-          <a:fillRef idx="0">
-            <a:schemeClr val="accent1"/>
-          </a:fillRef>
-          <a:effectRef idx="0">
-            <a:schemeClr val="accent1"/>
-          </a:effectRef>
-          <a:fontRef idx="minor">
-            <a:schemeClr val="tx1"/>
-          </a:fontRef>
-        </p:style>
-      </p:cxnSp>
-      <p:cxnSp>
-        <p:nvCxnSpPr>
-          <p:cNvPr id="70" name="直線單箭頭接點 69"/>
-          <p:cNvCxnSpPr>
-            <a:stCxn id="19" idx="3"/>
-            <a:endCxn id="24" idx="1"/>
-          </p:cNvCxnSpPr>
-          <p:nvPr/>
-        </p:nvCxnSpPr>
-        <p:spPr>
-          <a:xfrm>
-            <a:off x="3617106" y="3774990"/>
-            <a:ext cx="629056" cy="1165567"/>
-          </a:xfrm>
-          <a:prstGeom prst="straightConnector1">
-            <a:avLst/>
-          </a:prstGeom>
-          <a:ln>
-            <a:tailEnd type="triangle"/>
-          </a:ln>
-        </p:spPr>
-        <p:style>
-          <a:lnRef idx="1">
-            <a:schemeClr val="accent1"/>
-          </a:lnRef>
-          <a:fillRef idx="0">
-            <a:schemeClr val="accent1"/>
-          </a:fillRef>
-          <a:effectRef idx="0">
-            <a:schemeClr val="accent1"/>
-          </a:effectRef>
-          <a:fontRef idx="minor">
-            <a:schemeClr val="tx1"/>
-          </a:fontRef>
-        </p:style>
-      </p:cxnSp>
-      <p:cxnSp>
-        <p:nvCxnSpPr>
-          <p:cNvPr id="72" name="直線單箭頭接點 71"/>
-          <p:cNvCxnSpPr>
-            <a:stCxn id="21" idx="3"/>
-            <a:endCxn id="29" idx="1"/>
-          </p:cNvCxnSpPr>
-          <p:nvPr/>
-        </p:nvCxnSpPr>
-        <p:spPr>
-          <a:xfrm flipV="1">
-            <a:off x="5320405" y="2014987"/>
-            <a:ext cx="257638" cy="206087"/>
-          </a:xfrm>
-          <a:prstGeom prst="straightConnector1">
-            <a:avLst/>
-          </a:prstGeom>
-          <a:ln>
-            <a:tailEnd type="triangle"/>
-          </a:ln>
-        </p:spPr>
-        <p:style>
-          <a:lnRef idx="1">
-            <a:schemeClr val="accent1"/>
-          </a:lnRef>
-          <a:fillRef idx="0">
-            <a:schemeClr val="accent1"/>
-          </a:fillRef>
-          <a:effectRef idx="0">
-            <a:schemeClr val="accent1"/>
-          </a:effectRef>
-          <a:fontRef idx="minor">
-            <a:schemeClr val="tx1"/>
-          </a:fontRef>
-        </p:style>
-      </p:cxnSp>
-      <p:cxnSp>
-        <p:nvCxnSpPr>
-          <p:cNvPr id="74" name="直線單箭頭接點 73"/>
-          <p:cNvCxnSpPr>
-            <a:stCxn id="21" idx="3"/>
-            <a:endCxn id="30" idx="1"/>
-          </p:cNvCxnSpPr>
-          <p:nvPr/>
-        </p:nvCxnSpPr>
-        <p:spPr>
-          <a:xfrm>
-            <a:off x="5320405" y="2221074"/>
-            <a:ext cx="257274" cy="224237"/>
-          </a:xfrm>
-          <a:prstGeom prst="straightConnector1">
-            <a:avLst/>
-          </a:prstGeom>
-          <a:ln>
-            <a:tailEnd type="triangle"/>
-          </a:ln>
-        </p:spPr>
-        <p:style>
-          <a:lnRef idx="1">
-            <a:schemeClr val="accent1"/>
-          </a:lnRef>
-          <a:fillRef idx="0">
-            <a:schemeClr val="accent1"/>
-          </a:fillRef>
-          <a:effectRef idx="0">
-            <a:schemeClr val="accent1"/>
-          </a:effectRef>
-          <a:fontRef idx="minor">
-            <a:schemeClr val="tx1"/>
-          </a:fontRef>
-        </p:style>
-      </p:cxnSp>
-      <p:cxnSp>
-        <p:nvCxnSpPr>
-          <p:cNvPr id="76" name="直線單箭頭接點 75"/>
-          <p:cNvCxnSpPr>
-            <a:stCxn id="59" idx="3"/>
-            <a:endCxn id="54" idx="1"/>
-          </p:cNvCxnSpPr>
-          <p:nvPr/>
-        </p:nvCxnSpPr>
-        <p:spPr>
-          <a:xfrm>
-            <a:off x="6931271" y="3841800"/>
-            <a:ext cx="1778706" cy="553901"/>
-          </a:xfrm>
-          <a:prstGeom prst="straightConnector1">
-            <a:avLst/>
-          </a:prstGeom>
-          <a:ln>
-            <a:tailEnd type="triangle"/>
-          </a:ln>
-        </p:spPr>
-        <p:style>
-          <a:lnRef idx="1">
-            <a:schemeClr val="accent1"/>
-          </a:lnRef>
-          <a:fillRef idx="0">
-            <a:schemeClr val="accent1"/>
-          </a:fillRef>
-          <a:effectRef idx="0">
-            <a:schemeClr val="accent1"/>
-          </a:effectRef>
-          <a:fontRef idx="minor">
-            <a:schemeClr val="tx1"/>
-          </a:fontRef>
-        </p:style>
-      </p:cxnSp>
-      <p:cxnSp>
-        <p:nvCxnSpPr>
-          <p:cNvPr id="78" name="直線單箭頭接點 77"/>
-          <p:cNvCxnSpPr>
-            <a:stCxn id="24" idx="3"/>
-            <a:endCxn id="54" idx="1"/>
-          </p:cNvCxnSpPr>
-          <p:nvPr/>
-        </p:nvCxnSpPr>
-        <p:spPr>
-          <a:xfrm flipV="1">
-            <a:off x="6976074" y="4395701"/>
-            <a:ext cx="1733903" cy="544856"/>
-          </a:xfrm>
-          <a:prstGeom prst="straightConnector1">
-            <a:avLst/>
-          </a:prstGeom>
-          <a:ln>
-            <a:tailEnd type="triangle"/>
-          </a:ln>
-        </p:spPr>
-        <p:style>
-          <a:lnRef idx="1">
-            <a:schemeClr val="accent1"/>
-          </a:lnRef>
-          <a:fillRef idx="0">
-            <a:schemeClr val="accent1"/>
-          </a:fillRef>
-          <a:effectRef idx="0">
-            <a:schemeClr val="accent1"/>
-          </a:effectRef>
-          <a:fontRef idx="minor">
-            <a:schemeClr val="tx1"/>
-          </a:fontRef>
-        </p:style>
-      </p:cxnSp>
-      <p:sp>
-        <p:nvSpPr>
-          <p:cNvPr id="79" name="文字方塊 78"/>
-          <p:cNvSpPr txBox="1"/>
-          <p:nvPr/>
-        </p:nvSpPr>
-        <p:spPr>
-          <a:xfrm>
-            <a:off x="3669904" y="2638299"/>
-            <a:ext cx="1311454" cy="646331"/>
+            <a:off x="1167984" y="1151232"/>
+            <a:ext cx="1569660" cy="369332"/>
           </a:xfrm>
           <a:prstGeom prst="rect">
             <a:avLst/>
           </a:prstGeom>
-          <a:noFill/>
-        </p:spPr>
-        <p:txBody>
-          <a:bodyPr wrap="square" rtlCol="0">
+        </p:spPr>
+        <p:txBody>
+          <a:bodyPr wrap="none">
             <a:spAutoFit/>
           </a:bodyPr>
           <a:lstStyle/>
           <a:p>
             <a:r>
-              <a:rPr lang="zh-TW" altLang="en-US" b="1" dirty="0" smtClean="0"/>
-              <a:t>對戰過程數</a:t>
-            </a:r>
-            <a:r>
-              <a:rPr lang="zh-TW" altLang="en-US" b="1" dirty="0"/>
-              <a:t>據</a:t>
-            </a:r>
-          </a:p>
-        </p:txBody>
-      </p:sp>
-      <p:sp>
-        <p:nvSpPr>
-          <p:cNvPr id="84" name="文字方塊 83"/>
-          <p:cNvSpPr txBox="1"/>
+              <a:rPr lang="zh-TW" altLang="en-US" dirty="0">
+                <a:latin typeface="微軟正黑體" panose="020B0604030504040204" pitchFamily="34" charset="-120"/>
+              </a:rPr>
+              <a:t>球</a:t>
+            </a:r>
+            <a:r>
+              <a:rPr lang="zh-TW" altLang="en-US" dirty="0" smtClean="0">
+                <a:latin typeface="微軟正黑體" panose="020B0604030504040204" pitchFamily="34" charset="-120"/>
+              </a:rPr>
+              <a:t>的當前座標</a:t>
+            </a:r>
+            <a:endParaRPr lang="zh-TW" altLang="en-US" dirty="0"/>
+          </a:p>
+        </p:txBody>
+      </p:sp>
+      <p:sp>
+        <p:nvSpPr>
+          <p:cNvPr id="33" name="矩形 32"/>
+          <p:cNvSpPr/>
           <p:nvPr/>
         </p:nvSpPr>
         <p:spPr>
           <a:xfrm>
-            <a:off x="6938049" y="4892508"/>
-            <a:ext cx="2031325" cy="646331"/>
+            <a:off x="1390599" y="1869051"/>
+            <a:ext cx="1107996" cy="369332"/>
           </a:xfrm>
           <a:prstGeom prst="rect">
             <a:avLst/>
           </a:prstGeom>
-          <a:noFill/>
-        </p:spPr>
-        <p:txBody>
-          <a:bodyPr wrap="none" rtlCol="0">
+        </p:spPr>
+        <p:txBody>
+          <a:bodyPr wrap="none">
             <a:spAutoFit/>
           </a:bodyPr>
           <a:lstStyle/>
           <a:p>
             <a:r>
-              <a:rPr lang="zh-TW" altLang="en-US" b="1" dirty="0" smtClean="0"/>
-              <a:t>將中心左或右移動</a:t>
-            </a:r>
-            <a:endParaRPr lang="en-US" altLang="zh-TW" b="1" dirty="0" smtClean="0"/>
-          </a:p>
-          <a:p>
-            <a:r>
-              <a:rPr lang="zh-TW" altLang="en-US" b="1" dirty="0" smtClean="0"/>
-              <a:t>至落點後不動</a:t>
-            </a:r>
-            <a:endParaRPr lang="zh-TW" altLang="en-US" b="1" dirty="0"/>
-          </a:p>
-        </p:txBody>
-      </p:sp>
-      <p:sp>
-        <p:nvSpPr>
-          <p:cNvPr id="88" name="文字方塊 87"/>
-          <p:cNvSpPr txBox="1"/>
+              <a:rPr lang="zh-TW" altLang="en-US" dirty="0">
+                <a:latin typeface="微軟正黑體" panose="020B0604030504040204" pitchFamily="34" charset="-120"/>
+              </a:rPr>
+              <a:t>當前球速</a:t>
+            </a:r>
+            <a:endParaRPr lang="zh-TW" altLang="en-US" dirty="0"/>
+          </a:p>
+        </p:txBody>
+      </p:sp>
+      <p:sp>
+        <p:nvSpPr>
+          <p:cNvPr id="60" name="向右箭號 59"/>
+          <p:cNvSpPr/>
           <p:nvPr/>
         </p:nvSpPr>
         <p:spPr>
           <a:xfrm>
-            <a:off x="7197446" y="3394052"/>
-            <a:ext cx="1800493" cy="646331"/>
+            <a:off x="1355198" y="1589941"/>
+            <a:ext cx="1234053" cy="209733"/>
+          </a:xfrm>
+          <a:prstGeom prst="rightArrow">
+            <a:avLst/>
+          </a:prstGeom>
+          <a:solidFill>
+            <a:schemeClr val="accent2"/>
+          </a:solidFill>
+        </p:spPr>
+        <p:style>
+          <a:lnRef idx="2">
+            <a:schemeClr val="accent1">
+              <a:shade val="50000"/>
+            </a:schemeClr>
+          </a:lnRef>
+          <a:fillRef idx="1">
+            <a:schemeClr val="accent1"/>
+          </a:fillRef>
+          <a:effectRef idx="0">
+            <a:schemeClr val="accent1"/>
+          </a:effectRef>
+          <a:fontRef idx="minor">
+            <a:schemeClr val="lt1"/>
+          </a:fontRef>
+        </p:style>
+        <p:txBody>
+          <a:bodyPr rtlCol="0" anchor="ctr"/>
+          <a:lstStyle/>
+          <a:p>
+            <a:pPr algn="ctr"/>
+            <a:endParaRPr lang="zh-TW" altLang="en-US" dirty="0"/>
+          </a:p>
+        </p:txBody>
+      </p:sp>
+      <p:sp>
+        <p:nvSpPr>
+          <p:cNvPr id="67" name="向右箭號 66"/>
+          <p:cNvSpPr/>
+          <p:nvPr/>
+        </p:nvSpPr>
+        <p:spPr>
+          <a:xfrm>
+            <a:off x="1328002" y="2166547"/>
+            <a:ext cx="1234053" cy="209733"/>
+          </a:xfrm>
+          <a:prstGeom prst="rightArrow">
+            <a:avLst>
+              <a:gd name="adj1" fmla="val 58304"/>
+              <a:gd name="adj2" fmla="val 50000"/>
+            </a:avLst>
+          </a:prstGeom>
+          <a:solidFill>
+            <a:schemeClr val="accent2"/>
+          </a:solidFill>
+        </p:spPr>
+        <p:style>
+          <a:lnRef idx="2">
+            <a:schemeClr val="accent1">
+              <a:shade val="50000"/>
+            </a:schemeClr>
+          </a:lnRef>
+          <a:fillRef idx="1">
+            <a:schemeClr val="accent1"/>
+          </a:fillRef>
+          <a:effectRef idx="0">
+            <a:schemeClr val="accent1"/>
+          </a:effectRef>
+          <a:fontRef idx="minor">
+            <a:schemeClr val="lt1"/>
+          </a:fontRef>
+        </p:style>
+        <p:txBody>
+          <a:bodyPr rtlCol="0" anchor="ctr"/>
+          <a:lstStyle/>
+          <a:p>
+            <a:pPr algn="ctr"/>
+            <a:endParaRPr lang="zh-TW" altLang="en-US"/>
+          </a:p>
+        </p:txBody>
+      </p:sp>
+      <p:sp>
+        <p:nvSpPr>
+          <p:cNvPr id="39" name="矩形 38"/>
+          <p:cNvSpPr/>
+          <p:nvPr/>
+        </p:nvSpPr>
+        <p:spPr>
+          <a:xfrm>
+            <a:off x="937151" y="2531381"/>
+            <a:ext cx="1800493" cy="369332"/>
           </a:xfrm>
           <a:prstGeom prst="rect">
             <a:avLst/>
           </a:prstGeom>
-          <a:noFill/>
-        </p:spPr>
-        <p:txBody>
-          <a:bodyPr wrap="none" rtlCol="0">
+        </p:spPr>
+        <p:txBody>
+          <a:bodyPr wrap="none">
             <a:spAutoFit/>
           </a:bodyPr>
           <a:lstStyle/>
           <a:p>
             <a:r>
-              <a:rPr lang="zh-TW" altLang="en-US" b="1" dirty="0" smtClean="0"/>
-              <a:t>在球落到板子前</a:t>
-            </a:r>
-            <a:endParaRPr lang="en-US" altLang="zh-TW" b="1" dirty="0" smtClean="0"/>
-          </a:p>
-          <a:p>
-            <a:r>
-              <a:rPr lang="zh-TW" altLang="en-US" b="1" dirty="0" smtClean="0"/>
-              <a:t>同向</a:t>
-            </a:r>
-            <a:r>
-              <a:rPr lang="zh-TW" altLang="en-US" b="1" dirty="0"/>
-              <a:t>移</a:t>
-            </a:r>
-            <a:r>
-              <a:rPr lang="zh-TW" altLang="en-US" b="1" dirty="0" smtClean="0"/>
-              <a:t>動接球</a:t>
-            </a:r>
-            <a:endParaRPr lang="zh-TW" altLang="en-US" b="1" dirty="0"/>
-          </a:p>
-        </p:txBody>
-      </p:sp>
-      <p:cxnSp>
-        <p:nvCxnSpPr>
-          <p:cNvPr id="90" name="直線單箭頭接點 89"/>
-          <p:cNvCxnSpPr>
-            <a:stCxn id="21" idx="2"/>
-            <a:endCxn id="59" idx="0"/>
-          </p:cNvCxnSpPr>
+              <a:rPr lang="zh-TW" altLang="en-US" dirty="0" smtClean="0">
+                <a:latin typeface="微軟正黑體" panose="020B0604030504040204" pitchFamily="34" charset="-120"/>
+              </a:rPr>
+              <a:t>板子的</a:t>
+            </a:r>
+            <a:r>
+              <a:rPr lang="zh-TW" altLang="en-US" dirty="0">
+                <a:latin typeface="微軟正黑體" panose="020B0604030504040204" pitchFamily="34" charset="-120"/>
+              </a:rPr>
+              <a:t>當前座標</a:t>
+            </a:r>
+            <a:endParaRPr lang="zh-TW" altLang="en-US" dirty="0"/>
+          </a:p>
+        </p:txBody>
+      </p:sp>
+      <p:sp>
+        <p:nvSpPr>
+          <p:cNvPr id="69" name="向右箭號 68"/>
+          <p:cNvSpPr/>
           <p:nvPr/>
-        </p:nvCxnSpPr>
+        </p:nvSpPr>
         <p:spPr>
           <a:xfrm>
-            <a:off x="4642311" y="2413460"/>
-            <a:ext cx="1333790" cy="1224962"/>
-          </a:xfrm>
-          <a:prstGeom prst="straightConnector1">
+            <a:off x="1355198" y="2795847"/>
+            <a:ext cx="1234053" cy="209733"/>
+          </a:xfrm>
+          <a:prstGeom prst="rightArrow">
+            <a:avLst>
+              <a:gd name="adj1" fmla="val 58304"/>
+              <a:gd name="adj2" fmla="val 50000"/>
+            </a:avLst>
+          </a:prstGeom>
+          <a:solidFill>
+            <a:schemeClr val="accent2"/>
+          </a:solidFill>
+        </p:spPr>
+        <p:style>
+          <a:lnRef idx="2">
+            <a:schemeClr val="accent1">
+              <a:shade val="50000"/>
+            </a:schemeClr>
+          </a:lnRef>
+          <a:fillRef idx="1">
+            <a:schemeClr val="accent1"/>
+          </a:fillRef>
+          <a:effectRef idx="0">
+            <a:schemeClr val="accent1"/>
+          </a:effectRef>
+          <a:fontRef idx="minor">
+            <a:schemeClr val="lt1"/>
+          </a:fontRef>
+        </p:style>
+        <p:txBody>
+          <a:bodyPr rtlCol="0" anchor="ctr"/>
+          <a:lstStyle/>
+          <a:p>
+            <a:pPr algn="ctr"/>
+            <a:endParaRPr lang="zh-TW" altLang="en-US"/>
+          </a:p>
+        </p:txBody>
+      </p:sp>
+      <p:sp>
+        <p:nvSpPr>
+          <p:cNvPr id="40" name="圓角矩形 39"/>
+          <p:cNvSpPr/>
+          <p:nvPr/>
+        </p:nvSpPr>
+        <p:spPr>
+          <a:xfrm>
+            <a:off x="2743808" y="1701392"/>
+            <a:ext cx="1323537" cy="337900"/>
+          </a:xfrm>
+          <a:prstGeom prst="roundRect">
             <a:avLst/>
           </a:prstGeom>
-          <a:ln w="38100">
+          <a:ln w="28575">
             <a:solidFill>
-              <a:srgbClr val="FFC000"/>
+              <a:schemeClr val="bg1">
+                <a:lumMod val="95000"/>
+              </a:schemeClr>
             </a:solidFill>
-            <a:tailEnd type="triangle"/>
           </a:ln>
         </p:spPr>
         <p:style>
-          <a:lnRef idx="1">
-            <a:schemeClr val="accent1"/>
+          <a:lnRef idx="2">
+            <a:schemeClr val="accent1">
+              <a:shade val="50000"/>
+            </a:schemeClr>
           </a:lnRef>
-          <a:fillRef idx="0">
+          <a:fillRef idx="1">
             <a:schemeClr val="accent1"/>
           </a:fillRef>
           <a:effectRef idx="0">
             <a:schemeClr val="accent1"/>
           </a:effectRef>
           <a:fontRef idx="minor">
-            <a:schemeClr val="tx1"/>
+            <a:schemeClr val="lt1"/>
           </a:fontRef>
         </p:style>
-      </p:cxnSp>
-      <p:sp>
-        <p:nvSpPr>
-          <p:cNvPr id="91" name="文字方塊 90"/>
-          <p:cNvSpPr txBox="1"/>
+        <p:txBody>
+          <a:bodyPr rtlCol="0" anchor="ctr"/>
+          <a:lstStyle/>
+          <a:p>
+            <a:pPr algn="ctr"/>
+            <a:r>
+              <a:rPr lang="zh-TW" altLang="en-US" dirty="0" smtClean="0"/>
+              <a:t>計算</a:t>
+            </a:r>
+            <a:r>
+              <a:rPr lang="zh-TW" altLang="en-US" dirty="0"/>
+              <a:t>球向</a:t>
+            </a:r>
+          </a:p>
+        </p:txBody>
+      </p:sp>
+      <p:sp>
+        <p:nvSpPr>
+          <p:cNvPr id="71" name="圓角矩形 70"/>
+          <p:cNvSpPr/>
           <p:nvPr/>
         </p:nvSpPr>
         <p:spPr>
           <a:xfrm>
-            <a:off x="5384074" y="2933829"/>
+            <a:off x="3141421" y="2106953"/>
+            <a:ext cx="1323537" cy="337900"/>
+          </a:xfrm>
+          <a:prstGeom prst="roundRect">
+            <a:avLst/>
+          </a:prstGeom>
+          <a:ln w="28575">
+            <a:solidFill>
+              <a:schemeClr val="bg1">
+                <a:lumMod val="95000"/>
+              </a:schemeClr>
+            </a:solidFill>
+          </a:ln>
+        </p:spPr>
+        <p:style>
+          <a:lnRef idx="2">
+            <a:schemeClr val="accent1">
+              <a:shade val="50000"/>
+            </a:schemeClr>
+          </a:lnRef>
+          <a:fillRef idx="1">
+            <a:schemeClr val="accent1"/>
+          </a:fillRef>
+          <a:effectRef idx="0">
+            <a:schemeClr val="accent1"/>
+          </a:effectRef>
+          <a:fontRef idx="minor">
+            <a:schemeClr val="lt1"/>
+          </a:fontRef>
+        </p:style>
+        <p:txBody>
+          <a:bodyPr rtlCol="0" anchor="ctr"/>
+          <a:lstStyle/>
+          <a:p>
+            <a:pPr algn="ctr"/>
+            <a:r>
+              <a:rPr lang="zh-TW" altLang="en-US" dirty="0" smtClean="0"/>
+              <a:t>計算落點</a:t>
+            </a:r>
+            <a:endParaRPr lang="zh-TW" altLang="en-US" dirty="0"/>
+          </a:p>
+        </p:txBody>
+      </p:sp>
+      <p:sp>
+        <p:nvSpPr>
+          <p:cNvPr id="73" name="圓角矩形 72"/>
+          <p:cNvSpPr/>
+          <p:nvPr/>
+        </p:nvSpPr>
+        <p:spPr>
+          <a:xfrm>
+            <a:off x="3552862" y="2512515"/>
+            <a:ext cx="1487992" cy="610124"/>
+          </a:xfrm>
+          <a:prstGeom prst="roundRect">
+            <a:avLst/>
+          </a:prstGeom>
+          <a:ln w="28575">
+            <a:solidFill>
+              <a:schemeClr val="bg1">
+                <a:lumMod val="95000"/>
+              </a:schemeClr>
+            </a:solidFill>
+          </a:ln>
+        </p:spPr>
+        <p:style>
+          <a:lnRef idx="2">
+            <a:schemeClr val="accent1">
+              <a:shade val="50000"/>
+            </a:schemeClr>
+          </a:lnRef>
+          <a:fillRef idx="1">
+            <a:schemeClr val="accent1"/>
+          </a:fillRef>
+          <a:effectRef idx="0">
+            <a:schemeClr val="accent1"/>
+          </a:effectRef>
+          <a:fontRef idx="minor">
+            <a:schemeClr val="lt1"/>
+          </a:fontRef>
+        </p:style>
+        <p:txBody>
+          <a:bodyPr rtlCol="0" anchor="ctr"/>
+          <a:lstStyle/>
+          <a:p>
+            <a:pPr algn="ctr"/>
+            <a:r>
+              <a:rPr lang="zh-TW" altLang="en-US" dirty="0" smtClean="0"/>
+              <a:t>計算落點與平板距離</a:t>
+            </a:r>
+            <a:endParaRPr lang="zh-TW" altLang="en-US" dirty="0"/>
+          </a:p>
+        </p:txBody>
+      </p:sp>
+      <p:sp>
+        <p:nvSpPr>
+          <p:cNvPr id="77" name="圓角矩形 76"/>
+          <p:cNvSpPr/>
+          <p:nvPr/>
+        </p:nvSpPr>
+        <p:spPr>
+          <a:xfrm>
+            <a:off x="2734917" y="4171141"/>
+            <a:ext cx="1920754" cy="646726"/>
+          </a:xfrm>
+          <a:prstGeom prst="roundRect">
+            <a:avLst/>
+          </a:prstGeom>
+          <a:ln w="28575">
+            <a:solidFill>
+              <a:schemeClr val="bg1">
+                <a:lumMod val="95000"/>
+              </a:schemeClr>
+            </a:solidFill>
+          </a:ln>
+        </p:spPr>
+        <p:style>
+          <a:lnRef idx="2">
+            <a:schemeClr val="accent1">
+              <a:shade val="50000"/>
+            </a:schemeClr>
+          </a:lnRef>
+          <a:fillRef idx="1">
+            <a:schemeClr val="accent1"/>
+          </a:fillRef>
+          <a:effectRef idx="0">
+            <a:schemeClr val="accent1"/>
+          </a:effectRef>
+          <a:fontRef idx="minor">
+            <a:schemeClr val="lt1"/>
+          </a:fontRef>
+        </p:style>
+        <p:txBody>
+          <a:bodyPr rtlCol="0" anchor="ctr"/>
+          <a:lstStyle/>
+          <a:p>
+            <a:pPr algn="ctr"/>
+            <a:r>
+              <a:rPr lang="zh-TW" altLang="en-US" dirty="0" smtClean="0"/>
+              <a:t>抉擇接球方案</a:t>
+            </a:r>
+            <a:endParaRPr lang="zh-TW" altLang="en-US" dirty="0"/>
+          </a:p>
+        </p:txBody>
+      </p:sp>
+      <p:sp>
+        <p:nvSpPr>
+          <p:cNvPr id="80" name="向右箭號 79"/>
+          <p:cNvSpPr/>
+          <p:nvPr/>
+        </p:nvSpPr>
+        <p:spPr>
+          <a:xfrm rot="5400000">
+            <a:off x="1855460" y="3004726"/>
+            <a:ext cx="1998162" cy="209733"/>
+          </a:xfrm>
+          <a:prstGeom prst="rightArrow">
+            <a:avLst/>
+          </a:prstGeom>
+          <a:solidFill>
+            <a:schemeClr val="accent2"/>
+          </a:solidFill>
+        </p:spPr>
+        <p:style>
+          <a:lnRef idx="2">
+            <a:schemeClr val="accent1">
+              <a:shade val="50000"/>
+            </a:schemeClr>
+          </a:lnRef>
+          <a:fillRef idx="1">
+            <a:schemeClr val="accent1"/>
+          </a:fillRef>
+          <a:effectRef idx="0">
+            <a:schemeClr val="accent1"/>
+          </a:effectRef>
+          <a:fontRef idx="minor">
+            <a:schemeClr val="lt1"/>
+          </a:fontRef>
+        </p:style>
+        <p:txBody>
+          <a:bodyPr rtlCol="0" anchor="ctr"/>
+          <a:lstStyle/>
+          <a:p>
+            <a:pPr algn="ctr"/>
+            <a:endParaRPr lang="zh-TW" altLang="en-US" dirty="0"/>
+          </a:p>
+        </p:txBody>
+      </p:sp>
+      <p:sp>
+        <p:nvSpPr>
+          <p:cNvPr id="81" name="向右箭號 80"/>
+          <p:cNvSpPr/>
+          <p:nvPr/>
+        </p:nvSpPr>
+        <p:spPr>
+          <a:xfrm rot="5400000">
+            <a:off x="2485475" y="3192968"/>
+            <a:ext cx="1621682" cy="209733"/>
+          </a:xfrm>
+          <a:prstGeom prst="rightArrow">
+            <a:avLst/>
+          </a:prstGeom>
+          <a:solidFill>
+            <a:schemeClr val="accent2"/>
+          </a:solidFill>
+        </p:spPr>
+        <p:style>
+          <a:lnRef idx="2">
+            <a:schemeClr val="accent1">
+              <a:shade val="50000"/>
+            </a:schemeClr>
+          </a:lnRef>
+          <a:fillRef idx="1">
+            <a:schemeClr val="accent1"/>
+          </a:fillRef>
+          <a:effectRef idx="0">
+            <a:schemeClr val="accent1"/>
+          </a:effectRef>
+          <a:fontRef idx="minor">
+            <a:schemeClr val="lt1"/>
+          </a:fontRef>
+        </p:style>
+        <p:txBody>
+          <a:bodyPr rtlCol="0" anchor="ctr"/>
+          <a:lstStyle/>
+          <a:p>
+            <a:pPr algn="ctr"/>
+            <a:endParaRPr lang="zh-TW" altLang="en-US" dirty="0"/>
+          </a:p>
+        </p:txBody>
+      </p:sp>
+      <p:sp>
+        <p:nvSpPr>
+          <p:cNvPr id="82" name="向右箭號 81"/>
+          <p:cNvSpPr/>
+          <p:nvPr/>
+        </p:nvSpPr>
+        <p:spPr>
+          <a:xfrm rot="5400000">
+            <a:off x="4037037" y="3559982"/>
+            <a:ext cx="887651" cy="209733"/>
+          </a:xfrm>
+          <a:prstGeom prst="rightArrow">
+            <a:avLst/>
+          </a:prstGeom>
+          <a:solidFill>
+            <a:schemeClr val="accent2"/>
+          </a:solidFill>
+        </p:spPr>
+        <p:style>
+          <a:lnRef idx="2">
+            <a:schemeClr val="accent1">
+              <a:shade val="50000"/>
+            </a:schemeClr>
+          </a:lnRef>
+          <a:fillRef idx="1">
+            <a:schemeClr val="accent1"/>
+          </a:fillRef>
+          <a:effectRef idx="0">
+            <a:schemeClr val="accent1"/>
+          </a:effectRef>
+          <a:fontRef idx="minor">
+            <a:schemeClr val="lt1"/>
+          </a:fontRef>
+        </p:style>
+        <p:txBody>
+          <a:bodyPr rtlCol="0" anchor="ctr"/>
+          <a:lstStyle/>
+          <a:p>
+            <a:pPr algn="ctr"/>
+            <a:endParaRPr lang="zh-TW" altLang="en-US" dirty="0"/>
+          </a:p>
+        </p:txBody>
+      </p:sp>
+      <p:sp>
+        <p:nvSpPr>
+          <p:cNvPr id="42" name="矩形 41"/>
+          <p:cNvSpPr/>
+          <p:nvPr/>
+        </p:nvSpPr>
+        <p:spPr>
+          <a:xfrm>
+            <a:off x="3813342" y="3242508"/>
             <a:ext cx="646331" cy="369332"/>
           </a:xfrm>
           <a:prstGeom prst="rect">
             <a:avLst/>
           </a:prstGeom>
-          <a:noFill/>
-        </p:spPr>
-        <p:txBody>
-          <a:bodyPr wrap="none" rtlCol="0">
+        </p:spPr>
+        <p:txBody>
+          <a:bodyPr wrap="none">
             <a:spAutoFit/>
           </a:bodyPr>
           <a:lstStyle/>
           <a:p>
-            <a:r>
-              <a:rPr lang="zh-TW" altLang="en-US" dirty="0" smtClean="0"/>
-              <a:t>球向</a:t>
+            <a:pPr algn="ctr"/>
+            <a:r>
+              <a:rPr lang="zh-TW" altLang="en-US" dirty="0"/>
+              <a:t>距離</a:t>
             </a:r>
             <a:endParaRPr lang="zh-TW" altLang="en-US" dirty="0"/>
           </a:p>
@@ -12000,73 +11903,732 @@
       </p:sp>
       <p:sp>
         <p:nvSpPr>
-          <p:cNvPr id="92" name="文字方塊 91"/>
-          <p:cNvSpPr txBox="1"/>
+          <p:cNvPr id="43" name="矩形 42"/>
+          <p:cNvSpPr/>
           <p:nvPr/>
         </p:nvSpPr>
         <p:spPr>
           <a:xfrm>
-            <a:off x="5862019" y="4436504"/>
-            <a:ext cx="877163" cy="369332"/>
+            <a:off x="3296316" y="3582236"/>
+            <a:ext cx="646331" cy="369332"/>
           </a:xfrm>
           <a:prstGeom prst="rect">
             <a:avLst/>
           </a:prstGeom>
-          <a:noFill/>
-        </p:spPr>
-        <p:txBody>
-          <a:bodyPr wrap="none" rtlCol="0">
+        </p:spPr>
+        <p:txBody>
+          <a:bodyPr wrap="none">
             <a:spAutoFit/>
           </a:bodyPr>
           <a:lstStyle/>
           <a:p>
             <a:r>
-              <a:rPr lang="zh-TW" altLang="en-US" dirty="0" smtClean="0"/>
-              <a:t>球座標</a:t>
-            </a:r>
-            <a:endParaRPr lang="zh-TW" altLang="en-US" dirty="0"/>
-          </a:p>
-        </p:txBody>
-      </p:sp>
-      <p:cxnSp>
-        <p:nvCxnSpPr>
-          <p:cNvPr id="94" name="直線單箭頭接點 93"/>
-          <p:cNvCxnSpPr>
-            <a:stCxn id="21" idx="2"/>
-            <a:endCxn id="58" idx="0"/>
-          </p:cNvCxnSpPr>
+              <a:rPr lang="zh-TW" altLang="en-US" dirty="0"/>
+              <a:t>座標</a:t>
+            </a:r>
+          </a:p>
+        </p:txBody>
+      </p:sp>
+      <p:sp>
+        <p:nvSpPr>
+          <p:cNvPr id="44" name="矩形 43"/>
+          <p:cNvSpPr/>
           <p:nvPr/>
-        </p:nvCxnSpPr>
+        </p:nvSpPr>
         <p:spPr>
           <a:xfrm>
-            <a:off x="4642311" y="2413460"/>
-            <a:ext cx="1319392" cy="2429799"/>
-          </a:xfrm>
-          <a:prstGeom prst="straightConnector1">
+            <a:off x="2560991" y="3517357"/>
+            <a:ext cx="646331" cy="369332"/>
+          </a:xfrm>
+          <a:prstGeom prst="rect">
             <a:avLst/>
           </a:prstGeom>
-          <a:ln w="38100">
-            <a:solidFill>
-              <a:srgbClr val="92D050"/>
-            </a:solidFill>
-            <a:tailEnd type="triangle"/>
-          </a:ln>
+        </p:spPr>
+        <p:txBody>
+          <a:bodyPr wrap="none">
+            <a:spAutoFit/>
+          </a:bodyPr>
+          <a:lstStyle/>
+          <a:p>
+            <a:r>
+              <a:rPr lang="zh-TW" altLang="en-US" dirty="0"/>
+              <a:t>球向</a:t>
+            </a:r>
+          </a:p>
+        </p:txBody>
+      </p:sp>
+      <p:sp>
+        <p:nvSpPr>
+          <p:cNvPr id="46" name="向右箭號 45"/>
+          <p:cNvSpPr/>
+          <p:nvPr/>
+        </p:nvSpPr>
+        <p:spPr>
+          <a:xfrm>
+            <a:off x="4760114" y="4475338"/>
+            <a:ext cx="1976876" cy="272149"/>
+          </a:xfrm>
+          <a:prstGeom prst="rightArrow">
+            <a:avLst>
+              <a:gd name="adj1" fmla="val 43601"/>
+              <a:gd name="adj2" fmla="val 50000"/>
+            </a:avLst>
+          </a:prstGeom>
+          <a:solidFill>
+            <a:schemeClr val="tx1"/>
+          </a:solidFill>
         </p:spPr>
         <p:style>
-          <a:lnRef idx="1">
-            <a:schemeClr val="accent1"/>
+          <a:lnRef idx="2">
+            <a:schemeClr val="accent1">
+              <a:shade val="50000"/>
+            </a:schemeClr>
           </a:lnRef>
-          <a:fillRef idx="0">
+          <a:fillRef idx="1">
             <a:schemeClr val="accent1"/>
           </a:fillRef>
           <a:effectRef idx="0">
             <a:schemeClr val="accent1"/>
           </a:effectRef>
           <a:fontRef idx="minor">
-            <a:schemeClr val="tx1"/>
+            <a:schemeClr val="lt1"/>
           </a:fontRef>
         </p:style>
-      </p:cxnSp>
+        <p:txBody>
+          <a:bodyPr rtlCol="0" anchor="ctr"/>
+          <a:lstStyle/>
+          <a:p>
+            <a:pPr algn="ctr"/>
+            <a:endParaRPr lang="zh-TW" altLang="en-US"/>
+          </a:p>
+        </p:txBody>
+      </p:sp>
+      <p:sp>
+        <p:nvSpPr>
+          <p:cNvPr id="86" name="向右箭號 85"/>
+          <p:cNvSpPr/>
+          <p:nvPr/>
+        </p:nvSpPr>
+        <p:spPr>
+          <a:xfrm rot="18882330">
+            <a:off x="4228739" y="2948870"/>
+            <a:ext cx="3049116" cy="272149"/>
+          </a:xfrm>
+          <a:prstGeom prst="rightArrow">
+            <a:avLst/>
+          </a:prstGeom>
+          <a:solidFill>
+            <a:schemeClr val="tx1"/>
+          </a:solidFill>
+        </p:spPr>
+        <p:style>
+          <a:lnRef idx="2">
+            <a:schemeClr val="accent1">
+              <a:shade val="50000"/>
+            </a:schemeClr>
+          </a:lnRef>
+          <a:fillRef idx="1">
+            <a:schemeClr val="accent1"/>
+          </a:fillRef>
+          <a:effectRef idx="0">
+            <a:schemeClr val="accent1"/>
+          </a:effectRef>
+          <a:fontRef idx="minor">
+            <a:schemeClr val="lt1"/>
+          </a:fontRef>
+        </p:style>
+        <p:txBody>
+          <a:bodyPr rtlCol="0" anchor="ctr"/>
+          <a:lstStyle/>
+          <a:p>
+            <a:pPr algn="ctr"/>
+            <a:endParaRPr lang="zh-TW" altLang="en-US"/>
+          </a:p>
+        </p:txBody>
+      </p:sp>
+      <p:sp>
+        <p:nvSpPr>
+          <p:cNvPr id="56" name="矩形 55"/>
+          <p:cNvSpPr/>
+          <p:nvPr/>
+        </p:nvSpPr>
+        <p:spPr>
+          <a:xfrm>
+            <a:off x="5344112" y="2006440"/>
+            <a:ext cx="800219" cy="923330"/>
+          </a:xfrm>
+          <a:prstGeom prst="rect">
+            <a:avLst/>
+          </a:prstGeom>
+        </p:spPr>
+        <p:txBody>
+          <a:bodyPr wrap="none">
+            <a:spAutoFit/>
+          </a:bodyPr>
+          <a:lstStyle/>
+          <a:p>
+            <a:r>
+              <a:rPr lang="en-US" altLang="zh-TW" dirty="0" smtClean="0"/>
+              <a:t>A</a:t>
+            </a:r>
+            <a:r>
+              <a:rPr lang="zh-TW" altLang="en-US" dirty="0" smtClean="0"/>
+              <a:t>方案</a:t>
+            </a:r>
+            <a:endParaRPr lang="en-US" altLang="zh-TW" dirty="0" smtClean="0"/>
+          </a:p>
+          <a:p>
+            <a:r>
+              <a:rPr lang="zh-TW" altLang="en-US" dirty="0"/>
+              <a:t>球向</a:t>
+            </a:r>
+          </a:p>
+          <a:p>
+            <a:r>
+              <a:rPr lang="zh-TW" altLang="en-US" dirty="0" smtClean="0"/>
+              <a:t>落點</a:t>
+            </a:r>
+            <a:endParaRPr lang="en-US" altLang="zh-TW" dirty="0" smtClean="0"/>
+          </a:p>
+        </p:txBody>
+      </p:sp>
+      <p:sp>
+        <p:nvSpPr>
+          <p:cNvPr id="89" name="矩形 88"/>
+          <p:cNvSpPr/>
+          <p:nvPr/>
+        </p:nvSpPr>
+        <p:spPr>
+          <a:xfrm>
+            <a:off x="5040854" y="4779216"/>
+            <a:ext cx="776175" cy="923330"/>
+          </a:xfrm>
+          <a:prstGeom prst="rect">
+            <a:avLst/>
+          </a:prstGeom>
+        </p:spPr>
+        <p:txBody>
+          <a:bodyPr wrap="none">
+            <a:spAutoFit/>
+          </a:bodyPr>
+          <a:lstStyle/>
+          <a:p>
+            <a:r>
+              <a:rPr lang="en-US" altLang="zh-TW" dirty="0" smtClean="0"/>
+              <a:t>B</a:t>
+            </a:r>
+            <a:r>
+              <a:rPr lang="zh-TW" altLang="en-US" dirty="0" smtClean="0"/>
+              <a:t>方案</a:t>
+            </a:r>
+            <a:endParaRPr lang="en-US" altLang="zh-TW" dirty="0" smtClean="0"/>
+          </a:p>
+          <a:p>
+            <a:r>
+              <a:rPr lang="zh-TW" altLang="en-US" dirty="0" smtClean="0"/>
+              <a:t>落點</a:t>
+            </a:r>
+            <a:endParaRPr lang="en-US" altLang="zh-TW" dirty="0" smtClean="0"/>
+          </a:p>
+          <a:p>
+            <a:r>
+              <a:rPr lang="zh-TW" altLang="en-US" dirty="0" smtClean="0"/>
+              <a:t>距離</a:t>
+            </a:r>
+            <a:endParaRPr lang="en-US" altLang="zh-TW" dirty="0" smtClean="0"/>
+          </a:p>
+        </p:txBody>
+      </p:sp>
+      <p:sp>
+        <p:nvSpPr>
+          <p:cNvPr id="93" name="圓角矩形 92"/>
+          <p:cNvSpPr/>
+          <p:nvPr/>
+        </p:nvSpPr>
+        <p:spPr>
+          <a:xfrm>
+            <a:off x="6821708" y="2674112"/>
+            <a:ext cx="1640142" cy="714630"/>
+          </a:xfrm>
+          <a:prstGeom prst="roundRect">
+            <a:avLst/>
+          </a:prstGeom>
+          <a:solidFill>
+            <a:srgbClr val="C00000"/>
+          </a:solidFill>
+          <a:ln w="57150">
+            <a:solidFill>
+              <a:schemeClr val="bg1"/>
+            </a:solidFill>
+          </a:ln>
+        </p:spPr>
+        <p:style>
+          <a:lnRef idx="2">
+            <a:schemeClr val="accent1">
+              <a:shade val="50000"/>
+            </a:schemeClr>
+          </a:lnRef>
+          <a:fillRef idx="1">
+            <a:schemeClr val="accent1"/>
+          </a:fillRef>
+          <a:effectRef idx="0">
+            <a:schemeClr val="accent1"/>
+          </a:effectRef>
+          <a:fontRef idx="minor">
+            <a:schemeClr val="lt1"/>
+          </a:fontRef>
+        </p:style>
+        <p:txBody>
+          <a:bodyPr rtlCol="0" anchor="ctr"/>
+          <a:lstStyle/>
+          <a:p>
+            <a:pPr algn="ctr"/>
+            <a:r>
+              <a:rPr lang="zh-TW" altLang="en-US" sz="2000" dirty="0" smtClean="0"/>
+              <a:t>移動時機</a:t>
+            </a:r>
+            <a:endParaRPr lang="en-US" altLang="zh-TW" sz="2000" dirty="0" smtClean="0"/>
+          </a:p>
+          <a:p>
+            <a:pPr algn="ctr"/>
+            <a:r>
+              <a:rPr lang="zh-TW" altLang="en-US" sz="2000" dirty="0" smtClean="0"/>
+              <a:t>計算</a:t>
+            </a:r>
+            <a:endParaRPr lang="zh-TW" altLang="en-US" sz="2000" dirty="0"/>
+          </a:p>
+        </p:txBody>
+      </p:sp>
+      <p:sp>
+        <p:nvSpPr>
+          <p:cNvPr id="95" name="圓角矩形 94"/>
+          <p:cNvSpPr/>
+          <p:nvPr/>
+        </p:nvSpPr>
+        <p:spPr>
+          <a:xfrm>
+            <a:off x="6802825" y="5442920"/>
+            <a:ext cx="1855983" cy="558221"/>
+          </a:xfrm>
+          <a:prstGeom prst="roundRect">
+            <a:avLst/>
+          </a:prstGeom>
+          <a:solidFill>
+            <a:srgbClr val="00B0F0"/>
+          </a:solidFill>
+          <a:ln w="57150">
+            <a:solidFill>
+              <a:schemeClr val="bg1"/>
+            </a:solidFill>
+          </a:ln>
+        </p:spPr>
+        <p:style>
+          <a:lnRef idx="2">
+            <a:schemeClr val="accent1">
+              <a:shade val="50000"/>
+            </a:schemeClr>
+          </a:lnRef>
+          <a:fillRef idx="1">
+            <a:schemeClr val="accent1"/>
+          </a:fillRef>
+          <a:effectRef idx="0">
+            <a:schemeClr val="accent1"/>
+          </a:effectRef>
+          <a:fontRef idx="minor">
+            <a:schemeClr val="lt1"/>
+          </a:fontRef>
+        </p:style>
+        <p:txBody>
+          <a:bodyPr rtlCol="0" anchor="ctr"/>
+          <a:lstStyle/>
+          <a:p>
+            <a:pPr algn="ctr"/>
+            <a:r>
+              <a:rPr lang="zh-TW" altLang="en-US" sz="2000" smtClean="0"/>
+              <a:t>移動位置計算</a:t>
+            </a:r>
+            <a:endParaRPr lang="zh-TW" altLang="en-US" sz="2000" dirty="0"/>
+          </a:p>
+        </p:txBody>
+      </p:sp>
+      <p:sp>
+        <p:nvSpPr>
+          <p:cNvPr id="57" name="向下箭號 56"/>
+          <p:cNvSpPr/>
+          <p:nvPr/>
+        </p:nvSpPr>
+        <p:spPr>
+          <a:xfrm>
+            <a:off x="7451541" y="2106953"/>
+            <a:ext cx="286458" cy="540453"/>
+          </a:xfrm>
+          <a:prstGeom prst="downArrow">
+            <a:avLst/>
+          </a:prstGeom>
+          <a:solidFill>
+            <a:schemeClr val="tx1"/>
+          </a:solidFill>
+          <a:ln>
+            <a:solidFill>
+              <a:schemeClr val="tx1"/>
+            </a:solidFill>
+          </a:ln>
+        </p:spPr>
+        <p:style>
+          <a:lnRef idx="2">
+            <a:schemeClr val="accent1">
+              <a:shade val="50000"/>
+            </a:schemeClr>
+          </a:lnRef>
+          <a:fillRef idx="1">
+            <a:schemeClr val="accent1"/>
+          </a:fillRef>
+          <a:effectRef idx="0">
+            <a:schemeClr val="accent1"/>
+          </a:effectRef>
+          <a:fontRef idx="minor">
+            <a:schemeClr val="lt1"/>
+          </a:fontRef>
+        </p:style>
+        <p:txBody>
+          <a:bodyPr rtlCol="0" anchor="ctr"/>
+          <a:lstStyle/>
+          <a:p>
+            <a:pPr algn="ctr"/>
+            <a:endParaRPr lang="zh-TW" altLang="en-US"/>
+          </a:p>
+        </p:txBody>
+      </p:sp>
+      <p:sp>
+        <p:nvSpPr>
+          <p:cNvPr id="96" name="向下箭號 95"/>
+          <p:cNvSpPr/>
+          <p:nvPr/>
+        </p:nvSpPr>
+        <p:spPr>
+          <a:xfrm>
+            <a:off x="7071873" y="4792128"/>
+            <a:ext cx="286458" cy="650792"/>
+          </a:xfrm>
+          <a:prstGeom prst="downArrow">
+            <a:avLst/>
+          </a:prstGeom>
+          <a:solidFill>
+            <a:schemeClr val="tx1"/>
+          </a:solidFill>
+          <a:ln>
+            <a:solidFill>
+              <a:schemeClr val="tx1"/>
+            </a:solidFill>
+          </a:ln>
+        </p:spPr>
+        <p:style>
+          <a:lnRef idx="2">
+            <a:schemeClr val="accent1">
+              <a:shade val="50000"/>
+            </a:schemeClr>
+          </a:lnRef>
+          <a:fillRef idx="1">
+            <a:schemeClr val="accent1"/>
+          </a:fillRef>
+          <a:effectRef idx="0">
+            <a:schemeClr val="accent1"/>
+          </a:effectRef>
+          <a:fontRef idx="minor">
+            <a:schemeClr val="lt1"/>
+          </a:fontRef>
+        </p:style>
+        <p:txBody>
+          <a:bodyPr rtlCol="0" anchor="ctr"/>
+          <a:lstStyle/>
+          <a:p>
+            <a:pPr algn="ctr"/>
+            <a:endParaRPr lang="zh-TW" altLang="en-US"/>
+          </a:p>
+        </p:txBody>
+      </p:sp>
+      <p:sp>
+        <p:nvSpPr>
+          <p:cNvPr id="62" name="矩形 61"/>
+          <p:cNvSpPr/>
+          <p:nvPr/>
+        </p:nvSpPr>
+        <p:spPr>
+          <a:xfrm>
+            <a:off x="7691351" y="2051381"/>
+            <a:ext cx="1107996" cy="646331"/>
+          </a:xfrm>
+          <a:prstGeom prst="rect">
+            <a:avLst/>
+          </a:prstGeom>
+        </p:spPr>
+        <p:txBody>
+          <a:bodyPr wrap="none">
+            <a:spAutoFit/>
+          </a:bodyPr>
+          <a:lstStyle/>
+          <a:p>
+            <a:r>
+              <a:rPr lang="zh-TW" altLang="en-US" dirty="0" smtClean="0">
+                <a:solidFill>
+                  <a:schemeClr val="bg1"/>
+                </a:solidFill>
+              </a:rPr>
+              <a:t>移動量</a:t>
+            </a:r>
+            <a:endParaRPr lang="en-US" altLang="zh-TW" dirty="0" smtClean="0">
+              <a:solidFill>
+                <a:schemeClr val="bg1"/>
+              </a:solidFill>
+            </a:endParaRPr>
+          </a:p>
+          <a:p>
+            <a:r>
+              <a:rPr lang="zh-TW" altLang="en-US" dirty="0" smtClean="0">
+                <a:solidFill>
+                  <a:schemeClr val="bg1"/>
+                </a:solidFill>
+              </a:rPr>
+              <a:t>切球</a:t>
+            </a:r>
+            <a:r>
+              <a:rPr lang="zh-TW" altLang="en-US" dirty="0">
+                <a:solidFill>
+                  <a:schemeClr val="bg1"/>
+                </a:solidFill>
+              </a:rPr>
+              <a:t>時</a:t>
+            </a:r>
+            <a:r>
+              <a:rPr lang="zh-TW" altLang="en-US" dirty="0" smtClean="0">
+                <a:solidFill>
+                  <a:schemeClr val="bg1"/>
+                </a:solidFill>
+              </a:rPr>
+              <a:t>機</a:t>
+            </a:r>
+            <a:endParaRPr lang="en-US" altLang="zh-TW" dirty="0">
+              <a:solidFill>
+                <a:schemeClr val="bg1"/>
+              </a:solidFill>
+            </a:endParaRPr>
+          </a:p>
+        </p:txBody>
+      </p:sp>
+      <p:sp>
+        <p:nvSpPr>
+          <p:cNvPr id="97" name="矩形 96"/>
+          <p:cNvSpPr/>
+          <p:nvPr/>
+        </p:nvSpPr>
+        <p:spPr>
+          <a:xfrm>
+            <a:off x="7288929" y="4846392"/>
+            <a:ext cx="1107996" cy="646331"/>
+          </a:xfrm>
+          <a:prstGeom prst="rect">
+            <a:avLst/>
+          </a:prstGeom>
+        </p:spPr>
+        <p:txBody>
+          <a:bodyPr wrap="none">
+            <a:spAutoFit/>
+          </a:bodyPr>
+          <a:lstStyle/>
+          <a:p>
+            <a:r>
+              <a:rPr lang="zh-TW" altLang="en-US" dirty="0" smtClean="0"/>
+              <a:t>移動量</a:t>
+            </a:r>
+            <a:endParaRPr lang="en-US" altLang="zh-TW" dirty="0" smtClean="0"/>
+          </a:p>
+          <a:p>
+            <a:r>
+              <a:rPr lang="zh-TW" altLang="en-US" dirty="0" smtClean="0"/>
+              <a:t>接球</a:t>
+            </a:r>
+            <a:r>
+              <a:rPr lang="zh-TW" altLang="en-US" dirty="0"/>
+              <a:t>時機</a:t>
+            </a:r>
+            <a:endParaRPr lang="en-US" altLang="zh-TW" dirty="0" smtClean="0"/>
+          </a:p>
+        </p:txBody>
+      </p:sp>
+      <p:sp>
+        <p:nvSpPr>
+          <p:cNvPr id="63" name="向右箭號 62"/>
+          <p:cNvSpPr/>
+          <p:nvPr/>
+        </p:nvSpPr>
+        <p:spPr>
+          <a:xfrm>
+            <a:off x="8658808" y="3128923"/>
+            <a:ext cx="1503199" cy="357622"/>
+          </a:xfrm>
+          <a:prstGeom prst="rightArrow">
+            <a:avLst/>
+          </a:prstGeom>
+          <a:solidFill>
+            <a:schemeClr val="tx1"/>
+          </a:solidFill>
+        </p:spPr>
+        <p:style>
+          <a:lnRef idx="2">
+            <a:schemeClr val="accent1">
+              <a:shade val="50000"/>
+            </a:schemeClr>
+          </a:lnRef>
+          <a:fillRef idx="1">
+            <a:schemeClr val="accent1"/>
+          </a:fillRef>
+          <a:effectRef idx="0">
+            <a:schemeClr val="accent1"/>
+          </a:effectRef>
+          <a:fontRef idx="minor">
+            <a:schemeClr val="lt1"/>
+          </a:fontRef>
+        </p:style>
+        <p:txBody>
+          <a:bodyPr rtlCol="0" anchor="ctr"/>
+          <a:lstStyle/>
+          <a:p>
+            <a:pPr algn="ctr"/>
+            <a:endParaRPr lang="zh-TW" altLang="en-US"/>
+          </a:p>
+        </p:txBody>
+      </p:sp>
+      <p:sp>
+        <p:nvSpPr>
+          <p:cNvPr id="98" name="向右箭號 97"/>
+          <p:cNvSpPr/>
+          <p:nvPr/>
+        </p:nvSpPr>
+        <p:spPr>
+          <a:xfrm rot="19486797">
+            <a:off x="8724698" y="5000984"/>
+            <a:ext cx="2257386" cy="357622"/>
+          </a:xfrm>
+          <a:prstGeom prst="rightArrow">
+            <a:avLst/>
+          </a:prstGeom>
+          <a:solidFill>
+            <a:schemeClr val="tx1"/>
+          </a:solidFill>
+        </p:spPr>
+        <p:style>
+          <a:lnRef idx="2">
+            <a:schemeClr val="accent1">
+              <a:shade val="50000"/>
+            </a:schemeClr>
+          </a:lnRef>
+          <a:fillRef idx="1">
+            <a:schemeClr val="accent1"/>
+          </a:fillRef>
+          <a:effectRef idx="0">
+            <a:schemeClr val="accent1"/>
+          </a:effectRef>
+          <a:fontRef idx="minor">
+            <a:schemeClr val="lt1"/>
+          </a:fontRef>
+        </p:style>
+        <p:txBody>
+          <a:bodyPr rtlCol="0" anchor="ctr"/>
+          <a:lstStyle/>
+          <a:p>
+            <a:pPr algn="ctr"/>
+            <a:endParaRPr lang="zh-TW" altLang="en-US"/>
+          </a:p>
+        </p:txBody>
+      </p:sp>
+      <p:sp>
+        <p:nvSpPr>
+          <p:cNvPr id="100" name="矩形 99"/>
+          <p:cNvSpPr/>
+          <p:nvPr/>
+        </p:nvSpPr>
+        <p:spPr>
+          <a:xfrm>
+            <a:off x="8527098" y="2642624"/>
+            <a:ext cx="1107996" cy="646331"/>
+          </a:xfrm>
+          <a:prstGeom prst="rect">
+            <a:avLst/>
+          </a:prstGeom>
+        </p:spPr>
+        <p:txBody>
+          <a:bodyPr wrap="none">
+            <a:spAutoFit/>
+          </a:bodyPr>
+          <a:lstStyle/>
+          <a:p>
+            <a:r>
+              <a:rPr lang="zh-TW" altLang="en-US" dirty="0" smtClean="0">
+                <a:solidFill>
+                  <a:schemeClr val="bg1"/>
+                </a:solidFill>
+              </a:rPr>
+              <a:t>左右移動</a:t>
+            </a:r>
+            <a:endParaRPr lang="en-US" altLang="zh-TW" dirty="0" smtClean="0">
+              <a:solidFill>
+                <a:schemeClr val="bg1"/>
+              </a:solidFill>
+            </a:endParaRPr>
+          </a:p>
+          <a:p>
+            <a:r>
+              <a:rPr lang="zh-TW" altLang="en-US" dirty="0" smtClean="0">
+                <a:solidFill>
+                  <a:schemeClr val="bg1"/>
+                </a:solidFill>
+              </a:rPr>
+              <a:t>與時機</a:t>
+            </a:r>
+            <a:endParaRPr lang="zh-TW" altLang="en-US" dirty="0">
+              <a:solidFill>
+                <a:schemeClr val="bg1"/>
+              </a:solidFill>
+            </a:endParaRPr>
+          </a:p>
+        </p:txBody>
+      </p:sp>
+      <p:sp>
+        <p:nvSpPr>
+          <p:cNvPr id="101" name="矩形 100"/>
+          <p:cNvSpPr/>
+          <p:nvPr/>
+        </p:nvSpPr>
+        <p:spPr>
+          <a:xfrm>
+            <a:off x="9770597" y="5231316"/>
+            <a:ext cx="1107996" cy="646331"/>
+          </a:xfrm>
+          <a:prstGeom prst="rect">
+            <a:avLst/>
+          </a:prstGeom>
+        </p:spPr>
+        <p:txBody>
+          <a:bodyPr wrap="none">
+            <a:spAutoFit/>
+          </a:bodyPr>
+          <a:lstStyle/>
+          <a:p>
+            <a:r>
+              <a:rPr lang="zh-TW" altLang="en-US" dirty="0" smtClean="0"/>
+              <a:t>左右移動</a:t>
+            </a:r>
+            <a:endParaRPr lang="en-US" altLang="zh-TW" dirty="0" smtClean="0"/>
+          </a:p>
+          <a:p>
+            <a:r>
+              <a:rPr lang="zh-TW" altLang="en-US" dirty="0" smtClean="0"/>
+              <a:t>與時機</a:t>
+            </a:r>
+            <a:endParaRPr lang="zh-TW" altLang="en-US" dirty="0"/>
+          </a:p>
+        </p:txBody>
+      </p:sp>
     </p:spTree>
     <p:extLst>
       <p:ext uri="{BB962C8B-B14F-4D97-AF65-F5344CB8AC3E}">
@@ -12084,1507 +12646,6 @@
       </p:par>
     </p:tnLst>
   </p:timing>
-</p:sld>
-</file>
-
-<file path=ppt/slides/slide8.xml><?xml version="1.0" encoding="utf-8"?>
-<p:sld xmlns:a="http://schemas.openxmlformats.org/drawingml/2006/main" xmlns:r="http://schemas.openxmlformats.org/officeDocument/2006/relationships" xmlns:p="http://schemas.openxmlformats.org/presentationml/2006/main">
-  <p:cSld>
-    <p:spTree>
-      <p:nvGrpSpPr>
-        <p:cNvPr id="1" name=""/>
-        <p:cNvGrpSpPr/>
-        <p:nvPr/>
-      </p:nvGrpSpPr>
-      <p:grpSpPr>
-        <a:xfrm>
-          <a:off x="0" y="0"/>
-          <a:ext cx="0" cy="0"/>
-          <a:chOff x="0" y="0"/>
-          <a:chExt cx="0" cy="0"/>
-        </a:xfrm>
-      </p:grpSpPr>
-      <p:sp>
-        <p:nvSpPr>
-          <p:cNvPr id="4" name="標題 1">
-            <a:extLst>
-              <a:ext uri="{FF2B5EF4-FFF2-40B4-BE49-F238E27FC236}">
-                <a16:creationId xmlns:a16="http://schemas.microsoft.com/office/drawing/2014/main" id="{AF9254AB-D8D6-4624-BDCF-23250BA0B5CD}"/>
-              </a:ext>
-            </a:extLst>
-          </p:cNvPr>
-          <p:cNvSpPr>
-            <a:spLocks noGrp="1"/>
-          </p:cNvSpPr>
-          <p:nvPr>
-            <p:ph type="title"/>
-          </p:nvPr>
-        </p:nvSpPr>
-        <p:spPr>
-          <a:xfrm>
-            <a:off x="981799" y="131296"/>
-            <a:ext cx="10106733" cy="605984"/>
-          </a:xfrm>
-        </p:spPr>
-        <p:txBody>
-          <a:bodyPr>
-            <a:normAutofit fontScale="90000"/>
-          </a:bodyPr>
-          <a:lstStyle/>
-          <a:p>
-            <a:r>
-              <a:rPr lang="zh-TW" altLang="en-US" dirty="0"/>
-              <a:t>專案分析</a:t>
-            </a:r>
-            <a:r>
-              <a:rPr lang="en-US" altLang="zh-TW" dirty="0" smtClean="0"/>
-              <a:t>-RULE</a:t>
-            </a:r>
-            <a:r>
-              <a:rPr lang="zh-TW" altLang="en-US" dirty="0" smtClean="0"/>
-              <a:t> </a:t>
-            </a:r>
-            <a:r>
-              <a:rPr lang="en-US" altLang="zh-TW" dirty="0" smtClean="0"/>
-              <a:t>BASE</a:t>
-            </a:r>
-            <a:r>
-              <a:rPr lang="zh-TW" altLang="en-US" dirty="0" smtClean="0"/>
-              <a:t>流程</a:t>
-            </a:r>
-            <a:r>
-              <a:rPr lang="zh-TW" altLang="en-US" dirty="0"/>
-              <a:t>分析</a:t>
-            </a:r>
-          </a:p>
-        </p:txBody>
-      </p:sp>
-      <p:sp>
-        <p:nvSpPr>
-          <p:cNvPr id="5" name="矩形: 圓角 4">
-            <a:extLst>
-              <a:ext uri="{FF2B5EF4-FFF2-40B4-BE49-F238E27FC236}">
-                <a16:creationId xmlns:a16="http://schemas.microsoft.com/office/drawing/2014/main" id="{5F1B7FFA-B57E-4DDF-982E-18EF08CF0BFC}"/>
-              </a:ext>
-            </a:extLst>
-          </p:cNvPr>
-          <p:cNvSpPr/>
-          <p:nvPr/>
-        </p:nvSpPr>
-        <p:spPr>
-          <a:xfrm>
-            <a:off x="1118070" y="1058456"/>
-            <a:ext cx="1431758" cy="527084"/>
-          </a:xfrm>
-          <a:prstGeom prst="roundRect">
-            <a:avLst/>
-          </a:prstGeom>
-        </p:spPr>
-        <p:style>
-          <a:lnRef idx="2">
-            <a:schemeClr val="accent1">
-              <a:shade val="50000"/>
-            </a:schemeClr>
-          </a:lnRef>
-          <a:fillRef idx="1">
-            <a:schemeClr val="accent1"/>
-          </a:fillRef>
-          <a:effectRef idx="0">
-            <a:schemeClr val="accent1"/>
-          </a:effectRef>
-          <a:fontRef idx="minor">
-            <a:schemeClr val="lt1"/>
-          </a:fontRef>
-        </p:style>
-        <p:txBody>
-          <a:bodyPr rtlCol="0" anchor="ctr"/>
-          <a:lstStyle/>
-          <a:p>
-            <a:pPr algn="ctr"/>
-            <a:r>
-              <a:rPr lang="zh-TW" altLang="en-US" dirty="0">
-                <a:latin typeface="微軟正黑體" panose="020B0604030504040204" pitchFamily="34" charset="-120"/>
-                <a:ea typeface="微軟正黑體" panose="020B0604030504040204" pitchFamily="34" charset="-120"/>
-              </a:rPr>
-              <a:t>遊戲開始</a:t>
-            </a:r>
-          </a:p>
-        </p:txBody>
-      </p:sp>
-      <p:sp>
-        <p:nvSpPr>
-          <p:cNvPr id="6" name="矩形 5">
-            <a:extLst>
-              <a:ext uri="{FF2B5EF4-FFF2-40B4-BE49-F238E27FC236}">
-                <a16:creationId xmlns:a16="http://schemas.microsoft.com/office/drawing/2014/main" id="{2ABA1CF1-74A1-469F-A417-0D32CB6865C1}"/>
-              </a:ext>
-            </a:extLst>
-          </p:cNvPr>
-          <p:cNvSpPr/>
-          <p:nvPr/>
-        </p:nvSpPr>
-        <p:spPr>
-          <a:xfrm>
-            <a:off x="1244401" y="3130954"/>
-            <a:ext cx="1179095" cy="625000"/>
-          </a:xfrm>
-          <a:prstGeom prst="rect">
-            <a:avLst/>
-          </a:prstGeom>
-        </p:spPr>
-        <p:style>
-          <a:lnRef idx="2">
-            <a:schemeClr val="accent1">
-              <a:shade val="50000"/>
-            </a:schemeClr>
-          </a:lnRef>
-          <a:fillRef idx="1">
-            <a:schemeClr val="accent1"/>
-          </a:fillRef>
-          <a:effectRef idx="0">
-            <a:schemeClr val="accent1"/>
-          </a:effectRef>
-          <a:fontRef idx="minor">
-            <a:schemeClr val="lt1"/>
-          </a:fontRef>
-        </p:style>
-        <p:txBody>
-          <a:bodyPr rtlCol="0" anchor="ctr"/>
-          <a:lstStyle/>
-          <a:p>
-            <a:pPr algn="ctr"/>
-            <a:r>
-              <a:rPr lang="zh-TW" altLang="en-US" sz="1600" dirty="0" smtClean="0">
-                <a:latin typeface="微軟正黑體" panose="020B0604030504040204" pitchFamily="34" charset="-120"/>
-                <a:ea typeface="微軟正黑體" panose="020B0604030504040204" pitchFamily="34" charset="-120"/>
-              </a:rPr>
-              <a:t>往隨機方發球</a:t>
-            </a:r>
-            <a:r>
-              <a:rPr lang="en-US" altLang="zh-TW" sz="1600" dirty="0" smtClean="0">
-                <a:latin typeface="微軟正黑體" panose="020B0604030504040204" pitchFamily="34" charset="-120"/>
-                <a:ea typeface="微軟正黑體" panose="020B0604030504040204" pitchFamily="34" charset="-120"/>
-              </a:rPr>
-              <a:t>(</a:t>
-            </a:r>
-            <a:r>
-              <a:rPr lang="zh-TW" altLang="en-US" sz="1600" dirty="0" smtClean="0">
-                <a:latin typeface="微軟正黑體" panose="020B0604030504040204" pitchFamily="34" charset="-120"/>
-                <a:ea typeface="微軟正黑體" panose="020B0604030504040204" pitchFamily="34" charset="-120"/>
-              </a:rPr>
-              <a:t>左</a:t>
-            </a:r>
-            <a:r>
-              <a:rPr lang="en-US" altLang="zh-TW" sz="1600" dirty="0" smtClean="0">
-                <a:latin typeface="微軟正黑體" panose="020B0604030504040204" pitchFamily="34" charset="-120"/>
-                <a:ea typeface="微軟正黑體" panose="020B0604030504040204" pitchFamily="34" charset="-120"/>
-              </a:rPr>
-              <a:t>/</a:t>
-            </a:r>
-            <a:r>
-              <a:rPr lang="zh-TW" altLang="en-US" sz="1600" dirty="0">
-                <a:latin typeface="微軟正黑體" panose="020B0604030504040204" pitchFamily="34" charset="-120"/>
-                <a:ea typeface="微軟正黑體" panose="020B0604030504040204" pitchFamily="34" charset="-120"/>
-              </a:rPr>
-              <a:t>右</a:t>
-            </a:r>
-            <a:r>
-              <a:rPr lang="en-US" altLang="zh-TW" sz="1600" dirty="0" smtClean="0">
-                <a:latin typeface="微軟正黑體" panose="020B0604030504040204" pitchFamily="34" charset="-120"/>
-                <a:ea typeface="微軟正黑體" panose="020B0604030504040204" pitchFamily="34" charset="-120"/>
-              </a:rPr>
-              <a:t>)</a:t>
-            </a:r>
-            <a:endParaRPr lang="zh-TW" altLang="en-US" sz="1600" dirty="0">
-              <a:latin typeface="微軟正黑體" panose="020B0604030504040204" pitchFamily="34" charset="-120"/>
-              <a:ea typeface="微軟正黑體" panose="020B0604030504040204" pitchFamily="34" charset="-120"/>
-            </a:endParaRPr>
-          </a:p>
-        </p:txBody>
-      </p:sp>
-      <p:sp>
-        <p:nvSpPr>
-          <p:cNvPr id="7" name="矩形 6">
-            <a:extLst>
-              <a:ext uri="{FF2B5EF4-FFF2-40B4-BE49-F238E27FC236}">
-                <a16:creationId xmlns:a16="http://schemas.microsoft.com/office/drawing/2014/main" id="{F0694C75-6A6F-4C60-856C-1152494F65D6}"/>
-              </a:ext>
-            </a:extLst>
-          </p:cNvPr>
-          <p:cNvSpPr/>
-          <p:nvPr/>
-        </p:nvSpPr>
-        <p:spPr>
-          <a:xfrm>
-            <a:off x="1244401" y="2072945"/>
-            <a:ext cx="1179095" cy="527085"/>
-          </a:xfrm>
-          <a:prstGeom prst="rect">
-            <a:avLst/>
-          </a:prstGeom>
-        </p:spPr>
-        <p:style>
-          <a:lnRef idx="2">
-            <a:schemeClr val="accent1">
-              <a:shade val="50000"/>
-            </a:schemeClr>
-          </a:lnRef>
-          <a:fillRef idx="1">
-            <a:schemeClr val="accent1"/>
-          </a:fillRef>
-          <a:effectRef idx="0">
-            <a:schemeClr val="accent1"/>
-          </a:effectRef>
-          <a:fontRef idx="minor">
-            <a:schemeClr val="lt1"/>
-          </a:fontRef>
-        </p:style>
-        <p:txBody>
-          <a:bodyPr rtlCol="0" anchor="ctr"/>
-          <a:lstStyle/>
-          <a:p>
-            <a:pPr algn="ctr"/>
-            <a:r>
-              <a:rPr lang="en-US" altLang="zh-TW" dirty="0" smtClean="0">
-                <a:latin typeface="微軟正黑體" panose="020B0604030504040204" pitchFamily="34" charset="-120"/>
-                <a:ea typeface="微軟正黑體" panose="020B0604030504040204" pitchFamily="34" charset="-120"/>
-              </a:rPr>
-              <a:t>(1P/2P)</a:t>
-            </a:r>
-            <a:r>
-              <a:rPr lang="zh-TW" altLang="en-US" dirty="0" smtClean="0">
-                <a:latin typeface="微軟正黑體" panose="020B0604030504040204" pitchFamily="34" charset="-120"/>
-                <a:ea typeface="微軟正黑體" panose="020B0604030504040204" pitchFamily="34" charset="-120"/>
-              </a:rPr>
-              <a:t>發球</a:t>
-            </a:r>
-            <a:endParaRPr lang="zh-TW" altLang="en-US" dirty="0">
-              <a:latin typeface="微軟正黑體" panose="020B0604030504040204" pitchFamily="34" charset="-120"/>
-              <a:ea typeface="微軟正黑體" panose="020B0604030504040204" pitchFamily="34" charset="-120"/>
-            </a:endParaRPr>
-          </a:p>
-        </p:txBody>
-      </p:sp>
-      <p:sp>
-        <p:nvSpPr>
-          <p:cNvPr id="8" name="流程圖: 決策 7">
-            <a:extLst>
-              <a:ext uri="{FF2B5EF4-FFF2-40B4-BE49-F238E27FC236}">
-                <a16:creationId xmlns:a16="http://schemas.microsoft.com/office/drawing/2014/main" id="{BBAAD146-54EF-4D08-9D2B-2CAF16904359}"/>
-              </a:ext>
-            </a:extLst>
-          </p:cNvPr>
-          <p:cNvSpPr/>
-          <p:nvPr/>
-        </p:nvSpPr>
-        <p:spPr>
-          <a:xfrm>
-            <a:off x="1176221" y="4276235"/>
-            <a:ext cx="1315453" cy="906379"/>
-          </a:xfrm>
-          <a:prstGeom prst="flowChartDecision">
-            <a:avLst/>
-          </a:prstGeom>
-        </p:spPr>
-        <p:style>
-          <a:lnRef idx="2">
-            <a:schemeClr val="accent1">
-              <a:shade val="50000"/>
-            </a:schemeClr>
-          </a:lnRef>
-          <a:fillRef idx="1">
-            <a:schemeClr val="accent1"/>
-          </a:fillRef>
-          <a:effectRef idx="0">
-            <a:schemeClr val="accent1"/>
-          </a:effectRef>
-          <a:fontRef idx="minor">
-            <a:schemeClr val="lt1"/>
-          </a:fontRef>
-        </p:style>
-        <p:txBody>
-          <a:bodyPr rtlCol="0" anchor="ctr"/>
-          <a:lstStyle/>
-          <a:p>
-            <a:pPr algn="ctr"/>
-            <a:r>
-              <a:rPr lang="zh-TW" altLang="en-US" dirty="0" smtClean="0">
-                <a:latin typeface="微軟正黑體" panose="020B0604030504040204" pitchFamily="34" charset="-120"/>
-                <a:ea typeface="微軟正黑體" panose="020B0604030504040204" pitchFamily="34" charset="-120"/>
-              </a:rPr>
-              <a:t>球是否移動</a:t>
-            </a:r>
-            <a:endParaRPr lang="zh-TW" altLang="en-US" dirty="0">
-              <a:latin typeface="微軟正黑體" panose="020B0604030504040204" pitchFamily="34" charset="-120"/>
-              <a:ea typeface="微軟正黑體" panose="020B0604030504040204" pitchFamily="34" charset="-120"/>
-            </a:endParaRPr>
-          </a:p>
-        </p:txBody>
-      </p:sp>
-      <p:sp>
-        <p:nvSpPr>
-          <p:cNvPr id="10" name="流程圖: 決策 9">
-            <a:extLst>
-              <a:ext uri="{FF2B5EF4-FFF2-40B4-BE49-F238E27FC236}">
-                <a16:creationId xmlns:a16="http://schemas.microsoft.com/office/drawing/2014/main" id="{317DCBF4-BCDA-4B62-AE6F-C765BF58EEB7}"/>
-              </a:ext>
-            </a:extLst>
-          </p:cNvPr>
-          <p:cNvSpPr/>
-          <p:nvPr/>
-        </p:nvSpPr>
-        <p:spPr>
-          <a:xfrm>
-            <a:off x="6185386" y="5447888"/>
-            <a:ext cx="1315453" cy="906379"/>
-          </a:xfrm>
-          <a:prstGeom prst="flowChartDecision">
-            <a:avLst/>
-          </a:prstGeom>
-        </p:spPr>
-        <p:style>
-          <a:lnRef idx="2">
-            <a:schemeClr val="accent1">
-              <a:shade val="50000"/>
-            </a:schemeClr>
-          </a:lnRef>
-          <a:fillRef idx="1">
-            <a:schemeClr val="accent1"/>
-          </a:fillRef>
-          <a:effectRef idx="0">
-            <a:schemeClr val="accent1"/>
-          </a:effectRef>
-          <a:fontRef idx="minor">
-            <a:schemeClr val="lt1"/>
-          </a:fontRef>
-        </p:style>
-        <p:txBody>
-          <a:bodyPr rtlCol="0" anchor="ctr"/>
-          <a:lstStyle/>
-          <a:p>
-            <a:pPr algn="ctr"/>
-            <a:r>
-              <a:rPr lang="zh-TW" altLang="en-US" sz="1200" dirty="0">
-                <a:latin typeface="微軟正黑體" panose="020B0604030504040204" pitchFamily="34" charset="-120"/>
-                <a:ea typeface="微軟正黑體" panose="020B0604030504040204" pitchFamily="34" charset="-120"/>
-              </a:rPr>
-              <a:t>是否</a:t>
-            </a:r>
-            <a:r>
-              <a:rPr lang="zh-TW" altLang="en-US" sz="1200" dirty="0" smtClean="0">
-                <a:latin typeface="微軟正黑體" panose="020B0604030504040204" pitchFamily="34" charset="-120"/>
-                <a:ea typeface="微軟正黑體" panose="020B0604030504040204" pitchFamily="34" charset="-120"/>
-              </a:rPr>
-              <a:t>有接到球</a:t>
-            </a:r>
-            <a:endParaRPr lang="zh-TW" altLang="en-US" sz="1200" dirty="0">
-              <a:latin typeface="微軟正黑體" panose="020B0604030504040204" pitchFamily="34" charset="-120"/>
-              <a:ea typeface="微軟正黑體" panose="020B0604030504040204" pitchFamily="34" charset="-120"/>
-            </a:endParaRPr>
-          </a:p>
-        </p:txBody>
-      </p:sp>
-      <p:cxnSp>
-        <p:nvCxnSpPr>
-          <p:cNvPr id="12" name="直線單箭頭接點 11">
-            <a:extLst>
-              <a:ext uri="{FF2B5EF4-FFF2-40B4-BE49-F238E27FC236}">
-                <a16:creationId xmlns:a16="http://schemas.microsoft.com/office/drawing/2014/main" id="{C23DC817-213A-4D10-A4BB-9C56CB840975}"/>
-              </a:ext>
-            </a:extLst>
-          </p:cNvPr>
-          <p:cNvCxnSpPr>
-            <a:stCxn id="5" idx="2"/>
-            <a:endCxn id="7" idx="0"/>
-          </p:cNvCxnSpPr>
-          <p:nvPr/>
-        </p:nvCxnSpPr>
-        <p:spPr>
-          <a:xfrm>
-            <a:off x="1833949" y="1585540"/>
-            <a:ext cx="0" cy="487405"/>
-          </a:xfrm>
-          <a:prstGeom prst="straightConnector1">
-            <a:avLst/>
-          </a:prstGeom>
-          <a:ln>
-            <a:tailEnd type="triangle"/>
-          </a:ln>
-        </p:spPr>
-        <p:style>
-          <a:lnRef idx="1">
-            <a:schemeClr val="accent1"/>
-          </a:lnRef>
-          <a:fillRef idx="0">
-            <a:schemeClr val="accent1"/>
-          </a:fillRef>
-          <a:effectRef idx="0">
-            <a:schemeClr val="accent1"/>
-          </a:effectRef>
-          <a:fontRef idx="minor">
-            <a:schemeClr val="tx1"/>
-          </a:fontRef>
-        </p:style>
-      </p:cxnSp>
-      <p:cxnSp>
-        <p:nvCxnSpPr>
-          <p:cNvPr id="13" name="直線單箭頭接點 12">
-            <a:extLst>
-              <a:ext uri="{FF2B5EF4-FFF2-40B4-BE49-F238E27FC236}">
-                <a16:creationId xmlns:a16="http://schemas.microsoft.com/office/drawing/2014/main" id="{F4B8E568-E99B-4221-8B6F-266CF8FB4931}"/>
-              </a:ext>
-            </a:extLst>
-          </p:cNvPr>
-          <p:cNvCxnSpPr>
-            <a:stCxn id="7" idx="2"/>
-            <a:endCxn id="6" idx="0"/>
-          </p:cNvCxnSpPr>
-          <p:nvPr/>
-        </p:nvCxnSpPr>
-        <p:spPr>
-          <a:xfrm>
-            <a:off x="1833949" y="2600030"/>
-            <a:ext cx="0" cy="530924"/>
-          </a:xfrm>
-          <a:prstGeom prst="straightConnector1">
-            <a:avLst/>
-          </a:prstGeom>
-          <a:ln>
-            <a:tailEnd type="triangle"/>
-          </a:ln>
-        </p:spPr>
-        <p:style>
-          <a:lnRef idx="1">
-            <a:schemeClr val="accent1"/>
-          </a:lnRef>
-          <a:fillRef idx="0">
-            <a:schemeClr val="accent1"/>
-          </a:fillRef>
-          <a:effectRef idx="0">
-            <a:schemeClr val="accent1"/>
-          </a:effectRef>
-          <a:fontRef idx="minor">
-            <a:schemeClr val="tx1"/>
-          </a:fontRef>
-        </p:style>
-      </p:cxnSp>
-      <p:cxnSp>
-        <p:nvCxnSpPr>
-          <p:cNvPr id="14" name="直線單箭頭接點 13">
-            <a:extLst>
-              <a:ext uri="{FF2B5EF4-FFF2-40B4-BE49-F238E27FC236}">
-                <a16:creationId xmlns:a16="http://schemas.microsoft.com/office/drawing/2014/main" id="{C8B721F5-41CA-47E6-B7F5-C1EA3BC233B6}"/>
-              </a:ext>
-            </a:extLst>
-          </p:cNvPr>
-          <p:cNvCxnSpPr>
-            <a:stCxn id="6" idx="2"/>
-            <a:endCxn id="8" idx="0"/>
-          </p:cNvCxnSpPr>
-          <p:nvPr/>
-        </p:nvCxnSpPr>
-        <p:spPr>
-          <a:xfrm flipH="1">
-            <a:off x="1833948" y="3755954"/>
-            <a:ext cx="1" cy="520281"/>
-          </a:xfrm>
-          <a:prstGeom prst="straightConnector1">
-            <a:avLst/>
-          </a:prstGeom>
-          <a:ln>
-            <a:tailEnd type="triangle"/>
-          </a:ln>
-        </p:spPr>
-        <p:style>
-          <a:lnRef idx="1">
-            <a:schemeClr val="accent1"/>
-          </a:lnRef>
-          <a:fillRef idx="0">
-            <a:schemeClr val="accent1"/>
-          </a:fillRef>
-          <a:effectRef idx="0">
-            <a:schemeClr val="accent1"/>
-          </a:effectRef>
-          <a:fontRef idx="minor">
-            <a:schemeClr val="tx1"/>
-          </a:fontRef>
-        </p:style>
-      </p:cxnSp>
-      <p:cxnSp>
-        <p:nvCxnSpPr>
-          <p:cNvPr id="15" name="直線單箭頭接點 14">
-            <a:extLst>
-              <a:ext uri="{FF2B5EF4-FFF2-40B4-BE49-F238E27FC236}">
-                <a16:creationId xmlns:a16="http://schemas.microsoft.com/office/drawing/2014/main" id="{51767419-8065-46A4-BF49-B12AD8AAEF04}"/>
-              </a:ext>
-            </a:extLst>
-          </p:cNvPr>
-          <p:cNvCxnSpPr>
-            <a:stCxn id="8" idx="2"/>
-            <a:endCxn id="43" idx="0"/>
-          </p:cNvCxnSpPr>
-          <p:nvPr/>
-        </p:nvCxnSpPr>
-        <p:spPr>
-          <a:xfrm>
-            <a:off x="1833948" y="5182614"/>
-            <a:ext cx="1" cy="422817"/>
-          </a:xfrm>
-          <a:prstGeom prst="straightConnector1">
-            <a:avLst/>
-          </a:prstGeom>
-          <a:ln>
-            <a:tailEnd type="triangle"/>
-          </a:ln>
-        </p:spPr>
-        <p:style>
-          <a:lnRef idx="1">
-            <a:schemeClr val="accent1"/>
-          </a:lnRef>
-          <a:fillRef idx="0">
-            <a:schemeClr val="accent1"/>
-          </a:fillRef>
-          <a:effectRef idx="0">
-            <a:schemeClr val="accent1"/>
-          </a:effectRef>
-          <a:fontRef idx="minor">
-            <a:schemeClr val="tx1"/>
-          </a:fontRef>
-        </p:style>
-      </p:cxnSp>
-      <p:sp>
-        <p:nvSpPr>
-          <p:cNvPr id="21" name="文字方塊 20">
-            <a:extLst>
-              <a:ext uri="{FF2B5EF4-FFF2-40B4-BE49-F238E27FC236}">
-                <a16:creationId xmlns:a16="http://schemas.microsoft.com/office/drawing/2014/main" id="{CDEDCC6C-76B5-421F-B920-3F2FA4A386EF}"/>
-              </a:ext>
-            </a:extLst>
-          </p:cNvPr>
-          <p:cNvSpPr txBox="1"/>
-          <p:nvPr/>
-        </p:nvSpPr>
-        <p:spPr>
-          <a:xfrm>
-            <a:off x="7465449" y="4994699"/>
-            <a:ext cx="389850" cy="338554"/>
-          </a:xfrm>
-          <a:prstGeom prst="rect">
-            <a:avLst/>
-          </a:prstGeom>
-          <a:noFill/>
-        </p:spPr>
-        <p:txBody>
-          <a:bodyPr wrap="none" rtlCol="0">
-            <a:spAutoFit/>
-          </a:bodyPr>
-          <a:lstStyle/>
-          <a:p>
-            <a:r>
-              <a:rPr lang="zh-TW" altLang="en-US" sz="1600" dirty="0">
-                <a:latin typeface="微軟正黑體" panose="020B0604030504040204" pitchFamily="34" charset="-120"/>
-                <a:ea typeface="微軟正黑體" panose="020B0604030504040204" pitchFamily="34" charset="-120"/>
-              </a:rPr>
-              <a:t>否</a:t>
-            </a:r>
-          </a:p>
-        </p:txBody>
-      </p:sp>
-      <p:sp>
-        <p:nvSpPr>
-          <p:cNvPr id="22" name="文字方塊 21">
-            <a:extLst>
-              <a:ext uri="{FF2B5EF4-FFF2-40B4-BE49-F238E27FC236}">
-                <a16:creationId xmlns:a16="http://schemas.microsoft.com/office/drawing/2014/main" id="{ABCFC4DA-60D8-447B-AED7-D04B7F851FC1}"/>
-              </a:ext>
-            </a:extLst>
-          </p:cNvPr>
-          <p:cNvSpPr txBox="1"/>
-          <p:nvPr/>
-        </p:nvSpPr>
-        <p:spPr>
-          <a:xfrm>
-            <a:off x="6394565" y="4254321"/>
-            <a:ext cx="413157" cy="338554"/>
-          </a:xfrm>
-          <a:prstGeom prst="rect">
-            <a:avLst/>
-          </a:prstGeom>
-          <a:noFill/>
-        </p:spPr>
-        <p:txBody>
-          <a:bodyPr wrap="square" rtlCol="0">
-            <a:spAutoFit/>
-          </a:bodyPr>
-          <a:lstStyle/>
-          <a:p>
-            <a:r>
-              <a:rPr lang="zh-TW" altLang="en-US" sz="1600" dirty="0">
-                <a:latin typeface="微軟正黑體" panose="020B0604030504040204" pitchFamily="34" charset="-120"/>
-                <a:ea typeface="微軟正黑體" panose="020B0604030504040204" pitchFamily="34" charset="-120"/>
-              </a:rPr>
-              <a:t>是</a:t>
-            </a:r>
-          </a:p>
-        </p:txBody>
-      </p:sp>
-      <p:sp>
-        <p:nvSpPr>
-          <p:cNvPr id="23" name="文字方塊 22">
-            <a:extLst>
-              <a:ext uri="{FF2B5EF4-FFF2-40B4-BE49-F238E27FC236}">
-                <a16:creationId xmlns:a16="http://schemas.microsoft.com/office/drawing/2014/main" id="{B7C71C00-2059-41EA-B212-2574A69B6130}"/>
-              </a:ext>
-            </a:extLst>
-          </p:cNvPr>
-          <p:cNvSpPr txBox="1"/>
-          <p:nvPr/>
-        </p:nvSpPr>
-        <p:spPr>
-          <a:xfrm>
-            <a:off x="2538523" y="4254321"/>
-            <a:ext cx="389850" cy="338554"/>
-          </a:xfrm>
-          <a:prstGeom prst="rect">
-            <a:avLst/>
-          </a:prstGeom>
-          <a:noFill/>
-        </p:spPr>
-        <p:txBody>
-          <a:bodyPr wrap="none" rtlCol="0">
-            <a:spAutoFit/>
-          </a:bodyPr>
-          <a:lstStyle/>
-          <a:p>
-            <a:r>
-              <a:rPr lang="zh-TW" altLang="en-US" sz="1600" dirty="0">
-                <a:latin typeface="微軟正黑體" panose="020B0604030504040204" pitchFamily="34" charset="-120"/>
-                <a:ea typeface="微軟正黑體" panose="020B0604030504040204" pitchFamily="34" charset="-120"/>
-              </a:rPr>
-              <a:t>否</a:t>
-            </a:r>
-          </a:p>
-        </p:txBody>
-      </p:sp>
-      <p:sp>
-        <p:nvSpPr>
-          <p:cNvPr id="24" name="文字方塊 23">
-            <a:extLst>
-              <a:ext uri="{FF2B5EF4-FFF2-40B4-BE49-F238E27FC236}">
-                <a16:creationId xmlns:a16="http://schemas.microsoft.com/office/drawing/2014/main" id="{F125E119-858B-40C3-9861-01306B9D19B8}"/>
-              </a:ext>
-            </a:extLst>
-          </p:cNvPr>
-          <p:cNvSpPr txBox="1"/>
-          <p:nvPr/>
-        </p:nvSpPr>
-        <p:spPr>
-          <a:xfrm>
-            <a:off x="1962234" y="5182614"/>
-            <a:ext cx="389850" cy="338554"/>
-          </a:xfrm>
-          <a:prstGeom prst="rect">
-            <a:avLst/>
-          </a:prstGeom>
-          <a:noFill/>
-        </p:spPr>
-        <p:txBody>
-          <a:bodyPr wrap="none" rtlCol="0">
-            <a:spAutoFit/>
-          </a:bodyPr>
-          <a:lstStyle/>
-          <a:p>
-            <a:r>
-              <a:rPr lang="zh-TW" altLang="en-US" sz="1600" dirty="0">
-                <a:latin typeface="微軟正黑體" panose="020B0604030504040204" pitchFamily="34" charset="-120"/>
-                <a:ea typeface="微軟正黑體" panose="020B0604030504040204" pitchFamily="34" charset="-120"/>
-              </a:rPr>
-              <a:t>是</a:t>
-            </a:r>
-          </a:p>
-        </p:txBody>
-      </p:sp>
-      <p:sp>
-        <p:nvSpPr>
-          <p:cNvPr id="25" name="矩形 24">
-            <a:extLst>
-              <a:ext uri="{FF2B5EF4-FFF2-40B4-BE49-F238E27FC236}">
-                <a16:creationId xmlns:a16="http://schemas.microsoft.com/office/drawing/2014/main" id="{E786C419-2396-4011-8CB0-E448AB299476}"/>
-              </a:ext>
-            </a:extLst>
-          </p:cNvPr>
-          <p:cNvSpPr/>
-          <p:nvPr/>
-        </p:nvSpPr>
-        <p:spPr>
-          <a:xfrm>
-            <a:off x="3458771" y="5643598"/>
-            <a:ext cx="1179095" cy="529573"/>
-          </a:xfrm>
-          <a:prstGeom prst="rect">
-            <a:avLst/>
-          </a:prstGeom>
-        </p:spPr>
-        <p:style>
-          <a:lnRef idx="2">
-            <a:schemeClr val="accent1">
-              <a:shade val="50000"/>
-            </a:schemeClr>
-          </a:lnRef>
-          <a:fillRef idx="1">
-            <a:schemeClr val="accent1"/>
-          </a:fillRef>
-          <a:effectRef idx="0">
-            <a:schemeClr val="accent1"/>
-          </a:effectRef>
-          <a:fontRef idx="minor">
-            <a:schemeClr val="lt1"/>
-          </a:fontRef>
-        </p:style>
-        <p:txBody>
-          <a:bodyPr rtlCol="0" anchor="ctr"/>
-          <a:lstStyle/>
-          <a:p>
-            <a:pPr algn="ctr"/>
-            <a:r>
-              <a:rPr lang="zh-TW" altLang="en-US" sz="1400" dirty="0" smtClean="0">
-                <a:latin typeface="微軟正黑體" panose="020B0604030504040204" pitchFamily="34" charset="-120"/>
-                <a:ea typeface="微軟正黑體" panose="020B0604030504040204" pitchFamily="34" charset="-120"/>
-              </a:rPr>
-              <a:t>板子移動至落點處</a:t>
-            </a:r>
-            <a:r>
-              <a:rPr lang="en-US" altLang="zh-TW" sz="1400" dirty="0" smtClean="0">
-                <a:latin typeface="微軟正黑體" panose="020B0604030504040204" pitchFamily="34" charset="-120"/>
-                <a:ea typeface="微軟正黑體" panose="020B0604030504040204" pitchFamily="34" charset="-120"/>
-              </a:rPr>
-              <a:t>(R/L)</a:t>
-            </a:r>
-            <a:endParaRPr lang="zh-TW" altLang="en-US" sz="1400" dirty="0">
-              <a:latin typeface="微軟正黑體" panose="020B0604030504040204" pitchFamily="34" charset="-120"/>
-              <a:ea typeface="微軟正黑體" panose="020B0604030504040204" pitchFamily="34" charset="-120"/>
-            </a:endParaRPr>
-          </a:p>
-        </p:txBody>
-      </p:sp>
-      <p:sp>
-        <p:nvSpPr>
-          <p:cNvPr id="26" name="矩形 25">
-            <a:extLst>
-              <a:ext uri="{FF2B5EF4-FFF2-40B4-BE49-F238E27FC236}">
-                <a16:creationId xmlns:a16="http://schemas.microsoft.com/office/drawing/2014/main" id="{F3131C0F-BC37-45C9-80B8-00B6685AE1FE}"/>
-              </a:ext>
-            </a:extLst>
-          </p:cNvPr>
-          <p:cNvSpPr/>
-          <p:nvPr/>
-        </p:nvSpPr>
-        <p:spPr>
-          <a:xfrm>
-            <a:off x="6911291" y="3127552"/>
-            <a:ext cx="1179095" cy="625000"/>
-          </a:xfrm>
-          <a:prstGeom prst="rect">
-            <a:avLst/>
-          </a:prstGeom>
-        </p:spPr>
-        <p:style>
-          <a:lnRef idx="2">
-            <a:schemeClr val="accent1">
-              <a:shade val="50000"/>
-            </a:schemeClr>
-          </a:lnRef>
-          <a:fillRef idx="1">
-            <a:schemeClr val="accent1"/>
-          </a:fillRef>
-          <a:effectRef idx="0">
-            <a:schemeClr val="accent1"/>
-          </a:effectRef>
-          <a:fontRef idx="minor">
-            <a:schemeClr val="lt1"/>
-          </a:fontRef>
-        </p:style>
-        <p:txBody>
-          <a:bodyPr rtlCol="0" anchor="ctr"/>
-          <a:lstStyle/>
-          <a:p>
-            <a:pPr algn="ctr"/>
-            <a:r>
-              <a:rPr lang="zh-TW" altLang="en-US" sz="1400" dirty="0" smtClean="0">
-                <a:latin typeface="微軟正黑體" panose="020B0604030504040204" pitchFamily="34" charset="-120"/>
-                <a:ea typeface="微軟正黑體" panose="020B0604030504040204" pitchFamily="34" charset="-120"/>
-              </a:rPr>
-              <a:t>發球方得分</a:t>
-            </a:r>
-            <a:endParaRPr lang="zh-TW" altLang="en-US" sz="1400" dirty="0">
-              <a:latin typeface="微軟正黑體" panose="020B0604030504040204" pitchFamily="34" charset="-120"/>
-              <a:ea typeface="微軟正黑體" panose="020B0604030504040204" pitchFamily="34" charset="-120"/>
-            </a:endParaRPr>
-          </a:p>
-        </p:txBody>
-      </p:sp>
-      <p:cxnSp>
-        <p:nvCxnSpPr>
-          <p:cNvPr id="27" name="直線單箭頭接點 26">
-            <a:extLst>
-              <a:ext uri="{FF2B5EF4-FFF2-40B4-BE49-F238E27FC236}">
-                <a16:creationId xmlns:a16="http://schemas.microsoft.com/office/drawing/2014/main" id="{0D71FF28-C062-4A75-93A2-7737C5CDFF29}"/>
-              </a:ext>
-            </a:extLst>
-          </p:cNvPr>
-          <p:cNvCxnSpPr>
-            <a:cxnSpLocks/>
-            <a:stCxn id="10" idx="3"/>
-            <a:endCxn id="26" idx="2"/>
-          </p:cNvCxnSpPr>
-          <p:nvPr/>
-        </p:nvCxnSpPr>
-        <p:spPr>
-          <a:xfrm flipV="1">
-            <a:off x="7500839" y="3752552"/>
-            <a:ext cx="0" cy="2148526"/>
-          </a:xfrm>
-          <a:prstGeom prst="straightConnector1">
-            <a:avLst/>
-          </a:prstGeom>
-          <a:ln>
-            <a:tailEnd type="triangle"/>
-          </a:ln>
-        </p:spPr>
-        <p:style>
-          <a:lnRef idx="1">
-            <a:schemeClr val="accent1"/>
-          </a:lnRef>
-          <a:fillRef idx="0">
-            <a:schemeClr val="accent1"/>
-          </a:fillRef>
-          <a:effectRef idx="0">
-            <a:schemeClr val="accent1"/>
-          </a:effectRef>
-          <a:fontRef idx="minor">
-            <a:schemeClr val="tx1"/>
-          </a:fontRef>
-        </p:style>
-      </p:cxnSp>
-      <p:cxnSp>
-        <p:nvCxnSpPr>
-          <p:cNvPr id="28" name="直線單箭頭接點 27">
-            <a:extLst>
-              <a:ext uri="{FF2B5EF4-FFF2-40B4-BE49-F238E27FC236}">
-                <a16:creationId xmlns:a16="http://schemas.microsoft.com/office/drawing/2014/main" id="{20F4F40B-5C47-49CE-AF58-B64EAB50B815}"/>
-              </a:ext>
-            </a:extLst>
-          </p:cNvPr>
-          <p:cNvCxnSpPr>
-            <a:cxnSpLocks/>
-            <a:stCxn id="43" idx="3"/>
-            <a:endCxn id="25" idx="1"/>
-          </p:cNvCxnSpPr>
-          <p:nvPr/>
-        </p:nvCxnSpPr>
-        <p:spPr>
-          <a:xfrm flipV="1">
-            <a:off x="2423496" y="5908385"/>
-            <a:ext cx="1035275" cy="9546"/>
-          </a:xfrm>
-          <a:prstGeom prst="straightConnector1">
-            <a:avLst/>
-          </a:prstGeom>
-          <a:ln>
-            <a:tailEnd type="triangle"/>
-          </a:ln>
-        </p:spPr>
-        <p:style>
-          <a:lnRef idx="1">
-            <a:schemeClr val="accent1"/>
-          </a:lnRef>
-          <a:fillRef idx="0">
-            <a:schemeClr val="accent1"/>
-          </a:fillRef>
-          <a:effectRef idx="0">
-            <a:schemeClr val="accent1"/>
-          </a:effectRef>
-          <a:fontRef idx="minor">
-            <a:schemeClr val="tx1"/>
-          </a:fontRef>
-        </p:style>
-      </p:cxnSp>
-      <p:cxnSp>
-        <p:nvCxnSpPr>
-          <p:cNvPr id="29" name="直線單箭頭接點 28">
-            <a:extLst>
-              <a:ext uri="{FF2B5EF4-FFF2-40B4-BE49-F238E27FC236}">
-                <a16:creationId xmlns:a16="http://schemas.microsoft.com/office/drawing/2014/main" id="{738F39E5-140F-40B0-8102-E11BEAEFE7D4}"/>
-              </a:ext>
-            </a:extLst>
-          </p:cNvPr>
-          <p:cNvCxnSpPr>
-            <a:cxnSpLocks/>
-            <a:stCxn id="25" idx="3"/>
-            <a:endCxn id="10" idx="1"/>
-          </p:cNvCxnSpPr>
-          <p:nvPr/>
-        </p:nvCxnSpPr>
-        <p:spPr>
-          <a:xfrm flipV="1">
-            <a:off x="4637866" y="5901078"/>
-            <a:ext cx="1547520" cy="7307"/>
-          </a:xfrm>
-          <a:prstGeom prst="straightConnector1">
-            <a:avLst/>
-          </a:prstGeom>
-          <a:ln>
-            <a:tailEnd type="triangle"/>
-          </a:ln>
-        </p:spPr>
-        <p:style>
-          <a:lnRef idx="1">
-            <a:schemeClr val="accent1"/>
-          </a:lnRef>
-          <a:fillRef idx="0">
-            <a:schemeClr val="accent1"/>
-          </a:fillRef>
-          <a:effectRef idx="0">
-            <a:schemeClr val="accent1"/>
-          </a:effectRef>
-          <a:fontRef idx="minor">
-            <a:schemeClr val="tx1"/>
-          </a:fontRef>
-        </p:style>
-      </p:cxnSp>
-      <p:sp>
-        <p:nvSpPr>
-          <p:cNvPr id="31" name="矩形: 圓角 4">
-            <a:extLst>
-              <a:ext uri="{FF2B5EF4-FFF2-40B4-BE49-F238E27FC236}">
-                <a16:creationId xmlns:a16="http://schemas.microsoft.com/office/drawing/2014/main" id="{5F1B7FFA-B57E-4DDF-982E-18EF08CF0BFC}"/>
-              </a:ext>
-            </a:extLst>
-          </p:cNvPr>
-          <p:cNvSpPr/>
-          <p:nvPr/>
-        </p:nvSpPr>
-        <p:spPr>
-          <a:xfrm>
-            <a:off x="3138095" y="4448318"/>
-            <a:ext cx="1431758" cy="527084"/>
-          </a:xfrm>
-          <a:prstGeom prst="roundRect">
-            <a:avLst/>
-          </a:prstGeom>
-        </p:spPr>
-        <p:style>
-          <a:lnRef idx="2">
-            <a:schemeClr val="accent1">
-              <a:shade val="50000"/>
-            </a:schemeClr>
-          </a:lnRef>
-          <a:fillRef idx="1">
-            <a:schemeClr val="accent1"/>
-          </a:fillRef>
-          <a:effectRef idx="0">
-            <a:schemeClr val="accent1"/>
-          </a:effectRef>
-          <a:fontRef idx="minor">
-            <a:schemeClr val="lt1"/>
-          </a:fontRef>
-        </p:style>
-        <p:txBody>
-          <a:bodyPr rtlCol="0" anchor="ctr"/>
-          <a:lstStyle/>
-          <a:p>
-            <a:pPr algn="ctr"/>
-            <a:r>
-              <a:rPr lang="zh-TW" altLang="en-US" dirty="0">
-                <a:latin typeface="微軟正黑體" panose="020B0604030504040204" pitchFamily="34" charset="-120"/>
-                <a:ea typeface="微軟正黑體" panose="020B0604030504040204" pitchFamily="34" charset="-120"/>
-              </a:rPr>
-              <a:t>板子不</a:t>
-            </a:r>
-            <a:r>
-              <a:rPr lang="zh-TW" altLang="en-US" dirty="0" smtClean="0">
-                <a:latin typeface="微軟正黑體" panose="020B0604030504040204" pitchFamily="34" charset="-120"/>
-                <a:ea typeface="微軟正黑體" panose="020B0604030504040204" pitchFamily="34" charset="-120"/>
-              </a:rPr>
-              <a:t>移動</a:t>
-            </a:r>
-            <a:r>
-              <a:rPr lang="en-US" altLang="zh-TW" dirty="0" smtClean="0">
-                <a:latin typeface="微軟正黑體" panose="020B0604030504040204" pitchFamily="34" charset="-120"/>
-                <a:ea typeface="微軟正黑體" panose="020B0604030504040204" pitchFamily="34" charset="-120"/>
-              </a:rPr>
-              <a:t>(NONE)</a:t>
-            </a:r>
-            <a:endParaRPr lang="zh-TW" altLang="en-US" dirty="0">
-              <a:latin typeface="微軟正黑體" panose="020B0604030504040204" pitchFamily="34" charset="-120"/>
-              <a:ea typeface="微軟正黑體" panose="020B0604030504040204" pitchFamily="34" charset="-120"/>
-            </a:endParaRPr>
-          </a:p>
-        </p:txBody>
-      </p:sp>
-      <p:cxnSp>
-        <p:nvCxnSpPr>
-          <p:cNvPr id="33" name="直線單箭頭接點 32">
-            <a:extLst>
-              <a:ext uri="{FF2B5EF4-FFF2-40B4-BE49-F238E27FC236}">
-                <a16:creationId xmlns:a16="http://schemas.microsoft.com/office/drawing/2014/main" id="{C8B721F5-41CA-47E6-B7F5-C1EA3BC233B6}"/>
-              </a:ext>
-            </a:extLst>
-          </p:cNvPr>
-          <p:cNvCxnSpPr>
-            <a:stCxn id="8" idx="3"/>
-            <a:endCxn id="31" idx="1"/>
-          </p:cNvCxnSpPr>
-          <p:nvPr/>
-        </p:nvCxnSpPr>
-        <p:spPr>
-          <a:xfrm flipV="1">
-            <a:off x="2491674" y="4711860"/>
-            <a:ext cx="646421" cy="17565"/>
-          </a:xfrm>
-          <a:prstGeom prst="straightConnector1">
-            <a:avLst/>
-          </a:prstGeom>
-          <a:ln>
-            <a:tailEnd type="triangle"/>
-          </a:ln>
-        </p:spPr>
-        <p:style>
-          <a:lnRef idx="1">
-            <a:schemeClr val="accent1"/>
-          </a:lnRef>
-          <a:fillRef idx="0">
-            <a:schemeClr val="accent1"/>
-          </a:fillRef>
-          <a:effectRef idx="0">
-            <a:schemeClr val="accent1"/>
-          </a:effectRef>
-          <a:fontRef idx="minor">
-            <a:schemeClr val="tx1"/>
-          </a:fontRef>
-        </p:style>
-      </p:cxnSp>
-      <p:cxnSp>
-        <p:nvCxnSpPr>
-          <p:cNvPr id="41" name="肘形接點 40"/>
-          <p:cNvCxnSpPr>
-            <a:stCxn id="31" idx="3"/>
-            <a:endCxn id="8" idx="0"/>
-          </p:cNvCxnSpPr>
-          <p:nvPr/>
-        </p:nvCxnSpPr>
-        <p:spPr>
-          <a:xfrm flipH="1" flipV="1">
-            <a:off x="1833948" y="4276235"/>
-            <a:ext cx="2735905" cy="435625"/>
-          </a:xfrm>
-          <a:prstGeom prst="bentConnector4">
-            <a:avLst>
-              <a:gd name="adj1" fmla="val -8356"/>
-              <a:gd name="adj2" fmla="val 152476"/>
-            </a:avLst>
-          </a:prstGeom>
-          <a:ln>
-            <a:tailEnd type="triangle"/>
-          </a:ln>
-        </p:spPr>
-        <p:style>
-          <a:lnRef idx="1">
-            <a:schemeClr val="accent1"/>
-          </a:lnRef>
-          <a:fillRef idx="0">
-            <a:schemeClr val="accent1"/>
-          </a:fillRef>
-          <a:effectRef idx="0">
-            <a:schemeClr val="accent1"/>
-          </a:effectRef>
-          <a:fontRef idx="minor">
-            <a:schemeClr val="tx1"/>
-          </a:fontRef>
-        </p:style>
-      </p:cxnSp>
-      <p:sp>
-        <p:nvSpPr>
-          <p:cNvPr id="43" name="矩形 42">
-            <a:extLst>
-              <a:ext uri="{FF2B5EF4-FFF2-40B4-BE49-F238E27FC236}">
-                <a16:creationId xmlns:a16="http://schemas.microsoft.com/office/drawing/2014/main" id="{F3131C0F-BC37-45C9-80B8-00B6685AE1FE}"/>
-              </a:ext>
-            </a:extLst>
-          </p:cNvPr>
-          <p:cNvSpPr/>
-          <p:nvPr/>
-        </p:nvSpPr>
-        <p:spPr>
-          <a:xfrm>
-            <a:off x="1244401" y="5605431"/>
-            <a:ext cx="1179095" cy="625000"/>
-          </a:xfrm>
-          <a:prstGeom prst="rect">
-            <a:avLst/>
-          </a:prstGeom>
-        </p:spPr>
-        <p:style>
-          <a:lnRef idx="2">
-            <a:schemeClr val="accent1">
-              <a:shade val="50000"/>
-            </a:schemeClr>
-          </a:lnRef>
-          <a:fillRef idx="1">
-            <a:schemeClr val="accent1"/>
-          </a:fillRef>
-          <a:effectRef idx="0">
-            <a:schemeClr val="accent1"/>
-          </a:effectRef>
-          <a:fontRef idx="minor">
-            <a:schemeClr val="lt1"/>
-          </a:fontRef>
-        </p:style>
-        <p:txBody>
-          <a:bodyPr rtlCol="0" anchor="ctr"/>
-          <a:lstStyle/>
-          <a:p>
-            <a:pPr algn="ctr"/>
-            <a:r>
-              <a:rPr lang="zh-TW" altLang="en-US" sz="1400" dirty="0">
-                <a:latin typeface="微軟正黑體" panose="020B0604030504040204" pitchFamily="34" charset="-120"/>
-                <a:ea typeface="微軟正黑體" panose="020B0604030504040204" pitchFamily="34" charset="-120"/>
-              </a:rPr>
-              <a:t>計算斜率及落點</a:t>
-            </a:r>
-          </a:p>
-        </p:txBody>
-      </p:sp>
-      <p:cxnSp>
-        <p:nvCxnSpPr>
-          <p:cNvPr id="52" name="肘形接點 51"/>
-          <p:cNvCxnSpPr>
-            <a:stCxn id="10" idx="0"/>
-          </p:cNvCxnSpPr>
-          <p:nvPr/>
-        </p:nvCxnSpPr>
-        <p:spPr>
-          <a:xfrm rot="16200000" flipV="1">
-            <a:off x="3632484" y="2237259"/>
-            <a:ext cx="1412093" cy="5009166"/>
-          </a:xfrm>
-          <a:prstGeom prst="bentConnector2">
-            <a:avLst/>
-          </a:prstGeom>
-          <a:ln>
-            <a:tailEnd type="triangle"/>
-          </a:ln>
-        </p:spPr>
-        <p:style>
-          <a:lnRef idx="1">
-            <a:schemeClr val="accent1"/>
-          </a:lnRef>
-          <a:fillRef idx="0">
-            <a:schemeClr val="accent1"/>
-          </a:fillRef>
-          <a:effectRef idx="0">
-            <a:schemeClr val="accent1"/>
-          </a:effectRef>
-          <a:fontRef idx="minor">
-            <a:schemeClr val="tx1"/>
-          </a:fontRef>
-        </p:style>
-      </p:cxnSp>
-      <p:cxnSp>
-        <p:nvCxnSpPr>
-          <p:cNvPr id="61" name="直線單箭頭接點 60"/>
-          <p:cNvCxnSpPr>
-            <a:stCxn id="26" idx="0"/>
-          </p:cNvCxnSpPr>
-          <p:nvPr/>
-        </p:nvCxnSpPr>
-        <p:spPr>
-          <a:xfrm flipH="1" flipV="1">
-            <a:off x="7500838" y="2375853"/>
-            <a:ext cx="1" cy="751699"/>
-          </a:xfrm>
-          <a:prstGeom prst="straightConnector1">
-            <a:avLst/>
-          </a:prstGeom>
-          <a:ln>
-            <a:tailEnd type="triangle"/>
-          </a:ln>
-        </p:spPr>
-        <p:style>
-          <a:lnRef idx="1">
-            <a:schemeClr val="accent1"/>
-          </a:lnRef>
-          <a:fillRef idx="0">
-            <a:schemeClr val="accent1"/>
-          </a:fillRef>
-          <a:effectRef idx="0">
-            <a:schemeClr val="accent1"/>
-          </a:effectRef>
-          <a:fontRef idx="minor">
-            <a:schemeClr val="tx1"/>
-          </a:fontRef>
-        </p:style>
-      </p:cxnSp>
-      <p:sp>
-        <p:nvSpPr>
-          <p:cNvPr id="63" name="流程圖: 決策 62">
-            <a:extLst>
-              <a:ext uri="{FF2B5EF4-FFF2-40B4-BE49-F238E27FC236}">
-                <a16:creationId xmlns:a16="http://schemas.microsoft.com/office/drawing/2014/main" id="{317DCBF4-BCDA-4B62-AE6F-C765BF58EEB7}"/>
-              </a:ext>
-            </a:extLst>
-          </p:cNvPr>
-          <p:cNvSpPr/>
-          <p:nvPr/>
-        </p:nvSpPr>
-        <p:spPr>
-          <a:xfrm>
-            <a:off x="6843111" y="1479226"/>
-            <a:ext cx="1315453" cy="906379"/>
-          </a:xfrm>
-          <a:prstGeom prst="flowChartDecision">
-            <a:avLst/>
-          </a:prstGeom>
-        </p:spPr>
-        <p:style>
-          <a:lnRef idx="2">
-            <a:schemeClr val="accent1">
-              <a:shade val="50000"/>
-            </a:schemeClr>
-          </a:lnRef>
-          <a:fillRef idx="1">
-            <a:schemeClr val="accent1"/>
-          </a:fillRef>
-          <a:effectRef idx="0">
-            <a:schemeClr val="accent1"/>
-          </a:effectRef>
-          <a:fontRef idx="minor">
-            <a:schemeClr val="lt1"/>
-          </a:fontRef>
-        </p:style>
-        <p:txBody>
-          <a:bodyPr rtlCol="0" anchor="ctr"/>
-          <a:lstStyle/>
-          <a:p>
-            <a:pPr algn="ctr"/>
-            <a:r>
-              <a:rPr lang="zh-TW" altLang="en-US" sz="1200" dirty="0">
-                <a:latin typeface="微軟正黑體" panose="020B0604030504040204" pitchFamily="34" charset="-120"/>
-                <a:ea typeface="微軟正黑體" panose="020B0604030504040204" pitchFamily="34" charset="-120"/>
-              </a:rPr>
-              <a:t>計算分數是否達標</a:t>
-            </a:r>
-          </a:p>
-        </p:txBody>
-      </p:sp>
-      <p:cxnSp>
-        <p:nvCxnSpPr>
-          <p:cNvPr id="67" name="直線單箭頭接點 66"/>
-          <p:cNvCxnSpPr>
-            <a:stCxn id="63" idx="3"/>
-          </p:cNvCxnSpPr>
-          <p:nvPr/>
-        </p:nvCxnSpPr>
-        <p:spPr>
-          <a:xfrm flipV="1">
-            <a:off x="8158564" y="1932415"/>
-            <a:ext cx="1141955" cy="1"/>
-          </a:xfrm>
-          <a:prstGeom prst="straightConnector1">
-            <a:avLst/>
-          </a:prstGeom>
-          <a:ln>
-            <a:tailEnd type="triangle"/>
-          </a:ln>
-        </p:spPr>
-        <p:style>
-          <a:lnRef idx="1">
-            <a:schemeClr val="accent1"/>
-          </a:lnRef>
-          <a:fillRef idx="0">
-            <a:schemeClr val="accent1"/>
-          </a:fillRef>
-          <a:effectRef idx="0">
-            <a:schemeClr val="accent1"/>
-          </a:effectRef>
-          <a:fontRef idx="minor">
-            <a:schemeClr val="tx1"/>
-          </a:fontRef>
-        </p:style>
-      </p:cxnSp>
-      <p:sp>
-        <p:nvSpPr>
-          <p:cNvPr id="69" name="矩形: 圓角 4">
-            <a:extLst>
-              <a:ext uri="{FF2B5EF4-FFF2-40B4-BE49-F238E27FC236}">
-                <a16:creationId xmlns:a16="http://schemas.microsoft.com/office/drawing/2014/main" id="{5F1B7FFA-B57E-4DDF-982E-18EF08CF0BFC}"/>
-              </a:ext>
-            </a:extLst>
-          </p:cNvPr>
-          <p:cNvSpPr/>
-          <p:nvPr/>
-        </p:nvSpPr>
-        <p:spPr>
-          <a:xfrm>
-            <a:off x="9304855" y="1668873"/>
-            <a:ext cx="1431758" cy="527084"/>
-          </a:xfrm>
-          <a:prstGeom prst="roundRect">
-            <a:avLst/>
-          </a:prstGeom>
-        </p:spPr>
-        <p:style>
-          <a:lnRef idx="2">
-            <a:schemeClr val="accent1">
-              <a:shade val="50000"/>
-            </a:schemeClr>
-          </a:lnRef>
-          <a:fillRef idx="1">
-            <a:schemeClr val="accent1"/>
-          </a:fillRef>
-          <a:effectRef idx="0">
-            <a:schemeClr val="accent1"/>
-          </a:effectRef>
-          <a:fontRef idx="minor">
-            <a:schemeClr val="lt1"/>
-          </a:fontRef>
-        </p:style>
-        <p:txBody>
-          <a:bodyPr rtlCol="0" anchor="ctr"/>
-          <a:lstStyle/>
-          <a:p>
-            <a:pPr algn="ctr"/>
-            <a:r>
-              <a:rPr lang="zh-TW" altLang="en-US" dirty="0" smtClean="0">
-                <a:latin typeface="微軟正黑體" panose="020B0604030504040204" pitchFamily="34" charset="-120"/>
-                <a:ea typeface="微軟正黑體" panose="020B0604030504040204" pitchFamily="34" charset="-120"/>
-              </a:rPr>
-              <a:t>遊戲</a:t>
-            </a:r>
-            <a:r>
-              <a:rPr lang="en-US" altLang="zh-TW" dirty="0" smtClean="0">
-                <a:latin typeface="微軟正黑體" panose="020B0604030504040204" pitchFamily="34" charset="-120"/>
-                <a:ea typeface="微軟正黑體" panose="020B0604030504040204" pitchFamily="34" charset="-120"/>
-              </a:rPr>
-              <a:t>END</a:t>
-            </a:r>
-            <a:endParaRPr lang="zh-TW" altLang="en-US" dirty="0">
-              <a:latin typeface="微軟正黑體" panose="020B0604030504040204" pitchFamily="34" charset="-120"/>
-              <a:ea typeface="微軟正黑體" panose="020B0604030504040204" pitchFamily="34" charset="-120"/>
-            </a:endParaRPr>
-          </a:p>
-        </p:txBody>
-      </p:sp>
-      <p:sp>
-        <p:nvSpPr>
-          <p:cNvPr id="70" name="矩形 69"/>
-          <p:cNvSpPr/>
-          <p:nvPr/>
-        </p:nvSpPr>
-        <p:spPr>
-          <a:xfrm>
-            <a:off x="8521792" y="1585540"/>
-            <a:ext cx="415498" cy="369332"/>
-          </a:xfrm>
-          <a:prstGeom prst="rect">
-            <a:avLst/>
-          </a:prstGeom>
-        </p:spPr>
-        <p:txBody>
-          <a:bodyPr wrap="none">
-            <a:spAutoFit/>
-          </a:bodyPr>
-          <a:lstStyle/>
-          <a:p>
-            <a:r>
-              <a:rPr lang="zh-TW" altLang="en-US" dirty="0">
-                <a:latin typeface="微軟正黑體" panose="020B0604030504040204" pitchFamily="34" charset="-120"/>
-                <a:ea typeface="微軟正黑體" panose="020B0604030504040204" pitchFamily="34" charset="-120"/>
-              </a:rPr>
-              <a:t>是</a:t>
-            </a:r>
-            <a:endParaRPr lang="zh-TW" altLang="en-US" dirty="0"/>
-          </a:p>
-        </p:txBody>
-      </p:sp>
-      <p:sp>
-        <p:nvSpPr>
-          <p:cNvPr id="71" name="矩形 70"/>
-          <p:cNvSpPr/>
-          <p:nvPr/>
-        </p:nvSpPr>
-        <p:spPr>
-          <a:xfrm>
-            <a:off x="6036082" y="1505767"/>
-            <a:ext cx="415498" cy="369332"/>
-          </a:xfrm>
-          <a:prstGeom prst="rect">
-            <a:avLst/>
-          </a:prstGeom>
-        </p:spPr>
-        <p:txBody>
-          <a:bodyPr wrap="none">
-            <a:spAutoFit/>
-          </a:bodyPr>
-          <a:lstStyle/>
-          <a:p>
-            <a:r>
-              <a:rPr lang="zh-TW" altLang="en-US" dirty="0">
-                <a:latin typeface="微軟正黑體" panose="020B0604030504040204" pitchFamily="34" charset="-120"/>
-                <a:ea typeface="微軟正黑體" panose="020B0604030504040204" pitchFamily="34" charset="-120"/>
-              </a:rPr>
-              <a:t>否</a:t>
-            </a:r>
-            <a:endParaRPr lang="zh-TW" altLang="en-US" dirty="0"/>
-          </a:p>
-        </p:txBody>
-      </p:sp>
-      <p:cxnSp>
-        <p:nvCxnSpPr>
-          <p:cNvPr id="73" name="肘形接點 72"/>
-          <p:cNvCxnSpPr>
-            <a:stCxn id="63" idx="1"/>
-            <a:endCxn id="7" idx="3"/>
-          </p:cNvCxnSpPr>
-          <p:nvPr/>
-        </p:nvCxnSpPr>
-        <p:spPr>
-          <a:xfrm rot="10800000" flipV="1">
-            <a:off x="2423497" y="1932416"/>
-            <a:ext cx="4419615" cy="404072"/>
-          </a:xfrm>
-          <a:prstGeom prst="bentConnector3">
-            <a:avLst/>
-          </a:prstGeom>
-          <a:ln>
-            <a:tailEnd type="triangle"/>
-          </a:ln>
-        </p:spPr>
-        <p:style>
-          <a:lnRef idx="1">
-            <a:schemeClr val="accent1"/>
-          </a:lnRef>
-          <a:fillRef idx="0">
-            <a:schemeClr val="accent1"/>
-          </a:fillRef>
-          <a:effectRef idx="0">
-            <a:schemeClr val="accent1"/>
-          </a:effectRef>
-          <a:fontRef idx="minor">
-            <a:schemeClr val="tx1"/>
-          </a:fontRef>
-        </p:style>
-      </p:cxnSp>
-    </p:spTree>
-    <p:extLst>
-      <p:ext uri="{BB962C8B-B14F-4D97-AF65-F5344CB8AC3E}">
-        <p14:creationId xmlns:p14="http://schemas.microsoft.com/office/powerpoint/2010/main" val="832724016"/>
-      </p:ext>
-    </p:extLst>
-  </p:cSld>
-  <p:clrMapOvr>
-    <a:masterClrMapping/>
-  </p:clrMapOvr>
 </p:sld>
 </file>
 

--- a/HM5/專案管理.pptx
+++ b/HM5/專案管理.pptx
@@ -203,7 +203,7 @@
           <a:p>
             <a:fld id="{8DADACD0-0803-4739-80AC-0BF714382191}" type="datetimeFigureOut">
               <a:rPr lang="zh-TW" altLang="en-US" smtClean="0"/>
-              <a:t>2020/12/8</a:t>
+              <a:t>2020/12/9</a:t>
             </a:fld>
             <a:endParaRPr lang="zh-TW" altLang="en-US"/>
           </a:p>
@@ -1777,7 +1777,7 @@
           <a:p>
             <a:fld id="{A443866F-78E9-4748-B589-0BAF5BCC8E53}" type="datetimeFigureOut">
               <a:rPr lang="zh-TW" altLang="en-US" smtClean="0"/>
-              <a:t>2020/12/8</a:t>
+              <a:t>2020/12/9</a:t>
             </a:fld>
             <a:endParaRPr lang="zh-TW" altLang="en-US"/>
           </a:p>
@@ -2020,7 +2020,7 @@
           <a:p>
             <a:fld id="{A443866F-78E9-4748-B589-0BAF5BCC8E53}" type="datetimeFigureOut">
               <a:rPr lang="zh-TW" altLang="en-US" smtClean="0"/>
-              <a:t>2020/12/8</a:t>
+              <a:t>2020/12/9</a:t>
             </a:fld>
             <a:endParaRPr lang="zh-TW" altLang="en-US"/>
           </a:p>
@@ -2200,7 +2200,7 @@
           <a:p>
             <a:fld id="{A443866F-78E9-4748-B589-0BAF5BCC8E53}" type="datetimeFigureOut">
               <a:rPr lang="zh-TW" altLang="en-US" smtClean="0"/>
-              <a:t>2020/12/8</a:t>
+              <a:t>2020/12/9</a:t>
             </a:fld>
             <a:endParaRPr lang="zh-TW" altLang="en-US"/>
           </a:p>
@@ -2370,7 +2370,7 @@
           <a:p>
             <a:fld id="{A443866F-78E9-4748-B589-0BAF5BCC8E53}" type="datetimeFigureOut">
               <a:rPr lang="zh-TW" altLang="en-US" smtClean="0"/>
-              <a:t>2020/12/8</a:t>
+              <a:t>2020/12/9</a:t>
             </a:fld>
             <a:endParaRPr lang="zh-TW" altLang="en-US"/>
           </a:p>
@@ -2649,7 +2649,7 @@
           <a:p>
             <a:fld id="{A443866F-78E9-4748-B589-0BAF5BCC8E53}" type="datetimeFigureOut">
               <a:rPr lang="zh-TW" altLang="en-US" smtClean="0"/>
-              <a:t>2020/12/8</a:t>
+              <a:t>2020/12/9</a:t>
             </a:fld>
             <a:endParaRPr lang="zh-TW" altLang="en-US"/>
           </a:p>
@@ -3850,7 +3850,7 @@
           <a:p>
             <a:fld id="{A443866F-78E9-4748-B589-0BAF5BCC8E53}" type="datetimeFigureOut">
               <a:rPr lang="zh-TW" altLang="en-US" smtClean="0"/>
-              <a:t>2020/12/8</a:t>
+              <a:t>2020/12/9</a:t>
             </a:fld>
             <a:endParaRPr lang="zh-TW" altLang="en-US"/>
           </a:p>
@@ -4246,7 +4246,7 @@
           <a:p>
             <a:fld id="{A443866F-78E9-4748-B589-0BAF5BCC8E53}" type="datetimeFigureOut">
               <a:rPr lang="zh-TW" altLang="en-US" smtClean="0"/>
-              <a:t>2020/12/8</a:t>
+              <a:t>2020/12/9</a:t>
             </a:fld>
             <a:endParaRPr lang="zh-TW" altLang="en-US"/>
           </a:p>
@@ -4369,7 +4369,7 @@
           <a:p>
             <a:fld id="{A443866F-78E9-4748-B589-0BAF5BCC8E53}" type="datetimeFigureOut">
               <a:rPr lang="zh-TW" altLang="en-US" smtClean="0"/>
-              <a:t>2020/12/8</a:t>
+              <a:t>2020/12/9</a:t>
             </a:fld>
             <a:endParaRPr lang="zh-TW" altLang="en-US"/>
           </a:p>
@@ -4464,7 +4464,7 @@
           <a:p>
             <a:fld id="{A443866F-78E9-4748-B589-0BAF5BCC8E53}" type="datetimeFigureOut">
               <a:rPr lang="zh-TW" altLang="en-US" smtClean="0"/>
-              <a:t>2020/12/8</a:t>
+              <a:t>2020/12/9</a:t>
             </a:fld>
             <a:endParaRPr lang="zh-TW" altLang="en-US"/>
           </a:p>
@@ -5230,7 +5230,7 @@
           <a:p>
             <a:fld id="{A443866F-78E9-4748-B589-0BAF5BCC8E53}" type="datetimeFigureOut">
               <a:rPr lang="zh-TW" altLang="en-US" smtClean="0"/>
-              <a:t>2020/12/8</a:t>
+              <a:t>2020/12/9</a:t>
             </a:fld>
             <a:endParaRPr lang="zh-TW" altLang="en-US"/>
           </a:p>
@@ -6073,7 +6073,7 @@
           <a:p>
             <a:fld id="{A443866F-78E9-4748-B589-0BAF5BCC8E53}" type="datetimeFigureOut">
               <a:rPr lang="zh-TW" altLang="en-US" smtClean="0"/>
-              <a:t>2020/12/8</a:t>
+              <a:t>2020/12/9</a:t>
             </a:fld>
             <a:endParaRPr lang="zh-TW" altLang="en-US"/>
           </a:p>
@@ -6300,7 +6300,7 @@
           <a:p>
             <a:fld id="{A443866F-78E9-4748-B589-0BAF5BCC8E53}" type="datetimeFigureOut">
               <a:rPr lang="zh-TW" altLang="en-US" smtClean="0"/>
-              <a:t>2020/12/8</a:t>
+              <a:t>2020/12/9</a:t>
             </a:fld>
             <a:endParaRPr lang="zh-TW" altLang="en-US"/>
           </a:p>
@@ -9104,8 +9104,8 @@
           <a:lstStyle/>
           <a:p>
             <a:r>
-              <a:rPr lang="zh-TW" altLang="en-US" dirty="0" smtClean="0"/>
-              <a:t>分析樹狀圖</a:t>
+              <a:rPr lang="en-US" altLang="zh-TW" dirty="0" smtClean="0"/>
+              <a:t>Break down</a:t>
             </a:r>
             <a:endParaRPr lang="zh-TW" altLang="en-US" dirty="0"/>
           </a:p>
@@ -10981,11 +10981,7 @@
             <a:pPr algn="r"/>
             <a:r>
               <a:rPr lang="zh-TW" altLang="en-US" sz="2000" dirty="0" smtClean="0"/>
-              <a:t>切</a:t>
-            </a:r>
-            <a:r>
-              <a:rPr lang="zh-TW" altLang="en-US" sz="2000" dirty="0" smtClean="0"/>
-              <a:t>球模組</a:t>
+              <a:t>切球模組</a:t>
             </a:r>
             <a:endParaRPr lang="en-US" altLang="zh-TW" sz="2000" dirty="0" smtClean="0"/>
           </a:p>
@@ -11897,7 +11893,6 @@
               <a:rPr lang="zh-TW" altLang="en-US" dirty="0"/>
               <a:t>距離</a:t>
             </a:r>
-            <a:endParaRPr lang="zh-TW" altLang="en-US" dirty="0"/>
           </a:p>
         </p:txBody>
       </p:sp>
